--- a/Android Optimization.pptx
+++ b/Android Optimization.pptx
@@ -1,33 +1,35 @@
 
 <file path=ppt/presentation.xml><?xml version="1.0" encoding="utf-8"?>
-<p:presentation xmlns:a="http://schemas.openxmlformats.org/drawingml/2006/main" xmlns:r="http://schemas.openxmlformats.org/officeDocument/2006/relationships" xmlns:p="http://schemas.openxmlformats.org/presentationml/2006/main" saveSubsetFonts="1">
+<p:presentation xmlns:a="http://schemas.openxmlformats.org/drawingml/2006/main" xmlns:r="http://schemas.openxmlformats.org/officeDocument/2006/relationships" xmlns:p="http://schemas.openxmlformats.org/presentationml/2006/main">
   <p:sldMasterIdLst>
-    <p:sldMasterId id="2147484176" r:id="rId1"/>
+    <p:sldMasterId id="2147483648" r:id="rId1"/>
   </p:sldMasterIdLst>
   <p:sldIdLst>
-    <p:sldId id="256" r:id="rId2"/>
-    <p:sldId id="257" r:id="rId3"/>
-    <p:sldId id="264" r:id="rId4"/>
-    <p:sldId id="260" r:id="rId5"/>
-    <p:sldId id="261" r:id="rId6"/>
-    <p:sldId id="259" r:id="rId7"/>
-    <p:sldId id="262" r:id="rId8"/>
-    <p:sldId id="263" r:id="rId9"/>
-    <p:sldId id="265" r:id="rId10"/>
-    <p:sldId id="266" r:id="rId11"/>
-    <p:sldId id="267" r:id="rId12"/>
-    <p:sldId id="268" r:id="rId13"/>
-    <p:sldId id="269" r:id="rId14"/>
-    <p:sldId id="270" r:id="rId15"/>
-    <p:sldId id="271" r:id="rId16"/>
-    <p:sldId id="272" r:id="rId17"/>
-    <p:sldId id="273" r:id="rId18"/>
-    <p:sldId id="274" r:id="rId19"/>
-    <p:sldId id="276" r:id="rId20"/>
-    <p:sldId id="275" r:id="rId21"/>
-    <p:sldId id="277" r:id="rId22"/>
-    <p:sldId id="279" r:id="rId23"/>
-    <p:sldId id="278" r:id="rId24"/>
+    <p:sldId id="256" r:id="rId3"/>
+    <p:sldId id="257" r:id="rId4"/>
+    <p:sldId id="264" r:id="rId5"/>
+    <p:sldId id="260" r:id="rId6"/>
+    <p:sldId id="261" r:id="rId7"/>
+    <p:sldId id="259" r:id="rId8"/>
+    <p:sldId id="262" r:id="rId9"/>
+    <p:sldId id="263" r:id="rId10"/>
+    <p:sldId id="265" r:id="rId11"/>
+    <p:sldId id="266" r:id="rId12"/>
+    <p:sldId id="267" r:id="rId13"/>
+    <p:sldId id="285" r:id="rId14"/>
+    <p:sldId id="268" r:id="rId15"/>
+    <p:sldId id="269" r:id="rId16"/>
+    <p:sldId id="270" r:id="rId17"/>
+    <p:sldId id="271" r:id="rId18"/>
+    <p:sldId id="272" r:id="rId19"/>
+    <p:sldId id="273" r:id="rId20"/>
+    <p:sldId id="274" r:id="rId21"/>
+    <p:sldId id="276" r:id="rId22"/>
+    <p:sldId id="275" r:id="rId23"/>
+    <p:sldId id="277" r:id="rId24"/>
+    <p:sldId id="279" r:id="rId25"/>
+    <p:sldId id="278" r:id="rId26"/>
+    <p:sldId id="286" r:id="rId27"/>
   </p:sldIdLst>
   <p:sldSz cx="9144000" cy="6858000" type="screen4x3"/>
   <p:notesSz cx="6858000" cy="9144000"/>
@@ -349,8 +351,6 @@
           <a:p>
             <a:fld id="{530820CF-B880-4189-942D-D702A7CBA730}" type="datetimeFigureOut">
               <a:rPr lang="zh-CN" altLang="en-US" smtClean="0"/>
-              <a:pPr/>
-              <a:t>2016-11-28</a:t>
             </a:fld>
             <a:endParaRPr lang="zh-CN" altLang="en-US"/>
           </a:p>
@@ -392,8 +392,6 @@
           <a:p>
             <a:fld id="{0C913308-F349-4B6D-A68A-DD1791B4A57B}" type="slidenum">
               <a:rPr lang="zh-CN" altLang="en-US" smtClean="0"/>
-              <a:pPr/>
-              <a:t>‹#›</a:t>
             </a:fld>
             <a:endParaRPr lang="zh-CN" altLang="en-US"/>
           </a:p>
@@ -524,6 +522,7 @@
               <a:rPr lang="zh-CN" altLang="en-US" smtClean="0"/>
               <a:t>单击此处编辑母版文本样式</a:t>
             </a:r>
+            <a:endParaRPr lang="zh-CN" altLang="en-US" smtClean="0"/>
           </a:p>
           <a:p>
             <a:pPr lvl="1" eaLnBrk="1" latinLnBrk="0" hangingPunct="1"/>
@@ -531,6 +530,7 @@
               <a:rPr lang="zh-CN" altLang="en-US" smtClean="0"/>
               <a:t>第二级</a:t>
             </a:r>
+            <a:endParaRPr lang="zh-CN" altLang="en-US" smtClean="0"/>
           </a:p>
           <a:p>
             <a:pPr lvl="2" eaLnBrk="1" latinLnBrk="0" hangingPunct="1"/>
@@ -538,6 +538,7 @@
               <a:rPr lang="zh-CN" altLang="en-US" smtClean="0"/>
               <a:t>第三级</a:t>
             </a:r>
+            <a:endParaRPr lang="zh-CN" altLang="en-US" smtClean="0"/>
           </a:p>
           <a:p>
             <a:pPr lvl="3" eaLnBrk="1" latinLnBrk="0" hangingPunct="1"/>
@@ -545,6 +546,7 @@
               <a:rPr lang="zh-CN" altLang="en-US" smtClean="0"/>
               <a:t>第四级</a:t>
             </a:r>
+            <a:endParaRPr lang="zh-CN" altLang="en-US" smtClean="0"/>
           </a:p>
           <a:p>
             <a:pPr lvl="4" eaLnBrk="1" latinLnBrk="0" hangingPunct="1"/>
@@ -573,8 +575,6 @@
           <a:p>
             <a:fld id="{530820CF-B880-4189-942D-D702A7CBA730}" type="datetimeFigureOut">
               <a:rPr lang="zh-CN" altLang="en-US" smtClean="0"/>
-              <a:pPr/>
-              <a:t>2016-11-28</a:t>
             </a:fld>
             <a:endParaRPr lang="zh-CN" altLang="en-US"/>
           </a:p>
@@ -616,8 +616,6 @@
           <a:p>
             <a:fld id="{0C913308-F349-4B6D-A68A-DD1791B4A57B}" type="slidenum">
               <a:rPr lang="zh-CN" altLang="en-US" smtClean="0"/>
-              <a:pPr/>
-              <a:t>‹#›</a:t>
             </a:fld>
             <a:endParaRPr lang="zh-CN" altLang="en-US"/>
           </a:p>
@@ -794,6 +792,7 @@
               <a:rPr lang="zh-CN" altLang="en-US" smtClean="0"/>
               <a:t>单击此处编辑母版文本样式</a:t>
             </a:r>
+            <a:endParaRPr lang="zh-CN" altLang="en-US" smtClean="0"/>
           </a:p>
           <a:p>
             <a:pPr lvl="1" eaLnBrk="1" latinLnBrk="0" hangingPunct="1"/>
@@ -801,6 +800,7 @@
               <a:rPr lang="zh-CN" altLang="en-US" smtClean="0"/>
               <a:t>第二级</a:t>
             </a:r>
+            <a:endParaRPr lang="zh-CN" altLang="en-US" smtClean="0"/>
           </a:p>
           <a:p>
             <a:pPr lvl="2" eaLnBrk="1" latinLnBrk="0" hangingPunct="1"/>
@@ -808,6 +808,7 @@
               <a:rPr lang="zh-CN" altLang="en-US" smtClean="0"/>
               <a:t>第三级</a:t>
             </a:r>
+            <a:endParaRPr lang="zh-CN" altLang="en-US" smtClean="0"/>
           </a:p>
           <a:p>
             <a:pPr lvl="3" eaLnBrk="1" latinLnBrk="0" hangingPunct="1"/>
@@ -815,6 +816,7 @@
               <a:rPr lang="zh-CN" altLang="en-US" smtClean="0"/>
               <a:t>第四级</a:t>
             </a:r>
+            <a:endParaRPr lang="zh-CN" altLang="en-US" smtClean="0"/>
           </a:p>
           <a:p>
             <a:pPr lvl="4" eaLnBrk="1" latinLnBrk="0" hangingPunct="1"/>
@@ -843,8 +845,6 @@
           <a:p>
             <a:fld id="{530820CF-B880-4189-942D-D702A7CBA730}" type="datetimeFigureOut">
               <a:rPr lang="zh-CN" altLang="en-US" smtClean="0"/>
-              <a:pPr/>
-              <a:t>2016-11-28</a:t>
             </a:fld>
             <a:endParaRPr lang="zh-CN" altLang="en-US"/>
           </a:p>
@@ -886,8 +886,6 @@
           <a:p>
             <a:fld id="{0C913308-F349-4B6D-A68A-DD1791B4A57B}" type="slidenum">
               <a:rPr lang="zh-CN" altLang="en-US" smtClean="0"/>
-              <a:pPr/>
-              <a:t>‹#›</a:t>
             </a:fld>
             <a:endParaRPr lang="zh-CN" altLang="en-US"/>
           </a:p>
@@ -1046,6 +1044,7 @@
               <a:rPr lang="zh-CN" altLang="en-US" smtClean="0"/>
               <a:t>单击此处编辑母版文本样式</a:t>
             </a:r>
+            <a:endParaRPr lang="zh-CN" altLang="en-US" smtClean="0"/>
           </a:p>
           <a:p>
             <a:pPr lvl="1" eaLnBrk="1" latinLnBrk="0" hangingPunct="1"/>
@@ -1053,6 +1052,7 @@
               <a:rPr lang="zh-CN" altLang="en-US" smtClean="0"/>
               <a:t>第二级</a:t>
             </a:r>
+            <a:endParaRPr lang="zh-CN" altLang="en-US" smtClean="0"/>
           </a:p>
           <a:p>
             <a:pPr lvl="2" eaLnBrk="1" latinLnBrk="0" hangingPunct="1"/>
@@ -1060,6 +1060,7 @@
               <a:rPr lang="zh-CN" altLang="en-US" smtClean="0"/>
               <a:t>第三级</a:t>
             </a:r>
+            <a:endParaRPr lang="zh-CN" altLang="en-US" smtClean="0"/>
           </a:p>
           <a:p>
             <a:pPr lvl="3" eaLnBrk="1" latinLnBrk="0" hangingPunct="1"/>
@@ -1067,6 +1068,7 @@
               <a:rPr lang="zh-CN" altLang="en-US" smtClean="0"/>
               <a:t>第四级</a:t>
             </a:r>
+            <a:endParaRPr lang="zh-CN" altLang="en-US" smtClean="0"/>
           </a:p>
           <a:p>
             <a:pPr lvl="4" eaLnBrk="1" latinLnBrk="0" hangingPunct="1"/>
@@ -1095,8 +1097,6 @@
           <a:p>
             <a:fld id="{530820CF-B880-4189-942D-D702A7CBA730}" type="datetimeFigureOut">
               <a:rPr lang="zh-CN" altLang="en-US" smtClean="0"/>
-              <a:pPr/>
-              <a:t>2016-11-28</a:t>
             </a:fld>
             <a:endParaRPr lang="zh-CN" altLang="en-US"/>
           </a:p>
@@ -1138,8 +1138,6 @@
           <a:p>
             <a:fld id="{0C913308-F349-4B6D-A68A-DD1791B4A57B}" type="slidenum">
               <a:rPr lang="zh-CN" altLang="en-US" smtClean="0"/>
-              <a:pPr/>
-              <a:t>‹#›</a:t>
             </a:fld>
             <a:endParaRPr lang="zh-CN" altLang="en-US"/>
           </a:p>
@@ -1336,6 +1334,7 @@
               <a:rPr kumimoji="0" lang="zh-CN" altLang="en-US" smtClean="0"/>
               <a:t>单击此处编辑母版文本样式</a:t>
             </a:r>
+            <a:endParaRPr kumimoji="0" lang="zh-CN" altLang="en-US" smtClean="0"/>
           </a:p>
         </p:txBody>
       </p:sp>
@@ -1356,8 +1355,6 @@
           <a:p>
             <a:fld id="{530820CF-B880-4189-942D-D702A7CBA730}" type="datetimeFigureOut">
               <a:rPr lang="zh-CN" altLang="en-US" smtClean="0"/>
-              <a:pPr/>
-              <a:t>2016-11-28</a:t>
             </a:fld>
             <a:endParaRPr lang="zh-CN" altLang="en-US"/>
           </a:p>
@@ -1399,8 +1396,6 @@
           <a:p>
             <a:fld id="{0C913308-F349-4B6D-A68A-DD1791B4A57B}" type="slidenum">
               <a:rPr lang="zh-CN" altLang="en-US" smtClean="0"/>
-              <a:pPr/>
-              <a:t>‹#›</a:t>
             </a:fld>
             <a:endParaRPr lang="zh-CN" altLang="en-US"/>
           </a:p>
@@ -1589,6 +1584,7 @@
               <a:rPr lang="zh-CN" altLang="en-US" smtClean="0"/>
               <a:t>单击此处编辑母版文本样式</a:t>
             </a:r>
+            <a:endParaRPr lang="zh-CN" altLang="en-US" smtClean="0"/>
           </a:p>
           <a:p>
             <a:pPr lvl="1" eaLnBrk="1" latinLnBrk="0" hangingPunct="1"/>
@@ -1596,6 +1592,7 @@
               <a:rPr lang="zh-CN" altLang="en-US" smtClean="0"/>
               <a:t>第二级</a:t>
             </a:r>
+            <a:endParaRPr lang="zh-CN" altLang="en-US" smtClean="0"/>
           </a:p>
           <a:p>
             <a:pPr lvl="2" eaLnBrk="1" latinLnBrk="0" hangingPunct="1"/>
@@ -1603,6 +1600,7 @@
               <a:rPr lang="zh-CN" altLang="en-US" smtClean="0"/>
               <a:t>第三级</a:t>
             </a:r>
+            <a:endParaRPr lang="zh-CN" altLang="en-US" smtClean="0"/>
           </a:p>
           <a:p>
             <a:pPr lvl="3" eaLnBrk="1" latinLnBrk="0" hangingPunct="1"/>
@@ -1610,6 +1608,7 @@
               <a:rPr lang="zh-CN" altLang="en-US" smtClean="0"/>
               <a:t>第四级</a:t>
             </a:r>
+            <a:endParaRPr lang="zh-CN" altLang="en-US" smtClean="0"/>
           </a:p>
           <a:p>
             <a:pPr lvl="4" eaLnBrk="1" latinLnBrk="0" hangingPunct="1"/>
@@ -1674,6 +1673,7 @@
               <a:rPr lang="zh-CN" altLang="en-US" smtClean="0"/>
               <a:t>单击此处编辑母版文本样式</a:t>
             </a:r>
+            <a:endParaRPr lang="zh-CN" altLang="en-US" smtClean="0"/>
           </a:p>
           <a:p>
             <a:pPr lvl="1" eaLnBrk="1" latinLnBrk="0" hangingPunct="1"/>
@@ -1681,6 +1681,7 @@
               <a:rPr lang="zh-CN" altLang="en-US" smtClean="0"/>
               <a:t>第二级</a:t>
             </a:r>
+            <a:endParaRPr lang="zh-CN" altLang="en-US" smtClean="0"/>
           </a:p>
           <a:p>
             <a:pPr lvl="2" eaLnBrk="1" latinLnBrk="0" hangingPunct="1"/>
@@ -1688,6 +1689,7 @@
               <a:rPr lang="zh-CN" altLang="en-US" smtClean="0"/>
               <a:t>第三级</a:t>
             </a:r>
+            <a:endParaRPr lang="zh-CN" altLang="en-US" smtClean="0"/>
           </a:p>
           <a:p>
             <a:pPr lvl="3" eaLnBrk="1" latinLnBrk="0" hangingPunct="1"/>
@@ -1695,6 +1697,7 @@
               <a:rPr lang="zh-CN" altLang="en-US" smtClean="0"/>
               <a:t>第四级</a:t>
             </a:r>
+            <a:endParaRPr lang="zh-CN" altLang="en-US" smtClean="0"/>
           </a:p>
           <a:p>
             <a:pPr lvl="4" eaLnBrk="1" latinLnBrk="0" hangingPunct="1"/>
@@ -1723,8 +1726,6 @@
           <a:p>
             <a:fld id="{530820CF-B880-4189-942D-D702A7CBA730}" type="datetimeFigureOut">
               <a:rPr lang="zh-CN" altLang="en-US" smtClean="0"/>
-              <a:pPr/>
-              <a:t>2016-11-28</a:t>
             </a:fld>
             <a:endParaRPr lang="zh-CN" altLang="en-US"/>
           </a:p>
@@ -1766,8 +1767,6 @@
           <a:p>
             <a:fld id="{0C913308-F349-4B6D-A68A-DD1791B4A57B}" type="slidenum">
               <a:rPr lang="zh-CN" altLang="en-US" smtClean="0"/>
-              <a:pPr/>
-              <a:t>‹#›</a:t>
             </a:fld>
             <a:endParaRPr lang="zh-CN" altLang="en-US"/>
           </a:p>
@@ -1968,6 +1967,7 @@
               <a:rPr kumimoji="0" lang="zh-CN" altLang="en-US" smtClean="0"/>
               <a:t>单击此处编辑母版文本样式</a:t>
             </a:r>
+            <a:endParaRPr kumimoji="0" lang="zh-CN" altLang="en-US" smtClean="0"/>
           </a:p>
         </p:txBody>
       </p:sp>
@@ -2024,6 +2024,7 @@
               <a:rPr lang="zh-CN" altLang="en-US" smtClean="0"/>
               <a:t>单击此处编辑母版文本样式</a:t>
             </a:r>
+            <a:endParaRPr lang="zh-CN" altLang="en-US" smtClean="0"/>
           </a:p>
           <a:p>
             <a:pPr lvl="1" eaLnBrk="1" latinLnBrk="0" hangingPunct="1"/>
@@ -2031,6 +2032,7 @@
               <a:rPr lang="zh-CN" altLang="en-US" smtClean="0"/>
               <a:t>第二级</a:t>
             </a:r>
+            <a:endParaRPr lang="zh-CN" altLang="en-US" smtClean="0"/>
           </a:p>
           <a:p>
             <a:pPr lvl="2" eaLnBrk="1" latinLnBrk="0" hangingPunct="1"/>
@@ -2038,6 +2040,7 @@
               <a:rPr lang="zh-CN" altLang="en-US" smtClean="0"/>
               <a:t>第三级</a:t>
             </a:r>
+            <a:endParaRPr lang="zh-CN" altLang="en-US" smtClean="0"/>
           </a:p>
           <a:p>
             <a:pPr lvl="3" eaLnBrk="1" latinLnBrk="0" hangingPunct="1"/>
@@ -2045,6 +2048,7 @@
               <a:rPr lang="zh-CN" altLang="en-US" smtClean="0"/>
               <a:t>第四级</a:t>
             </a:r>
+            <a:endParaRPr lang="zh-CN" altLang="en-US" smtClean="0"/>
           </a:p>
           <a:p>
             <a:pPr lvl="4" eaLnBrk="1" latinLnBrk="0" hangingPunct="1"/>
@@ -2118,6 +2122,7 @@
               <a:rPr kumimoji="0" lang="zh-CN" altLang="en-US" smtClean="0"/>
               <a:t>单击此处编辑母版文本样式</a:t>
             </a:r>
+            <a:endParaRPr kumimoji="0" lang="zh-CN" altLang="en-US" smtClean="0"/>
           </a:p>
         </p:txBody>
       </p:sp>
@@ -2174,6 +2179,7 @@
               <a:rPr lang="zh-CN" altLang="en-US" smtClean="0"/>
               <a:t>单击此处编辑母版文本样式</a:t>
             </a:r>
+            <a:endParaRPr lang="zh-CN" altLang="en-US" smtClean="0"/>
           </a:p>
           <a:p>
             <a:pPr lvl="1" eaLnBrk="1" latinLnBrk="0" hangingPunct="1"/>
@@ -2181,6 +2187,7 @@
               <a:rPr lang="zh-CN" altLang="en-US" smtClean="0"/>
               <a:t>第二级</a:t>
             </a:r>
+            <a:endParaRPr lang="zh-CN" altLang="en-US" smtClean="0"/>
           </a:p>
           <a:p>
             <a:pPr lvl="2" eaLnBrk="1" latinLnBrk="0" hangingPunct="1"/>
@@ -2188,6 +2195,7 @@
               <a:rPr lang="zh-CN" altLang="en-US" smtClean="0"/>
               <a:t>第三级</a:t>
             </a:r>
+            <a:endParaRPr lang="zh-CN" altLang="en-US" smtClean="0"/>
           </a:p>
           <a:p>
             <a:pPr lvl="3" eaLnBrk="1" latinLnBrk="0" hangingPunct="1"/>
@@ -2195,6 +2203,7 @@
               <a:rPr lang="zh-CN" altLang="en-US" smtClean="0"/>
               <a:t>第四级</a:t>
             </a:r>
+            <a:endParaRPr lang="zh-CN" altLang="en-US" smtClean="0"/>
           </a:p>
           <a:p>
             <a:pPr lvl="4" eaLnBrk="1" latinLnBrk="0" hangingPunct="1"/>
@@ -2223,8 +2232,6 @@
           <a:p>
             <a:fld id="{530820CF-B880-4189-942D-D702A7CBA730}" type="datetimeFigureOut">
               <a:rPr lang="zh-CN" altLang="en-US" smtClean="0"/>
-              <a:pPr/>
-              <a:t>2016-11-28</a:t>
             </a:fld>
             <a:endParaRPr lang="zh-CN" altLang="en-US"/>
           </a:p>
@@ -2266,8 +2273,6 @@
           <a:p>
             <a:fld id="{0C913308-F349-4B6D-A68A-DD1791B4A57B}" type="slidenum">
               <a:rPr lang="zh-CN" altLang="en-US" smtClean="0"/>
-              <a:pPr/>
-              <a:t>‹#›</a:t>
             </a:fld>
             <a:endParaRPr lang="zh-CN" altLang="en-US"/>
           </a:p>
@@ -2419,8 +2424,6 @@
           <a:p>
             <a:fld id="{530820CF-B880-4189-942D-D702A7CBA730}" type="datetimeFigureOut">
               <a:rPr lang="zh-CN" altLang="en-US" smtClean="0"/>
-              <a:pPr/>
-              <a:t>2016-11-28</a:t>
             </a:fld>
             <a:endParaRPr lang="zh-CN" altLang="en-US"/>
           </a:p>
@@ -2462,8 +2465,6 @@
           <a:p>
             <a:fld id="{0C913308-F349-4B6D-A68A-DD1791B4A57B}" type="slidenum">
               <a:rPr lang="zh-CN" altLang="en-US" smtClean="0"/>
-              <a:pPr/>
-              <a:t>‹#›</a:t>
             </a:fld>
             <a:endParaRPr lang="zh-CN" altLang="en-US"/>
           </a:p>
@@ -2592,8 +2593,6 @@
           <a:p>
             <a:fld id="{530820CF-B880-4189-942D-D702A7CBA730}" type="datetimeFigureOut">
               <a:rPr lang="zh-CN" altLang="en-US" smtClean="0"/>
-              <a:pPr/>
-              <a:t>2016-11-28</a:t>
             </a:fld>
             <a:endParaRPr lang="zh-CN" altLang="en-US"/>
           </a:p>
@@ -2635,8 +2634,6 @@
           <a:p>
             <a:fld id="{0C913308-F349-4B6D-A68A-DD1791B4A57B}" type="slidenum">
               <a:rPr lang="zh-CN" altLang="en-US" smtClean="0"/>
-              <a:pPr/>
-              <a:t>‹#›</a:t>
             </a:fld>
             <a:endParaRPr lang="zh-CN" altLang="en-US"/>
           </a:p>
@@ -2851,6 +2848,7 @@
               <a:rPr lang="zh-CN" altLang="en-US" smtClean="0"/>
               <a:t>单击此处编辑母版文本样式</a:t>
             </a:r>
+            <a:endParaRPr lang="zh-CN" altLang="en-US" smtClean="0"/>
           </a:p>
           <a:p>
             <a:pPr lvl="1" eaLnBrk="1" latinLnBrk="0" hangingPunct="1"/>
@@ -2858,6 +2856,7 @@
               <a:rPr lang="zh-CN" altLang="en-US" smtClean="0"/>
               <a:t>第二级</a:t>
             </a:r>
+            <a:endParaRPr lang="zh-CN" altLang="en-US" smtClean="0"/>
           </a:p>
           <a:p>
             <a:pPr lvl="2" eaLnBrk="1" latinLnBrk="0" hangingPunct="1"/>
@@ -2865,6 +2864,7 @@
               <a:rPr lang="zh-CN" altLang="en-US" smtClean="0"/>
               <a:t>第三级</a:t>
             </a:r>
+            <a:endParaRPr lang="zh-CN" altLang="en-US" smtClean="0"/>
           </a:p>
           <a:p>
             <a:pPr lvl="3" eaLnBrk="1" latinLnBrk="0" hangingPunct="1"/>
@@ -2872,6 +2872,7 @@
               <a:rPr lang="zh-CN" altLang="en-US" smtClean="0"/>
               <a:t>第四级</a:t>
             </a:r>
+            <a:endParaRPr lang="zh-CN" altLang="en-US" smtClean="0"/>
           </a:p>
           <a:p>
             <a:pPr lvl="4" eaLnBrk="1" latinLnBrk="0" hangingPunct="1"/>
@@ -2945,6 +2946,7 @@
               <a:rPr lang="zh-CN" altLang="en-US" smtClean="0"/>
               <a:t>单击此处编辑母版文本样式</a:t>
             </a:r>
+            <a:endParaRPr lang="zh-CN" altLang="en-US" smtClean="0"/>
           </a:p>
           <a:p>
             <a:pPr lvl="1" eaLnBrk="1" latinLnBrk="0" hangingPunct="1"/>
@@ -2952,6 +2954,7 @@
               <a:rPr lang="zh-CN" altLang="en-US" smtClean="0"/>
               <a:t>第二级</a:t>
             </a:r>
+            <a:endParaRPr lang="zh-CN" altLang="en-US" smtClean="0"/>
           </a:p>
           <a:p>
             <a:pPr lvl="2" eaLnBrk="1" latinLnBrk="0" hangingPunct="1"/>
@@ -2959,6 +2962,7 @@
               <a:rPr lang="zh-CN" altLang="en-US" smtClean="0"/>
               <a:t>第三级</a:t>
             </a:r>
+            <a:endParaRPr lang="zh-CN" altLang="en-US" smtClean="0"/>
           </a:p>
           <a:p>
             <a:pPr lvl="3" eaLnBrk="1" latinLnBrk="0" hangingPunct="1"/>
@@ -2966,6 +2970,7 @@
               <a:rPr lang="zh-CN" altLang="en-US" smtClean="0"/>
               <a:t>第四级</a:t>
             </a:r>
+            <a:endParaRPr lang="zh-CN" altLang="en-US" smtClean="0"/>
           </a:p>
           <a:p>
             <a:pPr lvl="4" eaLnBrk="1" latinLnBrk="0" hangingPunct="1"/>
@@ -2994,8 +2999,6 @@
           <a:p>
             <a:fld id="{530820CF-B880-4189-942D-D702A7CBA730}" type="datetimeFigureOut">
               <a:rPr lang="zh-CN" altLang="en-US" smtClean="0"/>
-              <a:pPr/>
-              <a:t>2016-11-28</a:t>
             </a:fld>
             <a:endParaRPr lang="zh-CN" altLang="en-US"/>
           </a:p>
@@ -3037,8 +3040,6 @@
           <a:p>
             <a:fld id="{0C913308-F349-4B6D-A68A-DD1791B4A57B}" type="slidenum">
               <a:rPr lang="zh-CN" altLang="en-US" smtClean="0"/>
-              <a:pPr/>
-              <a:t>‹#›</a:t>
             </a:fld>
             <a:endParaRPr lang="zh-CN" altLang="en-US"/>
           </a:p>
@@ -3351,6 +3352,7 @@
               <a:rPr kumimoji="0" lang="zh-CN" altLang="en-US" smtClean="0"/>
               <a:t>单击此处编辑母版文本样式</a:t>
             </a:r>
+            <a:endParaRPr kumimoji="0" lang="zh-CN" altLang="en-US" smtClean="0"/>
           </a:p>
         </p:txBody>
       </p:sp>
@@ -3376,8 +3378,6 @@
           <a:p>
             <a:fld id="{530820CF-B880-4189-942D-D702A7CBA730}" type="datetimeFigureOut">
               <a:rPr lang="zh-CN" altLang="en-US" smtClean="0"/>
-              <a:pPr/>
-              <a:t>2016-11-28</a:t>
             </a:fld>
             <a:endParaRPr lang="zh-CN" altLang="en-US"/>
           </a:p>
@@ -3447,8 +3447,6 @@
           <a:p>
             <a:fld id="{0C913308-F349-4B6D-A68A-DD1791B4A57B}" type="slidenum">
               <a:rPr lang="zh-CN" altLang="en-US" smtClean="0"/>
-              <a:pPr/>
-              <a:t>‹#›</a:t>
             </a:fld>
             <a:endParaRPr lang="zh-CN" altLang="en-US"/>
           </a:p>
@@ -3587,6 +3585,7 @@
               <a:rPr kumimoji="0" lang="zh-CN" altLang="en-US" smtClean="0"/>
               <a:t>单击此处编辑母版文本样式</a:t>
             </a:r>
+            <a:endParaRPr kumimoji="0" lang="zh-CN" altLang="en-US" smtClean="0"/>
           </a:p>
           <a:p>
             <a:pPr lvl="1" eaLnBrk="1" latinLnBrk="0" hangingPunct="1"/>
@@ -3594,6 +3593,7 @@
               <a:rPr kumimoji="0" lang="zh-CN" altLang="en-US" smtClean="0"/>
               <a:t>第二级</a:t>
             </a:r>
+            <a:endParaRPr kumimoji="0" lang="zh-CN" altLang="en-US" smtClean="0"/>
           </a:p>
           <a:p>
             <a:pPr lvl="2" eaLnBrk="1" latinLnBrk="0" hangingPunct="1"/>
@@ -3601,6 +3601,7 @@
               <a:rPr kumimoji="0" lang="zh-CN" altLang="en-US" smtClean="0"/>
               <a:t>第三级</a:t>
             </a:r>
+            <a:endParaRPr kumimoji="0" lang="zh-CN" altLang="en-US" smtClean="0"/>
           </a:p>
           <a:p>
             <a:pPr lvl="3" eaLnBrk="1" latinLnBrk="0" hangingPunct="1"/>
@@ -3608,6 +3609,7 @@
               <a:rPr kumimoji="0" lang="zh-CN" altLang="en-US" smtClean="0"/>
               <a:t>第四级</a:t>
             </a:r>
+            <a:endParaRPr kumimoji="0" lang="zh-CN" altLang="en-US" smtClean="0"/>
           </a:p>
           <a:p>
             <a:pPr lvl="4" eaLnBrk="1" latinLnBrk="0" hangingPunct="1"/>
@@ -3652,8 +3654,6 @@
           <a:p>
             <a:fld id="{530820CF-B880-4189-942D-D702A7CBA730}" type="datetimeFigureOut">
               <a:rPr lang="zh-CN" altLang="en-US" smtClean="0"/>
-              <a:pPr/>
-              <a:t>2016-11-28</a:t>
             </a:fld>
             <a:endParaRPr lang="zh-CN" altLang="en-US"/>
           </a:p>
@@ -3727,8 +3727,6 @@
           <a:p>
             <a:fld id="{0C913308-F349-4B6D-A68A-DD1791B4A57B}" type="slidenum">
               <a:rPr lang="zh-CN" altLang="en-US" smtClean="0"/>
-              <a:pPr/>
-              <a:t>‹#›</a:t>
             </a:fld>
             <a:endParaRPr lang="zh-CN" altLang="en-US"/>
           </a:p>
@@ -3738,17 +3736,17 @@
   </p:cSld>
   <p:clrMap bg1="dk1" tx1="lt1" bg2="dk2" tx2="lt2" accent1="accent1" accent2="accent2" accent3="accent3" accent4="accent4" accent5="accent5" accent6="accent6" hlink="hlink" folHlink="folHlink"/>
   <p:sldLayoutIdLst>
-    <p:sldLayoutId id="2147484177" r:id="rId1"/>
-    <p:sldLayoutId id="2147484178" r:id="rId2"/>
-    <p:sldLayoutId id="2147484179" r:id="rId3"/>
-    <p:sldLayoutId id="2147484180" r:id="rId4"/>
-    <p:sldLayoutId id="2147484181" r:id="rId5"/>
-    <p:sldLayoutId id="2147484182" r:id="rId6"/>
-    <p:sldLayoutId id="2147484183" r:id="rId7"/>
-    <p:sldLayoutId id="2147484184" r:id="rId8"/>
-    <p:sldLayoutId id="2147484185" r:id="rId9"/>
-    <p:sldLayoutId id="2147484186" r:id="rId10"/>
-    <p:sldLayoutId id="2147484187" r:id="rId11"/>
+    <p:sldLayoutId id="2147483649" r:id="rId1"/>
+    <p:sldLayoutId id="2147483650" r:id="rId2"/>
+    <p:sldLayoutId id="2147483651" r:id="rId3"/>
+    <p:sldLayoutId id="2147483652" r:id="rId4"/>
+    <p:sldLayoutId id="2147483653" r:id="rId5"/>
+    <p:sldLayoutId id="2147483654" r:id="rId6"/>
+    <p:sldLayoutId id="2147483655" r:id="rId7"/>
+    <p:sldLayoutId id="2147483656" r:id="rId8"/>
+    <p:sldLayoutId id="2147483657" r:id="rId9"/>
+    <p:sldLayoutId id="2147483658" r:id="rId10"/>
+    <p:sldLayoutId id="2147483659" r:id="rId11"/>
   </p:sldLayoutIdLst>
   <p:txStyles>
     <p:titleStyle>
@@ -3934,7 +3932,7 @@
         <a:spcBef>
           <a:spcPct val="20000"/>
         </a:spcBef>
-        <a:buFont typeface="Arial"/>
+        <a:buFont typeface="Arial" panose="020B0604020202020204"/>
         <a:buChar char="•"/>
         <a:defRPr kumimoji="0" sz="2000" kern="1200">
           <a:solidFill>
@@ -3949,7 +3947,7 @@
         <a:spcBef>
           <a:spcPct val="20000"/>
         </a:spcBef>
-        <a:buFont typeface="Arial"/>
+        <a:buFont typeface="Arial" panose="020B0604020202020204"/>
         <a:buChar char="•"/>
         <a:defRPr kumimoji="0" sz="2000" kern="1200">
           <a:solidFill>
@@ -3964,7 +3962,7 @@
         <a:spcBef>
           <a:spcPct val="20000"/>
         </a:spcBef>
-        <a:buFont typeface="Arial"/>
+        <a:buFont typeface="Arial" panose="020B0604020202020204"/>
         <a:buChar char="•"/>
         <a:defRPr kumimoji="0" sz="2000" kern="1200">
           <a:solidFill>
@@ -3979,7 +3977,7 @@
         <a:spcBef>
           <a:spcPct val="20000"/>
         </a:spcBef>
-        <a:buFont typeface="Arial"/>
+        <a:buFont typeface="Arial" panose="020B0604020202020204"/>
         <a:buChar char="•"/>
         <a:defRPr kumimoji="0" sz="2000" kern="1200">
           <a:solidFill>
@@ -4120,14 +4118,20 @@
           <a:lstStyle/>
           <a:p>
             <a:r>
-              <a:rPr lang="en-US" altLang="zh-CN" dirty="0" smtClean="0"/>
+              <a:rPr lang="en-US" altLang="zh-CN" dirty="0" smtClean="0">
+                <a:latin typeface="+mj-ea"/>
+              </a:rPr>
               <a:t>Android</a:t>
             </a:r>
             <a:r>
-              <a:rPr lang="zh-CN" altLang="en-US" dirty="0" smtClean="0"/>
+              <a:rPr lang="zh-CN" altLang="en-US" dirty="0" smtClean="0">
+                <a:latin typeface="+mj-ea"/>
+              </a:rPr>
               <a:t>应用性能优化实践</a:t>
             </a:r>
-            <a:endParaRPr lang="zh-CN" altLang="en-US" dirty="0"/>
+            <a:endParaRPr lang="zh-CN" altLang="en-US" dirty="0">
+              <a:latin typeface="+mj-ea"/>
+            </a:endParaRPr>
           </a:p>
         </p:txBody>
       </p:sp>
@@ -4141,28 +4145,71 @@
             <p:ph type="subTitle" idx="1"/>
           </p:nvPr>
         </p:nvSpPr>
-        <p:spPr/>
+        <p:spPr>
+          <a:xfrm>
+            <a:off x="942613" y="2759581"/>
+            <a:ext cx="6100534" cy="1740989"/>
+          </a:xfrm>
+        </p:spPr>
         <p:txBody>
           <a:bodyPr>
             <a:normAutofit/>
           </a:bodyPr>
           <a:lstStyle/>
           <a:p>
-            <a:r>
-              <a:rPr lang="zh-CN" altLang="en-US" dirty="0" smtClean="0"/>
+            <a:pPr algn="l"/>
+            <a:r>
+              <a:rPr lang="zh-CN" altLang="en-US" dirty="0" smtClean="0">
+                <a:latin typeface="宋体" panose="02010600030101010101" pitchFamily="2" charset="-122"/>
+                <a:ea typeface="宋体" panose="02010600030101010101" pitchFamily="2" charset="-122"/>
+              </a:rPr>
               <a:t>马培羽　</a:t>
             </a:r>
-            <a:endParaRPr lang="en-US" altLang="zh-CN" dirty="0" smtClean="0"/>
-          </a:p>
-          <a:p>
-            <a:r>
-              <a:rPr lang="en-US" altLang="zh-CN" dirty="0" smtClean="0"/>
-              <a:t>2016.11.23</a:t>
-            </a:r>
-            <a:endParaRPr lang="zh-CN" altLang="en-US" dirty="0"/>
-          </a:p>
-        </p:txBody>
-      </p:sp>
+            <a:endParaRPr lang="en-US" altLang="zh-CN" dirty="0" smtClean="0">
+              <a:latin typeface="宋体" panose="02010600030101010101" pitchFamily="2" charset="-122"/>
+              <a:ea typeface="宋体" panose="02010600030101010101" pitchFamily="2" charset="-122"/>
+            </a:endParaRPr>
+          </a:p>
+          <a:p>
+            <a:pPr algn="l"/>
+            <a:r>
+              <a:rPr lang="en-US" altLang="zh-CN" dirty="0" smtClean="0">
+                <a:latin typeface="宋体" panose="02010600030101010101" pitchFamily="2" charset="-122"/>
+                <a:ea typeface="宋体" panose="02010600030101010101" pitchFamily="2" charset="-122"/>
+              </a:rPr>
+              <a:t>2016.12.1</a:t>
+            </a:r>
+            <a:endParaRPr lang="en-US" altLang="zh-CN" dirty="0" smtClean="0">
+              <a:latin typeface="宋体" panose="02010600030101010101" pitchFamily="2" charset="-122"/>
+              <a:ea typeface="宋体" panose="02010600030101010101" pitchFamily="2" charset="-122"/>
+            </a:endParaRPr>
+          </a:p>
+        </p:txBody>
+      </p:sp>
+      <p:pic>
+        <p:nvPicPr>
+          <p:cNvPr id="5" name="图片 4" descr="lALOi1qmBczwzNU_213_240.png_620x10000q90g"/>
+          <p:cNvPicPr>
+            <a:picLocks noChangeAspect="1"/>
+          </p:cNvPicPr>
+          <p:nvPr/>
+        </p:nvPicPr>
+        <p:blipFill>
+          <a:blip r:embed="rId1"/>
+          <a:stretch>
+            <a:fillRect/>
+          </a:stretch>
+        </p:blipFill>
+        <p:spPr>
+          <a:xfrm>
+            <a:off x="3994150" y="2366010"/>
+            <a:ext cx="3949700" cy="4147185"/>
+          </a:xfrm>
+          <a:prstGeom prst="rect">
+            <a:avLst/>
+          </a:prstGeom>
+        </p:spPr>
+      </p:pic>
     </p:spTree>
   </p:cSld>
   <p:clrMapOvr>
@@ -4314,18 +4361,26 @@
           <a:lstStyle/>
           <a:p>
             <a:r>
-              <a:rPr altLang="en-US" dirty="0" smtClean="0"/>
+              <a:rPr altLang="en-US" dirty="0" smtClean="0">
+                <a:latin typeface="+mj-ea"/>
+              </a:rPr>
               <a:t>内存分析工具</a:t>
             </a:r>
             <a:r>
-              <a:rPr lang="en-US" altLang="en-US" dirty="0" smtClean="0"/>
+              <a:rPr lang="en-US" altLang="en-US" dirty="0" smtClean="0">
+                <a:latin typeface="+mj-ea"/>
+              </a:rPr>
               <a:t>-</a:t>
             </a:r>
             <a:r>
-              <a:rPr lang="en-US" b="1" dirty="0" smtClean="0"/>
+              <a:rPr lang="en-US" b="1" dirty="0" smtClean="0">
+                <a:latin typeface="+mj-ea"/>
+              </a:rPr>
               <a:t>Memory Monitor</a:t>
             </a:r>
-            <a:endParaRPr lang="zh-CN" altLang="en-US" dirty="0"/>
+            <a:endParaRPr lang="zh-CN" altLang="en-US" dirty="0">
+              <a:latin typeface="+mj-ea"/>
+            </a:endParaRPr>
           </a:p>
         </p:txBody>
       </p:sp>
@@ -4347,44 +4402,74 @@
             <a:pPr>
               <a:buNone/>
             </a:pPr>
-            <a:endParaRPr lang="en-US" altLang="zh-CN" dirty="0" smtClean="0"/>
+            <a:endParaRPr lang="en-US" altLang="zh-CN" dirty="0" smtClean="0">
+              <a:latin typeface="宋体" panose="02010600030101010101" pitchFamily="2" charset="-122"/>
+              <a:ea typeface="宋体" panose="02010600030101010101" pitchFamily="2" charset="-122"/>
+            </a:endParaRPr>
           </a:p>
           <a:p>
             <a:pPr>
               <a:buNone/>
             </a:pPr>
-            <a:endParaRPr lang="en-US" altLang="zh-CN" dirty="0" smtClean="0"/>
+            <a:endParaRPr lang="en-US" altLang="zh-CN" dirty="0" smtClean="0">
+              <a:latin typeface="宋体" panose="02010600030101010101" pitchFamily="2" charset="-122"/>
+              <a:ea typeface="宋体" panose="02010600030101010101" pitchFamily="2" charset="-122"/>
+            </a:endParaRPr>
           </a:p>
           <a:p>
             <a:pPr>
               <a:buNone/>
             </a:pPr>
-            <a:endParaRPr lang="en-US" altLang="zh-CN" dirty="0" smtClean="0"/>
-          </a:p>
-          <a:p>
-            <a:r>
-              <a:rPr lang="zh-CN" altLang="en-US" dirty="0" smtClean="0"/>
+            <a:endParaRPr lang="en-US" altLang="zh-CN" dirty="0" smtClean="0">
+              <a:latin typeface="宋体" panose="02010600030101010101" pitchFamily="2" charset="-122"/>
+              <a:ea typeface="宋体" panose="02010600030101010101" pitchFamily="2" charset="-122"/>
+            </a:endParaRPr>
+          </a:p>
+          <a:p>
+            <a:r>
+              <a:rPr lang="zh-CN" altLang="en-US" dirty="0" smtClean="0">
+                <a:latin typeface="宋体" panose="02010600030101010101" pitchFamily="2" charset="-122"/>
+                <a:ea typeface="宋体" panose="02010600030101010101" pitchFamily="2" charset="-122"/>
+              </a:rPr>
               <a:t>内存泄漏（</a:t>
             </a:r>
             <a:r>
-              <a:rPr lang="en-US" altLang="zh-CN" dirty="0" smtClean="0"/>
+              <a:rPr lang="en-US" altLang="zh-CN" dirty="0" smtClean="0">
+                <a:latin typeface="宋体" panose="02010600030101010101" pitchFamily="2" charset="-122"/>
+                <a:ea typeface="宋体" panose="02010600030101010101" pitchFamily="2" charset="-122"/>
+              </a:rPr>
               <a:t>Allocated Size </a:t>
             </a:r>
             <a:r>
-              <a:rPr lang="zh-CN" altLang="en-US" dirty="0" smtClean="0"/>
+              <a:rPr lang="zh-CN" altLang="en-US" dirty="0" smtClean="0">
+                <a:latin typeface="宋体" panose="02010600030101010101" pitchFamily="2" charset="-122"/>
+                <a:ea typeface="宋体" panose="02010600030101010101" pitchFamily="2" charset="-122"/>
+              </a:rPr>
               <a:t>变大）</a:t>
             </a:r>
-            <a:endParaRPr lang="en-US" altLang="zh-CN" dirty="0" smtClean="0"/>
-          </a:p>
-          <a:p>
-            <a:endParaRPr lang="en-US" altLang="zh-CN" dirty="0" smtClean="0"/>
-          </a:p>
-          <a:p>
-            <a:r>
-              <a:rPr lang="zh-CN" altLang="en-US" dirty="0" smtClean="0"/>
+            <a:endParaRPr lang="en-US" altLang="zh-CN" dirty="0" smtClean="0">
+              <a:latin typeface="宋体" panose="02010600030101010101" pitchFamily="2" charset="-122"/>
+              <a:ea typeface="宋体" panose="02010600030101010101" pitchFamily="2" charset="-122"/>
+            </a:endParaRPr>
+          </a:p>
+          <a:p>
+            <a:endParaRPr lang="en-US" altLang="zh-CN" dirty="0" smtClean="0">
+              <a:latin typeface="宋体" panose="02010600030101010101" pitchFamily="2" charset="-122"/>
+              <a:ea typeface="宋体" panose="02010600030101010101" pitchFamily="2" charset="-122"/>
+            </a:endParaRPr>
+          </a:p>
+          <a:p>
+            <a:r>
+              <a:rPr lang="zh-CN" altLang="en-US" dirty="0" smtClean="0">
+                <a:latin typeface="宋体" panose="02010600030101010101" pitchFamily="2" charset="-122"/>
+                <a:ea typeface="宋体" panose="02010600030101010101" pitchFamily="2" charset="-122"/>
+              </a:rPr>
               <a:t>内存抖动</a:t>
             </a:r>
-            <a:endParaRPr lang="en-US" altLang="zh-CN" dirty="0" smtClean="0"/>
+            <a:endParaRPr lang="en-US" altLang="zh-CN" dirty="0" smtClean="0">
+              <a:latin typeface="宋体" panose="02010600030101010101" pitchFamily="2" charset="-122"/>
+              <a:ea typeface="宋体" panose="02010600030101010101" pitchFamily="2" charset="-122"/>
+            </a:endParaRPr>
           </a:p>
         </p:txBody>
       </p:sp>
@@ -4397,7 +4482,7 @@
           <p:nvPr/>
         </p:nvPicPr>
         <p:blipFill>
-          <a:blip r:embed="rId2"/>
+          <a:blip r:embed="rId1"/>
           <a:srcRect/>
           <a:stretch>
             <a:fillRect/>
@@ -4423,7 +4508,7 @@
           <p:nvPr/>
         </p:nvPicPr>
         <p:blipFill>
-          <a:blip r:embed="rId3"/>
+          <a:blip r:embed="rId2"/>
           <a:srcRect/>
           <a:stretch>
             <a:fillRect/>
@@ -4464,14 +4549,7 @@
         <p:cNvGrpSpPr/>
         <p:nvPr/>
       </p:nvGrpSpPr>
-      <p:grpSpPr>
-        <a:xfrm>
-          <a:off x="0" y="0"/>
-          <a:ext cx="0" cy="0"/>
-          <a:chOff x="0" y="0"/>
-          <a:chExt cx="0" cy="0"/>
-        </a:xfrm>
-      </p:grpSpPr>
+      <p:grpSpPr/>
       <p:sp>
         <p:nvSpPr>
           <p:cNvPr id="2" name="标题 1"/>
@@ -4484,24 +4562,26 @@
         </p:nvSpPr>
         <p:spPr/>
         <p:txBody>
-          <a:bodyPr>
-            <a:normAutofit/>
-          </a:bodyPr>
-          <a:lstStyle/>
-          <a:p>
-            <a:r>
-              <a:rPr dirty="0" smtClean="0"/>
+          <a:bodyPr/>
+          <a:p>
+            <a:r>
+              <a:rPr smtClean="0">
+                <a:latin typeface="+mj-ea"/>
+                <a:sym typeface="+mn-ea"/>
+              </a:rPr>
               <a:t>内存分析工具</a:t>
             </a:r>
             <a:r>
-              <a:rPr lang="en-US" dirty="0" smtClean="0"/>
-              <a:t>-</a:t>
-            </a:r>
-            <a:r>
-              <a:rPr lang="en-US" b="1" dirty="0" smtClean="0"/>
-              <a:t>HPROF Viewer</a:t>
-            </a:r>
-            <a:endParaRPr lang="zh-CN" altLang="en-US" dirty="0"/>
+              <a:rPr lang="en-US" altLang="zh-CN" smtClean="0">
+                <a:latin typeface="+mj-ea"/>
+                <a:sym typeface="+mn-ea"/>
+              </a:rPr>
+              <a:t>-dumpsys</a:t>
+            </a:r>
+            <a:endParaRPr lang="en-US" altLang="zh-CN" smtClean="0">
+              <a:latin typeface="+mj-ea"/>
+              <a:sym typeface="+mn-ea"/>
+            </a:endParaRPr>
           </a:p>
         </p:txBody>
       </p:sp>
@@ -4518,36 +4598,43 @@
         <p:spPr/>
         <p:txBody>
           <a:bodyPr/>
-          <a:lstStyle/>
-          <a:p>
-            <a:endParaRPr lang="zh-CN" altLang="en-US" dirty="0"/>
+          <a:p>
+            <a:r>
+              <a:rPr lang="en-US" altLang="zh-CN" sz="2400">
+                <a:latin typeface="宋体" panose="02010600030101010101" pitchFamily="2" charset="-122"/>
+                <a:ea typeface="宋体" panose="02010600030101010101" pitchFamily="2" charset="-122"/>
+              </a:rPr>
+              <a:t>adb shell dumpsys meminfo xxxx</a:t>
+            </a:r>
+            <a:endParaRPr lang="en-US" altLang="zh-CN" sz="2400">
+              <a:latin typeface="宋体" panose="02010600030101010101" pitchFamily="2" charset="-122"/>
+              <a:ea typeface="宋体" panose="02010600030101010101" pitchFamily="2" charset="-122"/>
+            </a:endParaRPr>
           </a:p>
         </p:txBody>
       </p:sp>
       <p:pic>
         <p:nvPicPr>
-          <p:cNvPr id="8194" name="Picture 2" descr="C:\Documents and Settings\马培羽\桌面\bbbbb.jpg"/>
+          <p:cNvPr id="4" name="图片 3" descr="捕获"/>
           <p:cNvPicPr>
-            <a:picLocks noChangeAspect="1" noChangeArrowheads="1"/>
+            <a:picLocks noChangeAspect="1"/>
           </p:cNvPicPr>
           <p:nvPr/>
         </p:nvPicPr>
         <p:blipFill>
-          <a:blip r:embed="rId2"/>
-          <a:srcRect/>
+          <a:blip r:embed="rId1"/>
           <a:stretch>
             <a:fillRect/>
           </a:stretch>
         </p:blipFill>
-        <p:spPr bwMode="auto">
+        <p:spPr>
           <a:xfrm>
-            <a:off x="214282" y="1571612"/>
-            <a:ext cx="8756157" cy="4429156"/>
+            <a:off x="585470" y="2141220"/>
+            <a:ext cx="7856220" cy="4467860"/>
           </a:xfrm>
           <a:prstGeom prst="rect">
             <a:avLst/>
           </a:prstGeom>
-          <a:noFill/>
         </p:spPr>
       </p:pic>
     </p:spTree>
@@ -4555,13 +4642,6 @@
   <p:clrMapOvr>
     <a:masterClrMapping/>
   </p:clrMapOvr>
-  <p:timing>
-    <p:tnLst>
-      <p:par>
-        <p:cTn id="1" dur="indefinite" restart="never" nodeType="tmRoot"/>
-      </p:par>
-    </p:tnLst>
-  </p:timing>
 </p:sld>
 </file>
 
@@ -4594,54 +4674,64 @@
         </p:nvSpPr>
         <p:spPr/>
         <p:txBody>
+          <a:bodyPr>
+            <a:normAutofit/>
+          </a:bodyPr>
+          <a:lstStyle/>
+          <a:p>
+            <a:r>
+              <a:rPr dirty="0" smtClean="0">
+                <a:latin typeface="+mj-ea"/>
+              </a:rPr>
+              <a:t>内存分析工具</a:t>
+            </a:r>
+            <a:r>
+              <a:rPr lang="en-US" dirty="0" smtClean="0">
+                <a:latin typeface="+mj-ea"/>
+              </a:rPr>
+              <a:t>-</a:t>
+            </a:r>
+            <a:r>
+              <a:rPr lang="en-US" b="1" dirty="0" smtClean="0">
+                <a:latin typeface="+mj-ea"/>
+              </a:rPr>
+              <a:t>HPROF Viewer</a:t>
+            </a:r>
+            <a:endParaRPr lang="zh-CN" altLang="en-US" dirty="0">
+              <a:latin typeface="+mj-ea"/>
+            </a:endParaRPr>
+          </a:p>
+        </p:txBody>
+      </p:sp>
+      <p:sp>
+        <p:nvSpPr>
+          <p:cNvPr id="3" name="内容占位符 2"/>
+          <p:cNvSpPr>
+            <a:spLocks noGrp="1"/>
+          </p:cNvSpPr>
+          <p:nvPr>
+            <p:ph idx="1"/>
+          </p:nvPr>
+        </p:nvSpPr>
+        <p:spPr/>
+        <p:txBody>
           <a:bodyPr/>
           <a:lstStyle/>
           <a:p>
-            <a:r>
-              <a:rPr dirty="0" smtClean="0"/>
-              <a:t>内存分析工具</a:t>
-            </a:r>
-            <a:r>
-              <a:rPr lang="en-US" dirty="0" smtClean="0"/>
-              <a:t>-</a:t>
-            </a:r>
-            <a:r>
-              <a:rPr lang="en-US" b="1" dirty="0" smtClean="0"/>
-              <a:t>HPROF Viewer</a:t>
-            </a:r>
             <a:endParaRPr lang="zh-CN" altLang="en-US" dirty="0"/>
-          </a:p>
-        </p:txBody>
-      </p:sp>
-      <p:sp>
-        <p:nvSpPr>
-          <p:cNvPr id="3" name="内容占位符 2"/>
-          <p:cNvSpPr>
-            <a:spLocks noGrp="1"/>
-          </p:cNvSpPr>
-          <p:nvPr>
-            <p:ph idx="1"/>
-          </p:nvPr>
-        </p:nvSpPr>
-        <p:spPr/>
-        <p:txBody>
-          <a:bodyPr/>
-          <a:lstStyle/>
-          <a:p>
-            <a:endParaRPr lang="zh-CN" altLang="en-US"/>
           </a:p>
         </p:txBody>
       </p:sp>
       <p:pic>
         <p:nvPicPr>
-          <p:cNvPr id="9218" name="Picture 2" descr="C:\Documents and Settings\马培羽\桌面\aaaa.jpg"/>
+          <p:cNvPr id="8194" name="Picture 2" descr="C:\Documents and Settings\马培羽\桌面\bbbbb.jpg"/>
           <p:cNvPicPr>
             <a:picLocks noChangeAspect="1" noChangeArrowheads="1"/>
           </p:cNvPicPr>
           <p:nvPr/>
         </p:nvPicPr>
         <p:blipFill>
-          <a:blip r:embed="rId2"/>
+          <a:blip r:embed="rId1"/>
           <a:srcRect/>
           <a:stretch>
             <a:fillRect/>
@@ -4649,8 +4739,8 @@
         </p:blipFill>
         <p:spPr bwMode="auto">
           <a:xfrm>
-            <a:off x="285720" y="1643050"/>
-            <a:ext cx="8578851" cy="4046359"/>
+            <a:off x="214282" y="1571612"/>
+            <a:ext cx="8756157" cy="4429156"/>
           </a:xfrm>
           <a:prstGeom prst="rect">
             <a:avLst/>
@@ -4706,14 +4796,26 @@
           <a:lstStyle/>
           <a:p>
             <a:r>
-              <a:rPr dirty="0" smtClean="0"/>
+              <a:rPr dirty="0" smtClean="0">
+                <a:latin typeface="+mj-ea"/>
+              </a:rPr>
               <a:t>内存分析工具</a:t>
             </a:r>
             <a:r>
-              <a:rPr lang="en-US" dirty="0" smtClean="0"/>
-              <a:t>-MAT</a:t>
-            </a:r>
-            <a:endParaRPr lang="zh-CN" altLang="en-US" dirty="0"/>
+              <a:rPr lang="en-US" dirty="0" smtClean="0">
+                <a:latin typeface="+mj-ea"/>
+              </a:rPr>
+              <a:t>-</a:t>
+            </a:r>
+            <a:r>
+              <a:rPr lang="en-US" b="1" dirty="0" smtClean="0">
+                <a:latin typeface="+mj-ea"/>
+              </a:rPr>
+              <a:t>HPROF Viewer</a:t>
+            </a:r>
+            <a:endParaRPr lang="zh-CN" altLang="en-US" dirty="0">
+              <a:latin typeface="+mj-ea"/>
+            </a:endParaRPr>
           </a:p>
         </p:txBody>
       </p:sp>
@@ -4732,50 +4834,20 @@
           <a:bodyPr/>
           <a:lstStyle/>
           <a:p>
-            <a:r>
-              <a:rPr lang="zh-CN" altLang="en-US" dirty="0" smtClean="0"/>
-              <a:t>使用 </a:t>
-            </a:r>
-            <a:r>
-              <a:rPr lang="en-US" altLang="zh-CN" dirty="0" smtClean="0"/>
-              <a:t>Memory Monitor </a:t>
-            </a:r>
-            <a:r>
-              <a:rPr lang="zh-CN" altLang="en-US" dirty="0" smtClean="0"/>
-              <a:t>进行捕获</a:t>
-            </a:r>
-            <a:endParaRPr lang="en-US" altLang="zh-CN" dirty="0" smtClean="0"/>
-          </a:p>
-          <a:p>
-            <a:r>
-              <a:rPr lang="en-US" altLang="zh-CN" dirty="0" err="1" smtClean="0"/>
-              <a:t>hprof-conv</a:t>
-            </a:r>
-            <a:r>
-              <a:rPr lang="en-US" altLang="zh-CN" dirty="0" smtClean="0"/>
-              <a:t> </a:t>
-            </a:r>
-            <a:r>
-              <a:rPr lang="zh-CN" altLang="en-US" dirty="0" smtClean="0"/>
-              <a:t>转化</a:t>
-            </a:r>
-            <a:endParaRPr lang="en-US" altLang="zh-CN" dirty="0" smtClean="0"/>
-          </a:p>
-          <a:p>
-            <a:endParaRPr lang="zh-CN" altLang="en-US" dirty="0"/>
+            <a:endParaRPr lang="zh-CN" altLang="en-US"/>
           </a:p>
         </p:txBody>
       </p:sp>
       <p:pic>
         <p:nvPicPr>
-          <p:cNvPr id="10243" name="Picture 3" descr="E:\桌面\Screenshot-Eclipse Memory Analyzer .png"/>
+          <p:cNvPr id="9218" name="Picture 2" descr="C:\Documents and Settings\马培羽\桌面\aaaa.jpg"/>
           <p:cNvPicPr>
             <a:picLocks noChangeAspect="1" noChangeArrowheads="1"/>
           </p:cNvPicPr>
           <p:nvPr/>
         </p:nvPicPr>
         <p:blipFill>
-          <a:blip r:embed="rId2"/>
+          <a:blip r:embed="rId1"/>
           <a:srcRect/>
           <a:stretch>
             <a:fillRect/>
@@ -4783,8 +4855,8 @@
         </p:blipFill>
         <p:spPr bwMode="auto">
           <a:xfrm>
-            <a:off x="1071538" y="2857496"/>
-            <a:ext cx="6643734" cy="3500462"/>
+            <a:off x="285720" y="1643050"/>
+            <a:ext cx="8578851" cy="4046359"/>
           </a:xfrm>
           <a:prstGeom prst="rect">
             <a:avLst/>
@@ -4836,37 +4908,113 @@
         </p:nvSpPr>
         <p:spPr/>
         <p:txBody>
-          <a:bodyPr>
-            <a:normAutofit fontScale="90000"/>
-          </a:bodyPr>
-          <a:lstStyle/>
-          <a:p>
-            <a:r>
-              <a:rPr altLang="en-US" dirty="0" smtClean="0"/>
+          <a:bodyPr/>
+          <a:lstStyle/>
+          <a:p>
+            <a:r>
+              <a:rPr dirty="0" smtClean="0">
+                <a:latin typeface="+mj-ea"/>
+              </a:rPr>
               <a:t>内存分析工具</a:t>
             </a:r>
             <a:r>
-              <a:rPr lang="en-US" altLang="en-US" dirty="0" smtClean="0"/>
-              <a:t>-</a:t>
-            </a:r>
-            <a:r>
-              <a:rPr lang="en-US" b="1" dirty="0" smtClean="0"/>
-              <a:t> Allocation Tracker</a:t>
-            </a:r>
-            <a:endParaRPr lang="zh-CN" altLang="en-US" dirty="0"/>
+              <a:rPr lang="en-US" dirty="0" smtClean="0">
+                <a:latin typeface="+mj-ea"/>
+              </a:rPr>
+              <a:t>-MAT</a:t>
+            </a:r>
+            <a:endParaRPr lang="zh-CN" altLang="en-US" dirty="0">
+              <a:latin typeface="+mj-ea"/>
+            </a:endParaRPr>
+          </a:p>
+        </p:txBody>
+      </p:sp>
+      <p:sp>
+        <p:nvSpPr>
+          <p:cNvPr id="3" name="内容占位符 2"/>
+          <p:cNvSpPr>
+            <a:spLocks noGrp="1"/>
+          </p:cNvSpPr>
+          <p:nvPr>
+            <p:ph idx="1"/>
+          </p:nvPr>
+        </p:nvSpPr>
+        <p:spPr/>
+        <p:txBody>
+          <a:bodyPr/>
+          <a:lstStyle/>
+          <a:p>
+            <a:r>
+              <a:rPr lang="zh-CN" altLang="en-US" dirty="0" smtClean="0">
+                <a:latin typeface="宋体" panose="02010600030101010101" pitchFamily="2" charset="-122"/>
+                <a:ea typeface="宋体" panose="02010600030101010101" pitchFamily="2" charset="-122"/>
+              </a:rPr>
+              <a:t>使用 </a:t>
+            </a:r>
+            <a:r>
+              <a:rPr lang="en-US" altLang="zh-CN" dirty="0" smtClean="0">
+                <a:latin typeface="宋体" panose="02010600030101010101" pitchFamily="2" charset="-122"/>
+                <a:ea typeface="宋体" panose="02010600030101010101" pitchFamily="2" charset="-122"/>
+              </a:rPr>
+              <a:t>Memory Monitor </a:t>
+            </a:r>
+            <a:r>
+              <a:rPr lang="zh-CN" altLang="en-US" dirty="0" smtClean="0">
+                <a:latin typeface="宋体" panose="02010600030101010101" pitchFamily="2" charset="-122"/>
+                <a:ea typeface="宋体" panose="02010600030101010101" pitchFamily="2" charset="-122"/>
+              </a:rPr>
+              <a:t>进行捕获</a:t>
+            </a:r>
+            <a:endParaRPr lang="en-US" altLang="zh-CN" dirty="0" smtClean="0">
+              <a:latin typeface="宋体" panose="02010600030101010101" pitchFamily="2" charset="-122"/>
+              <a:ea typeface="宋体" panose="02010600030101010101" pitchFamily="2" charset="-122"/>
+            </a:endParaRPr>
+          </a:p>
+          <a:p>
+            <a:r>
+              <a:rPr lang="en-US" altLang="zh-CN" dirty="0" err="1" smtClean="0">
+                <a:latin typeface="宋体" panose="02010600030101010101" pitchFamily="2" charset="-122"/>
+                <a:ea typeface="宋体" panose="02010600030101010101" pitchFamily="2" charset="-122"/>
+              </a:rPr>
+              <a:t>hprof-conv</a:t>
+            </a:r>
+            <a:r>
+              <a:rPr lang="en-US" altLang="zh-CN" dirty="0" smtClean="0">
+                <a:latin typeface="宋体" panose="02010600030101010101" pitchFamily="2" charset="-122"/>
+                <a:ea typeface="宋体" panose="02010600030101010101" pitchFamily="2" charset="-122"/>
+              </a:rPr>
+              <a:t> </a:t>
+            </a:r>
+            <a:r>
+              <a:rPr lang="zh-CN" altLang="en-US" dirty="0" smtClean="0">
+                <a:latin typeface="宋体" panose="02010600030101010101" pitchFamily="2" charset="-122"/>
+                <a:ea typeface="宋体" panose="02010600030101010101" pitchFamily="2" charset="-122"/>
+              </a:rPr>
+              <a:t>转化</a:t>
+            </a:r>
+            <a:endParaRPr lang="en-US" altLang="zh-CN" dirty="0" smtClean="0">
+              <a:latin typeface="宋体" panose="02010600030101010101" pitchFamily="2" charset="-122"/>
+              <a:ea typeface="宋体" panose="02010600030101010101" pitchFamily="2" charset="-122"/>
+            </a:endParaRPr>
+          </a:p>
+          <a:p>
+            <a:endParaRPr lang="zh-CN" altLang="en-US" dirty="0">
+              <a:latin typeface="宋体" panose="02010600030101010101" pitchFamily="2" charset="-122"/>
+              <a:ea typeface="宋体" panose="02010600030101010101" pitchFamily="2" charset="-122"/>
+            </a:endParaRPr>
           </a:p>
         </p:txBody>
       </p:sp>
       <p:pic>
         <p:nvPicPr>
-          <p:cNvPr id="11266" name="Picture 2" descr="C:\Documents and Settings\马培羽\桌面\cccc.jpg"/>
+          <p:cNvPr id="10243" name="Picture 3" descr="E:\桌面\Screenshot-Eclipse Memory Analyzer .png"/>
           <p:cNvPicPr>
             <a:picLocks noChangeAspect="1" noChangeArrowheads="1"/>
           </p:cNvPicPr>
           <p:nvPr/>
         </p:nvPicPr>
         <p:blipFill>
-          <a:blip r:embed="rId2" cstate="print"/>
+          <a:blip r:embed="rId1"/>
           <a:srcRect/>
           <a:stretch>
             <a:fillRect/>
@@ -4874,36 +5022,8 @@
         </p:blipFill>
         <p:spPr bwMode="auto">
           <a:xfrm>
-            <a:off x="1142976" y="1428736"/>
-            <a:ext cx="6899720" cy="1500198"/>
-          </a:xfrm>
-          <a:prstGeom prst="rect">
-            <a:avLst/>
-          </a:prstGeom>
-          <a:noFill/>
-        </p:spPr>
-      </p:pic>
-      <p:pic>
-        <p:nvPicPr>
-          <p:cNvPr id="11267" name="Picture 3" descr="C:\Documents and Settings\马培羽\桌面\dddddd.jpg"/>
-          <p:cNvPicPr>
-            <a:picLocks noGrp="1" noChangeAspect="1" noChangeArrowheads="1"/>
-          </p:cNvPicPr>
-          <p:nvPr>
-            <p:ph idx="1"/>
-          </p:nvPr>
-        </p:nvPicPr>
-        <p:blipFill>
-          <a:blip r:embed="rId3"/>
-          <a:srcRect/>
-          <a:stretch>
-            <a:fillRect/>
-          </a:stretch>
-        </p:blipFill>
-        <p:spPr bwMode="auto">
-          <a:xfrm>
-            <a:off x="1071538" y="3286124"/>
-            <a:ext cx="7143800" cy="3387352"/>
+            <a:off x="1071538" y="2857496"/>
+            <a:ext cx="6643734" cy="3500462"/>
           </a:xfrm>
           <a:prstGeom prst="rect">
             <a:avLst/>
@@ -4953,127 +5073,96 @@
             <p:ph type="title"/>
           </p:nvPr>
         </p:nvSpPr>
-        <p:spPr/>
-        <p:txBody>
-          <a:bodyPr/>
-          <a:lstStyle/>
-          <a:p>
-            <a:r>
-              <a:rPr altLang="en-US" dirty="0" smtClean="0"/>
-              <a:t>内存优化的关键点</a:t>
-            </a:r>
-            <a:endParaRPr lang="zh-CN" altLang="en-US" dirty="0"/>
-          </a:p>
-        </p:txBody>
-      </p:sp>
-      <p:sp>
-        <p:nvSpPr>
-          <p:cNvPr id="3" name="内容占位符 2"/>
-          <p:cNvSpPr>
-            <a:spLocks noGrp="1"/>
-          </p:cNvSpPr>
+        <p:spPr>
+          <a:xfrm>
+            <a:off x="457200" y="274955"/>
+            <a:ext cx="7943215" cy="1143000"/>
+          </a:xfrm>
+        </p:spPr>
+        <p:txBody>
+          <a:bodyPr>
+            <a:normAutofit fontScale="90000"/>
+          </a:bodyPr>
+          <a:lstStyle/>
+          <a:p>
+            <a:r>
+              <a:rPr altLang="en-US" dirty="0" smtClean="0">
+                <a:latin typeface="+mj-ea"/>
+              </a:rPr>
+              <a:t>内存分析工具</a:t>
+            </a:r>
+            <a:r>
+              <a:rPr lang="en-US" altLang="zh-CN" dirty="0" smtClean="0">
+                <a:latin typeface="+mj-ea"/>
+              </a:rPr>
+              <a:t>-</a:t>
+            </a:r>
+            <a:r>
+              <a:rPr lang="en-US" b="1" dirty="0" smtClean="0">
+                <a:latin typeface="+mj-ea"/>
+              </a:rPr>
+              <a:t> AllocationTracker</a:t>
+            </a:r>
+            <a:endParaRPr lang="zh-CN" altLang="en-US" dirty="0">
+              <a:latin typeface="+mj-ea"/>
+            </a:endParaRPr>
+          </a:p>
+        </p:txBody>
+      </p:sp>
+      <p:pic>
+        <p:nvPicPr>
+          <p:cNvPr id="11266" name="Picture 2" descr="C:\Documents and Settings\马培羽\桌面\cccc.jpg"/>
+          <p:cNvPicPr>
+            <a:picLocks noChangeAspect="1" noChangeArrowheads="1"/>
+          </p:cNvPicPr>
+          <p:nvPr/>
+        </p:nvPicPr>
+        <p:blipFill>
+          <a:blip r:embed="rId1" cstate="print"/>
+          <a:srcRect/>
+          <a:stretch>
+            <a:fillRect/>
+          </a:stretch>
+        </p:blipFill>
+        <p:spPr bwMode="auto">
+          <a:xfrm>
+            <a:off x="1142976" y="1428736"/>
+            <a:ext cx="6899720" cy="1500198"/>
+          </a:xfrm>
+          <a:prstGeom prst="rect">
+            <a:avLst/>
+          </a:prstGeom>
+          <a:noFill/>
+        </p:spPr>
+      </p:pic>
+      <p:pic>
+        <p:nvPicPr>
+          <p:cNvPr id="11267" name="Picture 3" descr="C:\Documents and Settings\马培羽\桌面\dddddd.jpg"/>
+          <p:cNvPicPr>
+            <a:picLocks noGrp="1" noChangeAspect="1" noChangeArrowheads="1"/>
+          </p:cNvPicPr>
           <p:nvPr>
             <p:ph idx="1"/>
           </p:nvPr>
-        </p:nvSpPr>
-        <p:spPr/>
-        <p:txBody>
-          <a:bodyPr/>
-          <a:lstStyle/>
-          <a:p>
-            <a:r>
-              <a:rPr lang="zh-CN" altLang="en-US" dirty="0" smtClean="0"/>
-              <a:t>使用</a:t>
-            </a:r>
-            <a:r>
-              <a:rPr lang="en-US" altLang="zh-CN" dirty="0" err="1" smtClean="0"/>
-              <a:t>MemoryMonitor</a:t>
-            </a:r>
-            <a:r>
-              <a:rPr lang="zh-CN" altLang="en-US" dirty="0" smtClean="0"/>
-              <a:t>观察内存概要</a:t>
-            </a:r>
-            <a:endParaRPr lang="en-US" altLang="zh-CN" dirty="0" smtClean="0"/>
-          </a:p>
-          <a:p>
-            <a:r>
-              <a:rPr lang="en-US" altLang="zh-CN" dirty="0" smtClean="0"/>
-              <a:t>HPROF viewer/MAT</a:t>
-            </a:r>
-            <a:r>
-              <a:rPr lang="zh-CN" altLang="en-US" dirty="0" smtClean="0"/>
-              <a:t>分析内存状态</a:t>
-            </a:r>
-            <a:endParaRPr lang="en-US" altLang="zh-CN" dirty="0" smtClean="0"/>
-          </a:p>
-          <a:p>
-            <a:r>
-              <a:rPr lang="en-US" altLang="zh-CN" dirty="0" smtClean="0"/>
-              <a:t>Allocation Tracker</a:t>
-            </a:r>
-            <a:r>
-              <a:rPr lang="zh-CN" altLang="en-US" dirty="0" smtClean="0"/>
-              <a:t>分析瞬时内存</a:t>
-            </a:r>
-            <a:endParaRPr lang="en-US" altLang="zh-CN" dirty="0" smtClean="0"/>
-          </a:p>
-          <a:p>
-            <a:r>
-              <a:rPr lang="zh-CN" altLang="en-US" dirty="0" smtClean="0"/>
-              <a:t>内存泄漏</a:t>
-            </a:r>
-            <a:r>
-              <a:rPr lang="en-US" altLang="zh-CN" dirty="0" smtClean="0"/>
-              <a:t>: context, handler, static object, register, cursor, bitmap, file, stream .etc</a:t>
-            </a:r>
-          </a:p>
-          <a:p>
-            <a:r>
-              <a:rPr lang="zh-CN" altLang="en-US" dirty="0" smtClean="0"/>
-              <a:t>内存占用问题：</a:t>
-            </a:r>
-            <a:r>
-              <a:rPr lang="en-US" altLang="zh-CN" dirty="0" smtClean="0"/>
-              <a:t> </a:t>
-            </a:r>
-            <a:r>
-              <a:rPr lang="en-US" altLang="zh-CN" dirty="0" err="1" smtClean="0"/>
-              <a:t>onTrimMemory</a:t>
-            </a:r>
-            <a:r>
-              <a:rPr lang="en-US" altLang="zh-CN" dirty="0" smtClean="0"/>
-              <a:t>,  cache</a:t>
-            </a:r>
-          </a:p>
-          <a:p>
-            <a:r>
-              <a:rPr lang="zh-CN" altLang="en-US" dirty="0" smtClean="0"/>
-              <a:t>内存抖动：</a:t>
-            </a:r>
-            <a:r>
-              <a:rPr lang="en-US" altLang="zh-CN" dirty="0" err="1" smtClean="0"/>
-              <a:t>onDraw</a:t>
-            </a:r>
-            <a:r>
-              <a:rPr lang="en-US" altLang="zh-CN" dirty="0" smtClean="0"/>
-              <a:t>, loop</a:t>
-            </a:r>
-            <a:r>
-              <a:rPr lang="zh-CN" altLang="en-US" dirty="0" smtClean="0"/>
-              <a:t>中避免</a:t>
-            </a:r>
-            <a:r>
-              <a:rPr lang="en-US" altLang="zh-CN" dirty="0" smtClean="0"/>
-              <a:t>new</a:t>
-            </a:r>
-            <a:r>
-              <a:rPr lang="zh-CN" altLang="en-US" dirty="0" smtClean="0"/>
-              <a:t>对象，重用机制</a:t>
-            </a:r>
-            <a:endParaRPr lang="zh-CN" altLang="en-US" dirty="0"/>
-          </a:p>
-        </p:txBody>
-      </p:sp>
+        </p:nvPicPr>
+        <p:blipFill>
+          <a:blip r:embed="rId2"/>
+          <a:srcRect/>
+          <a:stretch>
+            <a:fillRect/>
+          </a:stretch>
+        </p:blipFill>
+        <p:spPr bwMode="auto">
+          <a:xfrm>
+            <a:off x="1071538" y="3286124"/>
+            <a:ext cx="7143800" cy="3387352"/>
+          </a:xfrm>
+          <a:prstGeom prst="rect">
+            <a:avLst/>
+          </a:prstGeom>
+          <a:noFill/>
+        </p:spPr>
+      </p:pic>
     </p:spTree>
   </p:cSld>
   <p:clrMapOvr>
@@ -5123,7 +5212,7 @@
           <a:p>
             <a:r>
               <a:rPr altLang="en-US" dirty="0" smtClean="0"/>
-              <a:t>卡顿原因</a:t>
+              <a:t>内存优化的关键点</a:t>
             </a:r>
             <a:endParaRPr lang="zh-CN" altLang="en-US" dirty="0"/>
           </a:p>
@@ -5131,7 +5220,7 @@
       </p:sp>
       <p:sp>
         <p:nvSpPr>
-          <p:cNvPr id="6" name="内容占位符 5"/>
+          <p:cNvPr id="3" name="内容占位符 2"/>
           <p:cNvSpPr>
             <a:spLocks noGrp="1"/>
           </p:cNvSpPr>
@@ -5141,92 +5230,181 @@
         </p:nvSpPr>
         <p:spPr/>
         <p:txBody>
-          <a:bodyPr/>
-          <a:lstStyle/>
-          <a:p>
-            <a:endParaRPr lang="en-US" altLang="zh-CN" dirty="0" smtClean="0"/>
-          </a:p>
-          <a:p>
-            <a:endParaRPr lang="en-US" altLang="zh-CN" dirty="0" smtClean="0"/>
-          </a:p>
-          <a:p>
-            <a:pPr>
-              <a:buNone/>
-            </a:pPr>
-            <a:endParaRPr lang="en-US" altLang="zh-CN" dirty="0" smtClean="0"/>
-          </a:p>
-          <a:p>
-            <a:r>
-              <a:rPr lang="zh-CN" altLang="en-US" dirty="0" smtClean="0"/>
-              <a:t>布局</a:t>
-            </a:r>
-            <a:endParaRPr lang="en-US" altLang="zh-CN" dirty="0" smtClean="0"/>
-          </a:p>
-          <a:p>
-            <a:r>
-              <a:rPr lang="en-US" altLang="zh-CN" dirty="0" smtClean="0"/>
-              <a:t>UI</a:t>
-            </a:r>
-            <a:r>
-              <a:rPr lang="zh-CN" altLang="en-US" dirty="0" smtClean="0"/>
-              <a:t>线程耗时操作</a:t>
-            </a:r>
-            <a:endParaRPr lang="zh-CN" altLang="en-US" dirty="0"/>
-          </a:p>
-        </p:txBody>
-      </p:sp>
-      <p:pic>
-        <p:nvPicPr>
-          <p:cNvPr id="7" name="Picture 2" descr="C:\Documents and Settings\马培羽\桌面\aaa.jpg"/>
-          <p:cNvPicPr>
-            <a:picLocks noChangeAspect="1" noChangeArrowheads="1"/>
-          </p:cNvPicPr>
-          <p:nvPr/>
-        </p:nvPicPr>
-        <p:blipFill>
-          <a:blip r:embed="rId2"/>
-          <a:srcRect/>
-          <a:stretch>
-            <a:fillRect/>
-          </a:stretch>
-        </p:blipFill>
-        <p:spPr bwMode="auto">
-          <a:xfrm>
-            <a:off x="857224" y="1785926"/>
-            <a:ext cx="3643338" cy="1349895"/>
-          </a:xfrm>
-          <a:prstGeom prst="rect">
-            <a:avLst/>
-          </a:prstGeom>
-          <a:noFill/>
-        </p:spPr>
-      </p:pic>
-      <p:pic>
-        <p:nvPicPr>
-          <p:cNvPr id="8" name="Picture 3" descr="C:\Documents and Settings\马培羽\桌面\bbbb.png"/>
-          <p:cNvPicPr>
-            <a:picLocks noChangeAspect="1" noChangeArrowheads="1"/>
-          </p:cNvPicPr>
-          <p:nvPr/>
-        </p:nvPicPr>
-        <p:blipFill>
-          <a:blip r:embed="rId3"/>
-          <a:srcRect/>
-          <a:stretch>
-            <a:fillRect/>
-          </a:stretch>
-        </p:blipFill>
-        <p:spPr bwMode="auto">
-          <a:xfrm>
-            <a:off x="5143504" y="1785926"/>
-            <a:ext cx="2928958" cy="1411880"/>
-          </a:xfrm>
-          <a:prstGeom prst="rect">
-            <a:avLst/>
-          </a:prstGeom>
-          <a:noFill/>
-        </p:spPr>
-      </p:pic>
+          <a:bodyPr>
+            <a:normAutofit lnSpcReduction="20000"/>
+          </a:bodyPr>
+          <a:lstStyle/>
+          <a:p>
+            <a:r>
+              <a:rPr lang="zh-CN" altLang="en-US" dirty="0" smtClean="0">
+                <a:latin typeface="宋体" panose="02010600030101010101" pitchFamily="2" charset="-122"/>
+                <a:ea typeface="宋体" panose="02010600030101010101" pitchFamily="2" charset="-122"/>
+              </a:rPr>
+              <a:t>使用</a:t>
+            </a:r>
+            <a:r>
+              <a:rPr lang="en-US" altLang="zh-CN" dirty="0" err="1" smtClean="0">
+                <a:latin typeface="宋体" panose="02010600030101010101" pitchFamily="2" charset="-122"/>
+                <a:ea typeface="宋体" panose="02010600030101010101" pitchFamily="2" charset="-122"/>
+              </a:rPr>
+              <a:t>MemoryMonitor</a:t>
+            </a:r>
+            <a:r>
+              <a:rPr lang="zh-CN" altLang="en-US" dirty="0" smtClean="0">
+                <a:latin typeface="宋体" panose="02010600030101010101" pitchFamily="2" charset="-122"/>
+                <a:ea typeface="宋体" panose="02010600030101010101" pitchFamily="2" charset="-122"/>
+              </a:rPr>
+              <a:t>观察内存概要</a:t>
+            </a:r>
+            <a:endParaRPr lang="en-US" altLang="zh-CN" dirty="0" smtClean="0">
+              <a:latin typeface="宋体" panose="02010600030101010101" pitchFamily="2" charset="-122"/>
+              <a:ea typeface="宋体" panose="02010600030101010101" pitchFamily="2" charset="-122"/>
+            </a:endParaRPr>
+          </a:p>
+          <a:p>
+            <a:r>
+              <a:rPr lang="en-US" altLang="zh-CN" dirty="0" smtClean="0">
+                <a:latin typeface="宋体" panose="02010600030101010101" pitchFamily="2" charset="-122"/>
+                <a:ea typeface="宋体" panose="02010600030101010101" pitchFamily="2" charset="-122"/>
+              </a:rPr>
+              <a:t>HPROF viewer/MAT</a:t>
+            </a:r>
+            <a:r>
+              <a:rPr lang="zh-CN" altLang="en-US" dirty="0" smtClean="0">
+                <a:latin typeface="宋体" panose="02010600030101010101" pitchFamily="2" charset="-122"/>
+                <a:ea typeface="宋体" panose="02010600030101010101" pitchFamily="2" charset="-122"/>
+              </a:rPr>
+              <a:t>分析内存状态</a:t>
+            </a:r>
+            <a:endParaRPr lang="en-US" altLang="zh-CN" dirty="0" smtClean="0">
+              <a:latin typeface="宋体" panose="02010600030101010101" pitchFamily="2" charset="-122"/>
+              <a:ea typeface="宋体" panose="02010600030101010101" pitchFamily="2" charset="-122"/>
+            </a:endParaRPr>
+          </a:p>
+          <a:p>
+            <a:r>
+              <a:rPr lang="en-US" altLang="zh-CN" dirty="0" smtClean="0">
+                <a:latin typeface="宋体" panose="02010600030101010101" pitchFamily="2" charset="-122"/>
+                <a:ea typeface="宋体" panose="02010600030101010101" pitchFamily="2" charset="-122"/>
+              </a:rPr>
+              <a:t>Allocation Tracker</a:t>
+            </a:r>
+            <a:r>
+              <a:rPr lang="zh-CN" altLang="en-US" dirty="0" smtClean="0">
+                <a:latin typeface="宋体" panose="02010600030101010101" pitchFamily="2" charset="-122"/>
+                <a:ea typeface="宋体" panose="02010600030101010101" pitchFamily="2" charset="-122"/>
+              </a:rPr>
+              <a:t>分析瞬时内存</a:t>
+            </a:r>
+            <a:endParaRPr lang="en-US" altLang="zh-CN" dirty="0" smtClean="0">
+              <a:latin typeface="宋体" panose="02010600030101010101" pitchFamily="2" charset="-122"/>
+              <a:ea typeface="宋体" panose="02010600030101010101" pitchFamily="2" charset="-122"/>
+            </a:endParaRPr>
+          </a:p>
+          <a:p>
+            <a:r>
+              <a:rPr lang="zh-CN" altLang="en-US" dirty="0" smtClean="0">
+                <a:latin typeface="宋体" panose="02010600030101010101" pitchFamily="2" charset="-122"/>
+                <a:ea typeface="宋体" panose="02010600030101010101" pitchFamily="2" charset="-122"/>
+              </a:rPr>
+              <a:t>内存泄漏</a:t>
+            </a:r>
+            <a:r>
+              <a:rPr lang="en-US" altLang="zh-CN" dirty="0" smtClean="0">
+                <a:latin typeface="宋体" panose="02010600030101010101" pitchFamily="2" charset="-122"/>
+                <a:ea typeface="宋体" panose="02010600030101010101" pitchFamily="2" charset="-122"/>
+              </a:rPr>
+              <a:t>: context, handler, static object, register, cursor, bitmap, file, stream .etc</a:t>
+            </a:r>
+            <a:endParaRPr lang="en-US" altLang="zh-CN" dirty="0" smtClean="0">
+              <a:latin typeface="宋体" panose="02010600030101010101" pitchFamily="2" charset="-122"/>
+              <a:ea typeface="宋体" panose="02010600030101010101" pitchFamily="2" charset="-122"/>
+            </a:endParaRPr>
+          </a:p>
+          <a:p>
+            <a:r>
+              <a:rPr lang="zh-CN" altLang="en-US" dirty="0" smtClean="0">
+                <a:latin typeface="宋体" panose="02010600030101010101" pitchFamily="2" charset="-122"/>
+                <a:ea typeface="宋体" panose="02010600030101010101" pitchFamily="2" charset="-122"/>
+              </a:rPr>
+              <a:t>内存占用问题：</a:t>
+            </a:r>
+            <a:r>
+              <a:rPr lang="en-US" altLang="zh-CN" dirty="0" smtClean="0">
+                <a:latin typeface="宋体" panose="02010600030101010101" pitchFamily="2" charset="-122"/>
+                <a:ea typeface="宋体" panose="02010600030101010101" pitchFamily="2" charset="-122"/>
+              </a:rPr>
+              <a:t> </a:t>
+            </a:r>
+            <a:r>
+              <a:rPr lang="en-US" altLang="zh-CN" dirty="0" err="1" smtClean="0">
+                <a:latin typeface="宋体" panose="02010600030101010101" pitchFamily="2" charset="-122"/>
+                <a:ea typeface="宋体" panose="02010600030101010101" pitchFamily="2" charset="-122"/>
+              </a:rPr>
+              <a:t>onTrimMemory</a:t>
+            </a:r>
+            <a:r>
+              <a:rPr lang="en-US" altLang="zh-CN" dirty="0" smtClean="0">
+                <a:latin typeface="宋体" panose="02010600030101010101" pitchFamily="2" charset="-122"/>
+                <a:ea typeface="宋体" panose="02010600030101010101" pitchFamily="2" charset="-122"/>
+              </a:rPr>
+              <a:t>,  cache</a:t>
+            </a:r>
+            <a:endParaRPr lang="en-US" altLang="zh-CN" dirty="0" smtClean="0">
+              <a:latin typeface="宋体" panose="02010600030101010101" pitchFamily="2" charset="-122"/>
+              <a:ea typeface="宋体" panose="02010600030101010101" pitchFamily="2" charset="-122"/>
+            </a:endParaRPr>
+          </a:p>
+          <a:p>
+            <a:r>
+              <a:rPr lang="zh-CN" altLang="en-US" dirty="0" smtClean="0">
+                <a:latin typeface="宋体" panose="02010600030101010101" pitchFamily="2" charset="-122"/>
+                <a:ea typeface="宋体" panose="02010600030101010101" pitchFamily="2" charset="-122"/>
+              </a:rPr>
+              <a:t>内存抖动：</a:t>
+            </a:r>
+            <a:r>
+              <a:rPr lang="en-US" altLang="zh-CN" dirty="0" err="1" smtClean="0">
+                <a:latin typeface="宋体" panose="02010600030101010101" pitchFamily="2" charset="-122"/>
+                <a:ea typeface="宋体" panose="02010600030101010101" pitchFamily="2" charset="-122"/>
+              </a:rPr>
+              <a:t>onDraw</a:t>
+            </a:r>
+            <a:r>
+              <a:rPr lang="en-US" altLang="zh-CN" dirty="0" smtClean="0">
+                <a:latin typeface="宋体" panose="02010600030101010101" pitchFamily="2" charset="-122"/>
+                <a:ea typeface="宋体" panose="02010600030101010101" pitchFamily="2" charset="-122"/>
+              </a:rPr>
+              <a:t>, loop</a:t>
+            </a:r>
+            <a:r>
+              <a:rPr lang="zh-CN" altLang="en-US" dirty="0" smtClean="0">
+                <a:latin typeface="宋体" panose="02010600030101010101" pitchFamily="2" charset="-122"/>
+                <a:ea typeface="宋体" panose="02010600030101010101" pitchFamily="2" charset="-122"/>
+              </a:rPr>
+              <a:t>中避免</a:t>
+            </a:r>
+            <a:r>
+              <a:rPr lang="en-US" altLang="zh-CN" dirty="0" smtClean="0">
+                <a:latin typeface="宋体" panose="02010600030101010101" pitchFamily="2" charset="-122"/>
+                <a:ea typeface="宋体" panose="02010600030101010101" pitchFamily="2" charset="-122"/>
+              </a:rPr>
+              <a:t>new</a:t>
+            </a:r>
+            <a:r>
+              <a:rPr lang="zh-CN" altLang="en-US" dirty="0" smtClean="0">
+                <a:latin typeface="宋体" panose="02010600030101010101" pitchFamily="2" charset="-122"/>
+                <a:ea typeface="宋体" panose="02010600030101010101" pitchFamily="2" charset="-122"/>
+              </a:rPr>
+              <a:t>对象，重用机制</a:t>
+            </a:r>
+            <a:endParaRPr lang="zh-CN" altLang="en-US" dirty="0">
+              <a:latin typeface="宋体" panose="02010600030101010101" pitchFamily="2" charset="-122"/>
+              <a:ea typeface="宋体" panose="02010600030101010101" pitchFamily="2" charset="-122"/>
+            </a:endParaRPr>
+          </a:p>
+        </p:txBody>
+      </p:sp>
     </p:spTree>
   </p:cSld>
   <p:clrMapOvr>
@@ -5271,30 +5449,58 @@
         </p:nvSpPr>
         <p:spPr/>
         <p:txBody>
-          <a:bodyPr>
-            <a:normAutofit fontScale="90000"/>
-          </a:bodyPr>
-          <a:lstStyle/>
-          <a:p>
-            <a:r>
-              <a:rPr dirty="0" smtClean="0"/>
-              <a:t>布局分析</a:t>
-            </a:r>
-            <a:r>
-              <a:rPr lang="en-US" dirty="0" smtClean="0"/>
-              <a:t>- GPU</a:t>
-            </a:r>
-            <a:r>
-              <a:rPr dirty="0" smtClean="0"/>
-              <a:t>呈现模式</a:t>
-            </a:r>
-            <a:r>
-              <a:rPr lang="en-US" dirty="0" smtClean="0"/>
-              <a:t>,</a:t>
-            </a:r>
-            <a:r>
-              <a:rPr dirty="0" smtClean="0"/>
-              <a:t>过度绘制</a:t>
+          <a:bodyPr/>
+          <a:lstStyle/>
+          <a:p>
+            <a:r>
+              <a:rPr altLang="en-US" dirty="0" smtClean="0"/>
+              <a:t>卡顿原因</a:t>
+            </a:r>
+            <a:endParaRPr lang="zh-CN" altLang="en-US" dirty="0"/>
+          </a:p>
+        </p:txBody>
+      </p:sp>
+      <p:sp>
+        <p:nvSpPr>
+          <p:cNvPr id="6" name="内容占位符 5"/>
+          <p:cNvSpPr>
+            <a:spLocks noGrp="1"/>
+          </p:cNvSpPr>
+          <p:nvPr>
+            <p:ph idx="1"/>
+          </p:nvPr>
+        </p:nvSpPr>
+        <p:spPr/>
+        <p:txBody>
+          <a:bodyPr/>
+          <a:lstStyle/>
+          <a:p>
+            <a:endParaRPr lang="en-US" altLang="zh-CN" dirty="0" smtClean="0"/>
+          </a:p>
+          <a:p>
+            <a:endParaRPr lang="en-US" altLang="zh-CN" dirty="0" smtClean="0"/>
+          </a:p>
+          <a:p>
+            <a:pPr>
+              <a:buNone/>
+            </a:pPr>
+            <a:endParaRPr lang="en-US" altLang="zh-CN" dirty="0" smtClean="0"/>
+          </a:p>
+          <a:p>
+            <a:r>
+              <a:rPr lang="zh-CN" altLang="en-US" dirty="0" smtClean="0"/>
+              <a:t>布局</a:t>
+            </a:r>
+            <a:endParaRPr lang="en-US" altLang="zh-CN" dirty="0" smtClean="0"/>
+          </a:p>
+          <a:p>
+            <a:r>
+              <a:rPr lang="en-US" altLang="zh-CN" dirty="0" smtClean="0"/>
+              <a:t>UI</a:t>
+            </a:r>
+            <a:r>
+              <a:rPr lang="zh-CN" altLang="en-US" dirty="0" smtClean="0"/>
+              <a:t>线程耗时操作</a:t>
             </a:r>
             <a:endParaRPr lang="zh-CN" altLang="en-US" dirty="0"/>
           </a:p>
@@ -5302,7 +5508,33 @@
       </p:sp>
       <p:pic>
         <p:nvPicPr>
-          <p:cNvPr id="13315" name="Picture 3" descr="C:\Documents and Settings\马培羽\桌面\bbbb.jpg"/>
+          <p:cNvPr id="7" name="Picture 2" descr="C:\Documents and Settings\马培羽\桌面\aaa.jpg"/>
+          <p:cNvPicPr>
+            <a:picLocks noChangeAspect="1" noChangeArrowheads="1"/>
+          </p:cNvPicPr>
+          <p:nvPr/>
+        </p:nvPicPr>
+        <p:blipFill>
+          <a:blip r:embed="rId1"/>
+          <a:srcRect/>
+          <a:stretch>
+            <a:fillRect/>
+          </a:stretch>
+        </p:blipFill>
+        <p:spPr bwMode="auto">
+          <a:xfrm>
+            <a:off x="857224" y="1785926"/>
+            <a:ext cx="3643338" cy="1349895"/>
+          </a:xfrm>
+          <a:prstGeom prst="rect">
+            <a:avLst/>
+          </a:prstGeom>
+          <a:noFill/>
+        </p:spPr>
+      </p:pic>
+      <p:pic>
+        <p:nvPicPr>
+          <p:cNvPr id="8" name="Picture 3" descr="C:\Documents and Settings\马培羽\桌面\bbbb.png"/>
           <p:cNvPicPr>
             <a:picLocks noChangeAspect="1" noChangeArrowheads="1"/>
           </p:cNvPicPr>
@@ -5317,88 +5549,8 @@
         </p:blipFill>
         <p:spPr bwMode="auto">
           <a:xfrm>
-            <a:off x="142844" y="1785926"/>
-            <a:ext cx="2208898" cy="3786214"/>
-          </a:xfrm>
-          <a:prstGeom prst="rect">
-            <a:avLst/>
-          </a:prstGeom>
-          <a:noFill/>
-        </p:spPr>
-      </p:pic>
-      <p:pic>
-        <p:nvPicPr>
-          <p:cNvPr id="13316" name="Picture 4" descr="E:\桌面\S61123-175846.jpg"/>
-          <p:cNvPicPr>
-            <a:picLocks noGrp="1" noChangeAspect="1" noChangeArrowheads="1"/>
-          </p:cNvPicPr>
-          <p:nvPr>
-            <p:ph idx="1"/>
-          </p:nvPr>
-        </p:nvPicPr>
-        <p:blipFill>
-          <a:blip r:embed="rId3" cstate="print"/>
-          <a:srcRect/>
-          <a:stretch>
-            <a:fillRect/>
-          </a:stretch>
-        </p:blipFill>
-        <p:spPr bwMode="auto">
-          <a:xfrm>
-            <a:off x="2428860" y="1785926"/>
-            <a:ext cx="2071702" cy="3786214"/>
-          </a:xfrm>
-          <a:prstGeom prst="rect">
-            <a:avLst/>
-          </a:prstGeom>
-          <a:noFill/>
-        </p:spPr>
-      </p:pic>
-      <p:pic>
-        <p:nvPicPr>
-          <p:cNvPr id="13317" name="Picture 5" descr="E:\桌面\S61123-180224.jpg"/>
-          <p:cNvPicPr>
-            <a:picLocks noChangeAspect="1" noChangeArrowheads="1"/>
-          </p:cNvPicPr>
-          <p:nvPr/>
-        </p:nvPicPr>
-        <p:blipFill>
-          <a:blip r:embed="rId4" cstate="print"/>
-          <a:srcRect/>
-          <a:stretch>
-            <a:fillRect/>
-          </a:stretch>
-        </p:blipFill>
-        <p:spPr bwMode="auto">
-          <a:xfrm>
-            <a:off x="6858016" y="1785926"/>
-            <a:ext cx="2071702" cy="3714776"/>
-          </a:xfrm>
-          <a:prstGeom prst="rect">
-            <a:avLst/>
-          </a:prstGeom>
-          <a:noFill/>
-        </p:spPr>
-      </p:pic>
-      <p:pic>
-        <p:nvPicPr>
-          <p:cNvPr id="13318" name="Picture 6" descr="C:\Documents and Settings\马培羽\桌面\cccc.jpg"/>
-          <p:cNvPicPr>
-            <a:picLocks noChangeAspect="1" noChangeArrowheads="1"/>
-          </p:cNvPicPr>
-          <p:nvPr/>
-        </p:nvPicPr>
-        <p:blipFill>
-          <a:blip r:embed="rId5"/>
-          <a:srcRect/>
-          <a:stretch>
-            <a:fillRect/>
-          </a:stretch>
-        </p:blipFill>
-        <p:spPr bwMode="auto">
-          <a:xfrm>
-            <a:off x="4572000" y="1785926"/>
-            <a:ext cx="2143140" cy="3786214"/>
+            <a:off x="5143504" y="1785926"/>
+            <a:ext cx="2928958" cy="1411880"/>
           </a:xfrm>
           <a:prstGeom prst="rect">
             <a:avLst/>
@@ -5448,117 +5600,64 @@
             <p:ph type="title"/>
           </p:nvPr>
         </p:nvSpPr>
-        <p:spPr/>
-        <p:txBody>
-          <a:bodyPr/>
-          <a:lstStyle/>
-          <a:p>
-            <a:r>
-              <a:rPr altLang="en-US" dirty="0" smtClean="0"/>
+        <p:spPr>
+          <a:xfrm>
+            <a:off x="457200" y="274955"/>
+            <a:ext cx="8145780" cy="1143000"/>
+          </a:xfrm>
+        </p:spPr>
+        <p:txBody>
+          <a:bodyPr>
+            <a:normAutofit fontScale="90000"/>
+          </a:bodyPr>
+          <a:lstStyle/>
+          <a:p>
+            <a:r>
+              <a:rPr dirty="0" smtClean="0">
+                <a:latin typeface="+mj-ea"/>
+              </a:rPr>
               <a:t>布局分析</a:t>
             </a:r>
             <a:r>
-              <a:rPr lang="en-US" altLang="en-US" dirty="0" smtClean="0"/>
-              <a:t>-</a:t>
-            </a:r>
-            <a:r>
-              <a:rPr lang="en-US" dirty="0" smtClean="0"/>
-              <a:t> </a:t>
-            </a:r>
-            <a:r>
-              <a:rPr lang="en-US" dirty="0" err="1" smtClean="0"/>
-              <a:t>HierarchyViewer</a:t>
-            </a:r>
-            <a:endParaRPr lang="zh-CN" altLang="en-US" dirty="0"/>
-          </a:p>
-        </p:txBody>
-      </p:sp>
-      <p:sp>
-        <p:nvSpPr>
-          <p:cNvPr id="3" name="内容占位符 2"/>
-          <p:cNvSpPr>
-            <a:spLocks noGrp="1"/>
-          </p:cNvSpPr>
-          <p:nvPr>
-            <p:ph idx="1"/>
-          </p:nvPr>
-        </p:nvSpPr>
-        <p:spPr/>
-        <p:txBody>
-          <a:bodyPr/>
-          <a:lstStyle/>
-          <a:p>
-            <a:r>
-              <a:rPr lang="zh-CN" altLang="en-US" dirty="0" smtClean="0"/>
-              <a:t>配置</a:t>
-            </a:r>
-            <a:r>
-              <a:rPr lang="en-US" altLang="zh-CN" dirty="0" smtClean="0"/>
-              <a:t>:  5.0</a:t>
-            </a:r>
-            <a:r>
-              <a:rPr lang="zh-CN" altLang="en-US" dirty="0" smtClean="0"/>
-              <a:t>以上设</a:t>
-            </a:r>
-            <a:r>
-              <a:rPr lang="zh-CN" altLang="en-US" dirty="0" smtClean="0"/>
-              <a:t>环境变理</a:t>
-            </a:r>
-            <a:r>
-              <a:rPr lang="zh-CN" altLang="en-US" dirty="0" smtClean="0"/>
-              <a:t>　</a:t>
-            </a:r>
-            <a:r>
-              <a:rPr lang="en-US" altLang="zh-CN" sz="2400" dirty="0" smtClean="0"/>
-              <a:t>ANDROID_HVPROTO=</a:t>
-            </a:r>
-            <a:r>
-              <a:rPr lang="en-US" altLang="zh-CN" sz="2400" dirty="0" err="1" smtClean="0"/>
-              <a:t>ddm</a:t>
-            </a:r>
-            <a:endParaRPr lang="en-US" altLang="zh-CN" sz="2400" dirty="0" smtClean="0"/>
-          </a:p>
-          <a:p>
-            <a:r>
-              <a:rPr lang="zh-CN" altLang="en-US" dirty="0" smtClean="0"/>
-              <a:t>关注点</a:t>
-            </a:r>
-            <a:r>
-              <a:rPr lang="en-US" altLang="zh-CN" dirty="0" smtClean="0"/>
-              <a:t>: </a:t>
-            </a:r>
-            <a:r>
-              <a:rPr lang="zh-CN" altLang="en-US" dirty="0" smtClean="0"/>
-              <a:t>层级，</a:t>
-            </a:r>
-            <a:r>
-              <a:rPr lang="en-US" altLang="zh-CN" dirty="0" smtClean="0"/>
-              <a:t>Measure/Layout/Draw</a:t>
-            </a:r>
-            <a:r>
-              <a:rPr lang="zh-CN" altLang="en-US" dirty="0" smtClean="0"/>
-              <a:t>的表现</a:t>
-            </a:r>
-            <a:endParaRPr lang="en-US" altLang="zh-CN" dirty="0" smtClean="0"/>
-          </a:p>
-          <a:p>
-            <a:endParaRPr lang="en-US" altLang="zh-CN" dirty="0" smtClean="0"/>
-          </a:p>
-          <a:p>
-            <a:endParaRPr lang="zh-CN" altLang="en-US" dirty="0"/>
+              <a:rPr lang="en-US" dirty="0" smtClean="0">
+                <a:latin typeface="+mj-ea"/>
+              </a:rPr>
+              <a:t>- GPU</a:t>
+            </a:r>
+            <a:r>
+              <a:rPr dirty="0" smtClean="0">
+                <a:latin typeface="+mj-ea"/>
+              </a:rPr>
+              <a:t>呈现模式</a:t>
+            </a:r>
+            <a:r>
+              <a:rPr lang="en-US" dirty="0" smtClean="0">
+                <a:latin typeface="+mj-ea"/>
+              </a:rPr>
+              <a:t>,</a:t>
+            </a:r>
+            <a:r>
+              <a:rPr dirty="0" smtClean="0">
+                <a:latin typeface="+mj-ea"/>
+              </a:rPr>
+              <a:t>过度绘制</a:t>
+            </a:r>
+            <a:endParaRPr lang="zh-CN" altLang="en-US" dirty="0">
+              <a:latin typeface="+mj-ea"/>
+            </a:endParaRPr>
           </a:p>
         </p:txBody>
       </p:sp>
       <p:pic>
         <p:nvPicPr>
-          <p:cNvPr id="1026" name="Picture 2" descr="E:\桌面\Screenshot-1.png"/>
+          <p:cNvPr id="13315" name="Picture 3" descr="C:\Documents and Settings\马培羽\桌面\bbbb.jpg"/>
           <p:cNvPicPr>
             <a:picLocks noChangeAspect="1" noChangeArrowheads="1"/>
           </p:cNvPicPr>
           <p:nvPr/>
         </p:nvPicPr>
         <p:blipFill>
-          <a:blip r:embed="rId2"/>
+          <a:blip r:embed="rId1"/>
           <a:srcRect/>
           <a:stretch>
             <a:fillRect/>
@@ -5566,8 +5665,88 @@
         </p:blipFill>
         <p:spPr bwMode="auto">
           <a:xfrm>
-            <a:off x="571472" y="3286124"/>
-            <a:ext cx="7929618" cy="3296254"/>
+            <a:off x="142844" y="1785926"/>
+            <a:ext cx="2208898" cy="3786214"/>
+          </a:xfrm>
+          <a:prstGeom prst="rect">
+            <a:avLst/>
+          </a:prstGeom>
+          <a:noFill/>
+        </p:spPr>
+      </p:pic>
+      <p:pic>
+        <p:nvPicPr>
+          <p:cNvPr id="13316" name="Picture 4" descr="E:\桌面\S61123-175846.jpg"/>
+          <p:cNvPicPr>
+            <a:picLocks noGrp="1" noChangeAspect="1" noChangeArrowheads="1"/>
+          </p:cNvPicPr>
+          <p:nvPr>
+            <p:ph idx="1"/>
+          </p:nvPr>
+        </p:nvPicPr>
+        <p:blipFill>
+          <a:blip r:embed="rId2" cstate="print"/>
+          <a:srcRect/>
+          <a:stretch>
+            <a:fillRect/>
+          </a:stretch>
+        </p:blipFill>
+        <p:spPr bwMode="auto">
+          <a:xfrm>
+            <a:off x="2428860" y="1785926"/>
+            <a:ext cx="2071702" cy="3786214"/>
+          </a:xfrm>
+          <a:prstGeom prst="rect">
+            <a:avLst/>
+          </a:prstGeom>
+          <a:noFill/>
+        </p:spPr>
+      </p:pic>
+      <p:pic>
+        <p:nvPicPr>
+          <p:cNvPr id="13317" name="Picture 5" descr="E:\桌面\S61123-180224.jpg"/>
+          <p:cNvPicPr>
+            <a:picLocks noChangeAspect="1" noChangeArrowheads="1"/>
+          </p:cNvPicPr>
+          <p:nvPr/>
+        </p:nvPicPr>
+        <p:blipFill>
+          <a:blip r:embed="rId3" cstate="print"/>
+          <a:srcRect/>
+          <a:stretch>
+            <a:fillRect/>
+          </a:stretch>
+        </p:blipFill>
+        <p:spPr bwMode="auto">
+          <a:xfrm>
+            <a:off x="6858016" y="1785926"/>
+            <a:ext cx="2071702" cy="3714776"/>
+          </a:xfrm>
+          <a:prstGeom prst="rect">
+            <a:avLst/>
+          </a:prstGeom>
+          <a:noFill/>
+        </p:spPr>
+      </p:pic>
+      <p:pic>
+        <p:nvPicPr>
+          <p:cNvPr id="13318" name="Picture 6" descr="C:\Documents and Settings\马培羽\桌面\cccc.jpg"/>
+          <p:cNvPicPr>
+            <a:picLocks noChangeAspect="1" noChangeArrowheads="1"/>
+          </p:cNvPicPr>
+          <p:nvPr/>
+        </p:nvPicPr>
+        <p:blipFill>
+          <a:blip r:embed="rId4"/>
+          <a:srcRect/>
+          <a:stretch>
+            <a:fillRect/>
+          </a:stretch>
+        </p:blipFill>
+        <p:spPr bwMode="auto">
+          <a:xfrm>
+            <a:off x="4572000" y="1785926"/>
+            <a:ext cx="2143140" cy="3786214"/>
           </a:xfrm>
           <a:prstGeom prst="rect">
             <a:avLst/>
@@ -5729,10 +5908,32 @@
           <a:lstStyle/>
           <a:p>
             <a:r>
-              <a:rPr altLang="en-US" dirty="0" smtClean="0"/>
-              <a:t>卡顿优化的关键点</a:t>
-            </a:r>
-            <a:endParaRPr lang="zh-CN" altLang="en-US" dirty="0"/>
+              <a:rPr altLang="en-US" dirty="0" smtClean="0">
+                <a:latin typeface="+mj-ea"/>
+              </a:rPr>
+              <a:t>布局分析</a:t>
+            </a:r>
+            <a:r>
+              <a:rPr lang="en-US" altLang="en-US" dirty="0" smtClean="0">
+                <a:latin typeface="+mj-ea"/>
+              </a:rPr>
+              <a:t>-</a:t>
+            </a:r>
+            <a:r>
+              <a:rPr lang="en-US" dirty="0" smtClean="0">
+                <a:latin typeface="+mj-ea"/>
+              </a:rPr>
+              <a:t> </a:t>
+            </a:r>
+            <a:r>
+              <a:rPr lang="en-US" dirty="0" err="1" smtClean="0">
+                <a:latin typeface="+mj-ea"/>
+              </a:rPr>
+              <a:t>HierarchyViewer</a:t>
+            </a:r>
+            <a:endParaRPr lang="zh-CN" altLang="en-US" dirty="0">
+              <a:latin typeface="+mj-ea"/>
+            </a:endParaRPr>
           </a:p>
         </p:txBody>
       </p:sp>
@@ -5752,77 +5953,112 @@
           <a:lstStyle/>
           <a:p>
             <a:r>
-              <a:rPr lang="zh-CN" altLang="en-US" dirty="0" smtClean="0"/>
-              <a:t>主线程耗时操作</a:t>
-            </a:r>
-            <a:endParaRPr lang="en-US" altLang="zh-CN" dirty="0" smtClean="0"/>
-          </a:p>
-          <a:p>
-            <a:r>
-              <a:rPr lang="zh-CN" altLang="en-US" dirty="0" smtClean="0"/>
-              <a:t>减少过度绘制</a:t>
-            </a:r>
-            <a:endParaRPr lang="en-US" altLang="zh-CN" dirty="0" smtClean="0"/>
-          </a:p>
-          <a:p>
-            <a:r>
-              <a:rPr lang="zh-CN" altLang="en-US" dirty="0" smtClean="0"/>
-              <a:t>减少</a:t>
-            </a:r>
-            <a:r>
-              <a:rPr lang="en-US" altLang="zh-CN" dirty="0" smtClean="0"/>
-              <a:t>GC, </a:t>
-            </a:r>
-            <a:r>
-              <a:rPr lang="zh-CN" altLang="en-US" dirty="0" smtClean="0"/>
-              <a:t>内存稳定</a:t>
-            </a:r>
-            <a:endParaRPr lang="en-US" altLang="zh-CN" dirty="0" smtClean="0"/>
-          </a:p>
-          <a:p>
-            <a:r>
-              <a:rPr lang="en-US" altLang="zh-CN" dirty="0" smtClean="0"/>
-              <a:t>Merge, </a:t>
-            </a:r>
-            <a:r>
-              <a:rPr lang="en-US" altLang="zh-CN" dirty="0" err="1" smtClean="0"/>
-              <a:t>ViewStub</a:t>
-            </a:r>
-            <a:r>
-              <a:rPr lang="en-US" altLang="zh-CN" dirty="0" smtClean="0"/>
-              <a:t>, </a:t>
-            </a:r>
-            <a:r>
-              <a:rPr lang="en-US" altLang="zh-CN" dirty="0" err="1" smtClean="0"/>
-              <a:t>RelativeLayout</a:t>
-            </a:r>
-            <a:r>
-              <a:rPr lang="en-US" altLang="zh-CN" dirty="0" smtClean="0"/>
-              <a:t>, </a:t>
-            </a:r>
-            <a:r>
-              <a:rPr lang="en-US" altLang="zh-CN" dirty="0" err="1" smtClean="0"/>
-              <a:t>GridLayout</a:t>
-            </a:r>
-            <a:r>
-              <a:rPr lang="en-US" altLang="zh-CN" dirty="0" smtClean="0"/>
-              <a:t>, </a:t>
-            </a:r>
-            <a:r>
-              <a:rPr lang="en-US" altLang="zh-CN" dirty="0" err="1" smtClean="0"/>
-              <a:t>layout_weight</a:t>
-            </a:r>
-            <a:r>
-              <a:rPr lang="zh-CN" altLang="en-US" dirty="0" smtClean="0"/>
-              <a:t>属性</a:t>
-            </a:r>
-            <a:endParaRPr lang="en-US" altLang="zh-CN" dirty="0" smtClean="0"/>
-          </a:p>
-          <a:p>
-            <a:endParaRPr lang="zh-CN" altLang="en-US" dirty="0"/>
-          </a:p>
-        </p:txBody>
-      </p:sp>
+              <a:rPr lang="zh-CN" altLang="en-US" dirty="0" smtClean="0">
+                <a:latin typeface="+mn-ea"/>
+              </a:rPr>
+              <a:t>配置</a:t>
+            </a:r>
+            <a:r>
+              <a:rPr lang="en-US" altLang="zh-CN" dirty="0" smtClean="0">
+                <a:latin typeface="+mn-ea"/>
+              </a:rPr>
+              <a:t>:  5.0</a:t>
+            </a:r>
+            <a:r>
+              <a:rPr lang="zh-CN" altLang="en-US" dirty="0" smtClean="0">
+                <a:latin typeface="+mn-ea"/>
+              </a:rPr>
+              <a:t>以上设环境变理　</a:t>
+            </a:r>
+            <a:r>
+              <a:rPr lang="en-US" altLang="zh-CN" sz="2400" dirty="0" smtClean="0">
+                <a:latin typeface="+mn-ea"/>
+              </a:rPr>
+              <a:t>ANDROID_HVPROTO=</a:t>
+            </a:r>
+            <a:r>
+              <a:rPr lang="en-US" altLang="zh-CN" sz="2400" dirty="0" err="1" smtClean="0">
+                <a:latin typeface="+mn-ea"/>
+              </a:rPr>
+              <a:t>ddm</a:t>
+            </a:r>
+            <a:endParaRPr lang="en-US" altLang="zh-CN" sz="2400" dirty="0" smtClean="0">
+              <a:latin typeface="+mn-ea"/>
+            </a:endParaRPr>
+          </a:p>
+          <a:p>
+            <a:r>
+              <a:rPr lang="zh-CN" altLang="en-US" dirty="0" smtClean="0">
+                <a:latin typeface="+mn-ea"/>
+              </a:rPr>
+              <a:t>关注</a:t>
+            </a:r>
+            <a:r>
+              <a:rPr lang="en-US" altLang="zh-CN" dirty="0" smtClean="0">
+                <a:latin typeface="+mn-ea"/>
+              </a:rPr>
+              <a:t>: </a:t>
+            </a:r>
+            <a:r>
+              <a:rPr lang="zh-CN" altLang="en-US" dirty="0" smtClean="0">
+                <a:latin typeface="+mn-ea"/>
+              </a:rPr>
+              <a:t>层级，</a:t>
+            </a:r>
+            <a:r>
+              <a:rPr lang="en-US" altLang="zh-CN" dirty="0" smtClean="0">
+                <a:latin typeface="+mn-ea"/>
+              </a:rPr>
+              <a:t>Measure/Layout/Draw</a:t>
+            </a:r>
+            <a:r>
+              <a:rPr lang="zh-CN" altLang="en-US" dirty="0" smtClean="0">
+                <a:latin typeface="+mn-ea"/>
+              </a:rPr>
+              <a:t>的表现</a:t>
+            </a:r>
+            <a:endParaRPr lang="en-US" altLang="zh-CN" dirty="0" smtClean="0">
+              <a:latin typeface="+mn-ea"/>
+            </a:endParaRPr>
+          </a:p>
+          <a:p>
+            <a:endParaRPr lang="en-US" altLang="zh-CN" dirty="0" smtClean="0">
+              <a:latin typeface="+mn-ea"/>
+            </a:endParaRPr>
+          </a:p>
+          <a:p>
+            <a:endParaRPr lang="zh-CN" altLang="en-US" dirty="0">
+              <a:latin typeface="+mn-ea"/>
+            </a:endParaRPr>
+          </a:p>
+        </p:txBody>
+      </p:sp>
+      <p:pic>
+        <p:nvPicPr>
+          <p:cNvPr id="1026" name="Picture 2" descr="E:\桌面\Screenshot-1.png"/>
+          <p:cNvPicPr>
+            <a:picLocks noChangeAspect="1" noChangeArrowheads="1"/>
+          </p:cNvPicPr>
+          <p:nvPr/>
+        </p:nvPicPr>
+        <p:blipFill>
+          <a:blip r:embed="rId1"/>
+          <a:srcRect/>
+          <a:stretch>
+            <a:fillRect/>
+          </a:stretch>
+        </p:blipFill>
+        <p:spPr bwMode="auto">
+          <a:xfrm>
+            <a:off x="571472" y="3286124"/>
+            <a:ext cx="7929618" cy="3296254"/>
+          </a:xfrm>
+          <a:prstGeom prst="rect">
+            <a:avLst/>
+          </a:prstGeom>
+          <a:noFill/>
+        </p:spPr>
+      </p:pic>
     </p:spTree>
   </p:cSld>
   <p:clrMapOvr>
@@ -5872,7 +6108,7 @@
           <a:p>
             <a:r>
               <a:rPr altLang="en-US" dirty="0" smtClean="0"/>
-              <a:t>反射优化</a:t>
+              <a:t>卡顿优化的关键点</a:t>
             </a:r>
             <a:endParaRPr lang="zh-CN" altLang="en-US" dirty="0"/>
           </a:p>
@@ -5890,209 +6126,135 @@
         </p:nvSpPr>
         <p:spPr/>
         <p:txBody>
-          <a:bodyPr>
-            <a:normAutofit/>
-          </a:bodyPr>
-          <a:lstStyle/>
-          <a:p>
-            <a:r>
-              <a:rPr lang="zh-CN" altLang="en-US" dirty="0" smtClean="0"/>
-              <a:t>检查代码有相关反射方法</a:t>
-            </a:r>
-            <a:endParaRPr lang="en-US" altLang="zh-CN" dirty="0" smtClean="0"/>
-          </a:p>
-          <a:p>
-            <a:pPr>
-              <a:buNone/>
-            </a:pPr>
-            <a:r>
-              <a:rPr lang="en-US" altLang="zh-CN" sz="2800" dirty="0" err="1" smtClean="0"/>
-              <a:t>grep</a:t>
-            </a:r>
-            <a:r>
-              <a:rPr lang="en-US" altLang="zh-CN" sz="2800" dirty="0" smtClean="0"/>
-              <a:t> –</a:t>
-            </a:r>
-            <a:r>
-              <a:rPr lang="en-US" altLang="zh-CN" sz="2800" dirty="0" err="1" smtClean="0"/>
-              <a:t>rns</a:t>
-            </a:r>
-            <a:r>
-              <a:rPr lang="en-US" altLang="zh-CN" sz="2800" dirty="0" smtClean="0"/>
-              <a:t> [</a:t>
-            </a:r>
-            <a:r>
-              <a:rPr lang="en-US" altLang="zh-CN" sz="2800" dirty="0" err="1" smtClean="0"/>
-              <a:t>forName</a:t>
-            </a:r>
-            <a:r>
-              <a:rPr lang="en-US" altLang="zh-CN" sz="2800" dirty="0" smtClean="0"/>
+          <a:bodyPr/>
+          <a:lstStyle/>
+          <a:p>
+            <a:r>
+              <a:rPr lang="zh-CN" altLang="en-US" dirty="0" smtClean="0">
+                <a:latin typeface="宋体" panose="02010600030101010101" pitchFamily="2" charset="-122"/>
+                <a:ea typeface="宋体" panose="02010600030101010101" pitchFamily="2" charset="-122"/>
+              </a:rPr>
+              <a:t>主线程耗时操作</a:t>
+            </a:r>
+            <a:endParaRPr lang="en-US" altLang="zh-CN" dirty="0" smtClean="0">
+              <a:latin typeface="宋体" panose="02010600030101010101" pitchFamily="2" charset="-122"/>
+              <a:ea typeface="宋体" panose="02010600030101010101" pitchFamily="2" charset="-122"/>
+            </a:endParaRPr>
+          </a:p>
+          <a:p>
+            <a:r>
+              <a:rPr lang="zh-CN" altLang="en-US" dirty="0" smtClean="0">
+                <a:latin typeface="宋体" panose="02010600030101010101" pitchFamily="2" charset="-122"/>
+                <a:ea typeface="宋体" panose="02010600030101010101" pitchFamily="2" charset="-122"/>
+              </a:rPr>
+              <a:t>减少过度绘制</a:t>
+            </a:r>
+            <a:endParaRPr lang="en-US" altLang="zh-CN" dirty="0" smtClean="0">
+              <a:latin typeface="宋体" panose="02010600030101010101" pitchFamily="2" charset="-122"/>
+              <a:ea typeface="宋体" panose="02010600030101010101" pitchFamily="2" charset="-122"/>
+            </a:endParaRPr>
+          </a:p>
+          <a:p>
+            <a:r>
+              <a:rPr lang="zh-CN" altLang="en-US" dirty="0" smtClean="0">
+                <a:latin typeface="宋体" panose="02010600030101010101" pitchFamily="2" charset="-122"/>
+                <a:ea typeface="宋体" panose="02010600030101010101" pitchFamily="2" charset="-122"/>
+              </a:rPr>
+              <a:t>减少</a:t>
+            </a:r>
+            <a:r>
+              <a:rPr lang="en-US" altLang="zh-CN" dirty="0" smtClean="0">
+                <a:latin typeface="宋体" panose="02010600030101010101" pitchFamily="2" charset="-122"/>
+                <a:ea typeface="宋体" panose="02010600030101010101" pitchFamily="2" charset="-122"/>
+              </a:rPr>
+              <a:t>GC, </a:t>
+            </a:r>
+            <a:r>
+              <a:rPr lang="zh-CN" altLang="en-US" dirty="0" smtClean="0">
+                <a:latin typeface="宋体" panose="02010600030101010101" pitchFamily="2" charset="-122"/>
+                <a:ea typeface="宋体" panose="02010600030101010101" pitchFamily="2" charset="-122"/>
+              </a:rPr>
+              <a:t>内存稳定</a:t>
+            </a:r>
+            <a:endParaRPr lang="en-US" altLang="zh-CN" dirty="0" smtClean="0">
+              <a:latin typeface="宋体" panose="02010600030101010101" pitchFamily="2" charset="-122"/>
+              <a:ea typeface="宋体" panose="02010600030101010101" pitchFamily="2" charset="-122"/>
+            </a:endParaRPr>
+          </a:p>
+          <a:p>
+            <a:r>
+              <a:rPr lang="en-US" altLang="zh-CN" dirty="0" smtClean="0">
+                <a:latin typeface="宋体" panose="02010600030101010101" pitchFamily="2" charset="-122"/>
+                <a:ea typeface="宋体" panose="02010600030101010101" pitchFamily="2" charset="-122"/>
+              </a:rPr>
+              <a:t>Merge, </a:t>
+            </a:r>
+            <a:r>
+              <a:rPr lang="en-US" altLang="zh-CN" dirty="0" err="1" smtClean="0">
+                <a:latin typeface="宋体" panose="02010600030101010101" pitchFamily="2" charset="-122"/>
+                <a:ea typeface="宋体" panose="02010600030101010101" pitchFamily="2" charset="-122"/>
+              </a:rPr>
+              <a:t>ViewStub</a:t>
+            </a:r>
+            <a:r>
+              <a:rPr lang="en-US" altLang="zh-CN" dirty="0" smtClean="0">
+                <a:latin typeface="宋体" panose="02010600030101010101" pitchFamily="2" charset="-122"/>
+                <a:ea typeface="宋体" panose="02010600030101010101" pitchFamily="2" charset="-122"/>
+              </a:rPr>
               <a:t>, </a:t>
             </a:r>
             <a:r>
-              <a:rPr lang="en-US" altLang="zh-CN" sz="2800" dirty="0" err="1" smtClean="0"/>
-              <a:t>getDeclaredField</a:t>
-            </a:r>
-            <a:r>
-              <a:rPr lang="en-US" altLang="zh-CN" sz="2800" dirty="0" smtClean="0"/>
+              <a:rPr lang="en-US" altLang="zh-CN" dirty="0" err="1" smtClean="0">
+                <a:latin typeface="宋体" panose="02010600030101010101" pitchFamily="2" charset="-122"/>
+                <a:ea typeface="宋体" panose="02010600030101010101" pitchFamily="2" charset="-122"/>
+              </a:rPr>
+              <a:t>RelativeLayout</a:t>
+            </a:r>
+            <a:r>
+              <a:rPr lang="en-US" altLang="zh-CN" dirty="0" smtClean="0">
+                <a:latin typeface="宋体" panose="02010600030101010101" pitchFamily="2" charset="-122"/>
+                <a:ea typeface="宋体" panose="02010600030101010101" pitchFamily="2" charset="-122"/>
+              </a:rPr>
               <a:t>, </a:t>
             </a:r>
             <a:r>
-              <a:rPr lang="en-US" altLang="zh-CN" sz="2800" dirty="0" err="1" smtClean="0"/>
-              <a:t>getMethod</a:t>
-            </a:r>
-            <a:r>
-              <a:rPr lang="en-US" altLang="zh-CN" sz="2800" dirty="0" smtClean="0"/>
+              <a:rPr lang="en-US" altLang="zh-CN" dirty="0" err="1" smtClean="0">
+                <a:latin typeface="宋体" panose="02010600030101010101" pitchFamily="2" charset="-122"/>
+                <a:ea typeface="宋体" panose="02010600030101010101" pitchFamily="2" charset="-122"/>
+              </a:rPr>
+              <a:t>GridLayout</a:t>
+            </a:r>
+            <a:r>
+              <a:rPr lang="en-US" altLang="zh-CN" dirty="0" smtClean="0">
+                <a:latin typeface="宋体" panose="02010600030101010101" pitchFamily="2" charset="-122"/>
+                <a:ea typeface="宋体" panose="02010600030101010101" pitchFamily="2" charset="-122"/>
+              </a:rPr>
               <a:t>, </a:t>
             </a:r>
             <a:r>
-              <a:rPr lang="en-US" altLang="zh-CN" sz="2800" dirty="0" err="1" smtClean="0"/>
-              <a:t>getField</a:t>
-            </a:r>
-            <a:r>
-              <a:rPr lang="en-US" altLang="zh-CN" sz="2800" dirty="0" smtClean="0"/>
-              <a:t>, </a:t>
-            </a:r>
-            <a:r>
-              <a:rPr lang="en-US" altLang="zh-CN" sz="2800" dirty="0" err="1" smtClean="0"/>
-              <a:t>getDeclaredMethod</a:t>
-            </a:r>
-            <a:r>
-              <a:rPr lang="en-US" altLang="zh-CN" sz="2800" dirty="0" smtClean="0"/>
-              <a:t>]</a:t>
-            </a:r>
-            <a:endParaRPr lang="en-US" altLang="zh-CN" sz="2800" dirty="0" smtClean="0"/>
-          </a:p>
-          <a:p>
-            <a:r>
-              <a:rPr lang="zh-CN" altLang="en-US" dirty="0" smtClean="0"/>
-              <a:t>运行时检查</a:t>
-            </a:r>
-            <a:endParaRPr lang="en-US" altLang="zh-CN" dirty="0" smtClean="0"/>
-          </a:p>
-          <a:p>
-            <a:pPr>
-              <a:buNone/>
-            </a:pPr>
-            <a:r>
-              <a:rPr lang="zh-CN" altLang="en-US" dirty="0" smtClean="0"/>
-              <a:t>开启</a:t>
-            </a:r>
-            <a:r>
-              <a:rPr lang="en-US" altLang="zh-CN" dirty="0" smtClean="0"/>
-              <a:t>log: </a:t>
-            </a:r>
-          </a:p>
-          <a:p>
-            <a:pPr>
-              <a:buNone/>
-            </a:pPr>
-            <a:r>
-              <a:rPr lang="en-US" altLang="zh-CN" sz="2800" dirty="0" err="1" smtClean="0"/>
-              <a:t>adb</a:t>
-            </a:r>
-            <a:r>
-              <a:rPr lang="en-US" altLang="zh-CN" sz="2800" dirty="0" smtClean="0"/>
-              <a:t> </a:t>
-            </a:r>
-            <a:r>
-              <a:rPr lang="en-US" altLang="zh-CN" sz="2800" dirty="0" smtClean="0"/>
-              <a:t>shell </a:t>
-            </a:r>
-            <a:r>
-              <a:rPr lang="en-US" altLang="zh-CN" sz="2800" dirty="0" err="1" smtClean="0"/>
-              <a:t>setprop</a:t>
-            </a:r>
-            <a:r>
-              <a:rPr lang="en-US" altLang="zh-CN" sz="2800" dirty="0" smtClean="0"/>
-              <a:t> </a:t>
-            </a:r>
-            <a:r>
-              <a:rPr lang="en-US" altLang="zh-CN" sz="2800" dirty="0" err="1" smtClean="0"/>
-              <a:t>persist.sys.perf.reflect_check</a:t>
-            </a:r>
-            <a:r>
-              <a:rPr lang="en-US" altLang="zh-CN" sz="2800" dirty="0" smtClean="0"/>
-              <a:t> </a:t>
-            </a:r>
-            <a:r>
-              <a:rPr lang="en-US" altLang="zh-CN" sz="2800" dirty="0" smtClean="0"/>
-              <a:t>true</a:t>
-            </a:r>
-          </a:p>
-          <a:p>
-            <a:pPr>
-              <a:buNone/>
-            </a:pPr>
-            <a:r>
-              <a:rPr lang="zh-CN" altLang="en-US" dirty="0" smtClean="0"/>
-              <a:t>过滤</a:t>
-            </a:r>
-            <a:r>
-              <a:rPr lang="en-US" altLang="zh-CN" dirty="0" smtClean="0"/>
-              <a:t>log: </a:t>
-            </a:r>
-          </a:p>
-          <a:p>
-            <a:pPr>
-              <a:buNone/>
-            </a:pPr>
-            <a:r>
-              <a:rPr lang="en-US" altLang="zh-CN" sz="2800" dirty="0" err="1" smtClean="0"/>
-              <a:t>adb</a:t>
-            </a:r>
-            <a:r>
-              <a:rPr lang="en-US" altLang="zh-CN" sz="2800" dirty="0" smtClean="0"/>
-              <a:t> </a:t>
-            </a:r>
-            <a:r>
-              <a:rPr lang="en-US" altLang="zh-CN" sz="2800" dirty="0" smtClean="0"/>
-              <a:t>shell </a:t>
-            </a:r>
-            <a:r>
-              <a:rPr lang="en-US" altLang="zh-CN" sz="2800" dirty="0" err="1" smtClean="0"/>
-              <a:t>logcat</a:t>
-            </a:r>
-            <a:r>
-              <a:rPr lang="en-US" altLang="zh-CN" sz="2800" dirty="0" smtClean="0"/>
-              <a:t> -v </a:t>
-            </a:r>
-            <a:r>
-              <a:rPr lang="en-US" altLang="zh-CN" sz="2800" dirty="0" err="1" smtClean="0"/>
-              <a:t>threadtime</a:t>
-            </a:r>
-            <a:r>
-              <a:rPr lang="en-US" altLang="zh-CN" sz="2800" dirty="0" smtClean="0"/>
-              <a:t> |</a:t>
-            </a:r>
-            <a:r>
-              <a:rPr lang="en-US" altLang="zh-CN" sz="2800" dirty="0" err="1" smtClean="0"/>
-              <a:t>grep</a:t>
-            </a:r>
-            <a:r>
-              <a:rPr lang="en-US" altLang="zh-CN" sz="2800" dirty="0" smtClean="0"/>
-              <a:t> </a:t>
-            </a:r>
-            <a:r>
-              <a:rPr lang="en-US" altLang="zh-CN" sz="2800" dirty="0" err="1" smtClean="0"/>
-              <a:t>AppReflectCheck</a:t>
-            </a:r>
-            <a:endParaRPr lang="en-US" altLang="zh-CN" sz="2800" dirty="0" smtClean="0"/>
-          </a:p>
-          <a:p>
-            <a:pPr>
-              <a:buNone/>
-            </a:pPr>
-            <a:endParaRPr lang="en-US" altLang="zh-CN" dirty="0" smtClean="0"/>
-          </a:p>
-          <a:p>
-            <a:pPr>
-              <a:buNone/>
-            </a:pPr>
-            <a:endParaRPr lang="en-US" altLang="zh-CN" dirty="0" smtClean="0"/>
-          </a:p>
-          <a:p>
-            <a:endParaRPr lang="zh-CN" altLang="en-US" dirty="0"/>
+              <a:rPr lang="en-US" altLang="zh-CN" dirty="0" err="1" smtClean="0">
+                <a:latin typeface="宋体" panose="02010600030101010101" pitchFamily="2" charset="-122"/>
+                <a:ea typeface="宋体" panose="02010600030101010101" pitchFamily="2" charset="-122"/>
+              </a:rPr>
+              <a:t>layout_weight</a:t>
+            </a:r>
+            <a:r>
+              <a:rPr lang="zh-CN" altLang="en-US" dirty="0" smtClean="0">
+                <a:latin typeface="宋体" panose="02010600030101010101" pitchFamily="2" charset="-122"/>
+                <a:ea typeface="宋体" panose="02010600030101010101" pitchFamily="2" charset="-122"/>
+              </a:rPr>
+              <a:t>属性</a:t>
+            </a:r>
+            <a:endParaRPr lang="en-US" altLang="zh-CN" dirty="0" smtClean="0">
+              <a:latin typeface="宋体" panose="02010600030101010101" pitchFamily="2" charset="-122"/>
+              <a:ea typeface="宋体" panose="02010600030101010101" pitchFamily="2" charset="-122"/>
+            </a:endParaRPr>
+          </a:p>
+          <a:p>
+            <a:endParaRPr lang="zh-CN" altLang="en-US" dirty="0">
+              <a:latin typeface="宋体" panose="02010600030101010101" pitchFamily="2" charset="-122"/>
+              <a:ea typeface="宋体" panose="02010600030101010101" pitchFamily="2" charset="-122"/>
+            </a:endParaRPr>
           </a:p>
         </p:txBody>
       </p:sp>
@@ -6144,8 +6306,8 @@
           <a:lstStyle/>
           <a:p>
             <a:r>
-              <a:rPr dirty="0" smtClean="0"/>
-              <a:t>反射优化关键点</a:t>
+              <a:rPr altLang="en-US" dirty="0" smtClean="0"/>
+              <a:t>反射优化</a:t>
             </a:r>
             <a:endParaRPr lang="zh-CN" altLang="en-US" dirty="0"/>
           </a:p>
@@ -6164,130 +6326,337 @@
         <p:spPr/>
         <p:txBody>
           <a:bodyPr>
-            <a:normAutofit/>
+            <a:normAutofit lnSpcReduction="20000"/>
           </a:bodyPr>
           <a:lstStyle/>
           <a:p>
             <a:r>
-              <a:rPr lang="zh-CN" altLang="en-US" dirty="0" smtClean="0"/>
-              <a:t>尽量避免</a:t>
-            </a:r>
-            <a:r>
-              <a:rPr lang="en-US" altLang="zh-CN" dirty="0" smtClean="0"/>
-              <a:t>(</a:t>
-            </a:r>
-            <a:r>
-              <a:rPr lang="zh-CN" altLang="en-US" dirty="0" smtClean="0"/>
-              <a:t>判断</a:t>
-            </a:r>
-            <a:r>
-              <a:rPr lang="en-US" altLang="zh-CN" dirty="0" smtClean="0"/>
-              <a:t>Android </a:t>
-            </a:r>
-            <a:r>
-              <a:rPr lang="en-US" altLang="zh-CN" dirty="0" err="1" smtClean="0"/>
-              <a:t>A</a:t>
-            </a:r>
-            <a:r>
-              <a:rPr lang="en-US" altLang="zh-CN" dirty="0" err="1" smtClean="0"/>
-              <a:t>pi</a:t>
-            </a:r>
-            <a:r>
-              <a:rPr lang="en-US" altLang="zh-CN" dirty="0" smtClean="0"/>
-              <a:t> Level)</a:t>
-            </a:r>
-          </a:p>
-          <a:p>
-            <a:r>
-              <a:rPr lang="zh-CN" altLang="en-US" dirty="0" smtClean="0"/>
-              <a:t>加</a:t>
-            </a:r>
-            <a:r>
-              <a:rPr lang="en-US" altLang="zh-CN" dirty="0" smtClean="0"/>
-              <a:t>Cache</a:t>
-            </a:r>
-          </a:p>
-          <a:p>
-            <a:r>
-              <a:rPr lang="zh-CN" altLang="en-US" dirty="0" smtClean="0"/>
-              <a:t>使用工具  </a:t>
-            </a:r>
-            <a:r>
-              <a:rPr lang="en-US" altLang="zh-CN" sz="2800" dirty="0" smtClean="0"/>
-              <a:t>https</a:t>
-            </a:r>
-            <a:r>
-              <a:rPr lang="en-US" altLang="zh-CN" sz="2800" dirty="0" smtClean="0"/>
-              <a:t>://github.com/masonTool/reflect</a:t>
-            </a:r>
-          </a:p>
-          <a:p>
-            <a:endParaRPr lang="en-US" altLang="zh-CN" dirty="0" smtClean="0"/>
+              <a:rPr lang="zh-CN" altLang="en-US" dirty="0" smtClean="0">
+                <a:latin typeface="宋体" panose="02010600030101010101" pitchFamily="2" charset="-122"/>
+                <a:ea typeface="宋体" panose="02010600030101010101" pitchFamily="2" charset="-122"/>
+              </a:rPr>
+              <a:t>检查代码有相关反射方法</a:t>
+            </a:r>
+            <a:endParaRPr lang="en-US" altLang="zh-CN" dirty="0" smtClean="0">
+              <a:latin typeface="宋体" panose="02010600030101010101" pitchFamily="2" charset="-122"/>
+              <a:ea typeface="宋体" panose="02010600030101010101" pitchFamily="2" charset="-122"/>
+            </a:endParaRPr>
           </a:p>
           <a:p>
             <a:pPr>
               <a:buNone/>
             </a:pPr>
-            <a:endParaRPr lang="en-US" altLang="zh-CN" dirty="0" smtClean="0"/>
+            <a:r>
+              <a:rPr lang="en-US" altLang="zh-CN" sz="2800" dirty="0" err="1" smtClean="0">
+                <a:latin typeface="宋体" panose="02010600030101010101" pitchFamily="2" charset="-122"/>
+                <a:ea typeface="宋体" panose="02010600030101010101" pitchFamily="2" charset="-122"/>
+              </a:rPr>
+              <a:t>grep</a:t>
+            </a:r>
+            <a:r>
+              <a:rPr lang="en-US" altLang="zh-CN" sz="2800" dirty="0" smtClean="0">
+                <a:latin typeface="宋体" panose="02010600030101010101" pitchFamily="2" charset="-122"/>
+                <a:ea typeface="宋体" panose="02010600030101010101" pitchFamily="2" charset="-122"/>
+              </a:rPr>
+              <a:t> –</a:t>
+            </a:r>
+            <a:r>
+              <a:rPr lang="en-US" altLang="zh-CN" sz="2800" dirty="0" err="1" smtClean="0">
+                <a:latin typeface="宋体" panose="02010600030101010101" pitchFamily="2" charset="-122"/>
+                <a:ea typeface="宋体" panose="02010600030101010101" pitchFamily="2" charset="-122"/>
+              </a:rPr>
+              <a:t>rns</a:t>
+            </a:r>
+            <a:r>
+              <a:rPr lang="en-US" altLang="zh-CN" sz="2800" dirty="0" smtClean="0">
+                <a:latin typeface="宋体" panose="02010600030101010101" pitchFamily="2" charset="-122"/>
+                <a:ea typeface="宋体" panose="02010600030101010101" pitchFamily="2" charset="-122"/>
+              </a:rPr>
+              <a:t> [</a:t>
+            </a:r>
+            <a:r>
+              <a:rPr lang="en-US" altLang="zh-CN" sz="2800" dirty="0" err="1" smtClean="0">
+                <a:latin typeface="宋体" panose="02010600030101010101" pitchFamily="2" charset="-122"/>
+                <a:ea typeface="宋体" panose="02010600030101010101" pitchFamily="2" charset="-122"/>
+              </a:rPr>
+              <a:t>forName</a:t>
+            </a:r>
+            <a:r>
+              <a:rPr lang="en-US" altLang="zh-CN" sz="2800" dirty="0" smtClean="0">
+                <a:latin typeface="宋体" panose="02010600030101010101" pitchFamily="2" charset="-122"/>
+                <a:ea typeface="宋体" panose="02010600030101010101" pitchFamily="2" charset="-122"/>
+              </a:rPr>
+              <a:t>, </a:t>
+            </a:r>
+            <a:r>
+              <a:rPr lang="en-US" altLang="zh-CN" sz="2800" dirty="0" err="1" smtClean="0">
+                <a:latin typeface="宋体" panose="02010600030101010101" pitchFamily="2" charset="-122"/>
+                <a:ea typeface="宋体" panose="02010600030101010101" pitchFamily="2" charset="-122"/>
+              </a:rPr>
+              <a:t>getDeclaredField</a:t>
+            </a:r>
+            <a:r>
+              <a:rPr lang="en-US" altLang="zh-CN" sz="2800" dirty="0" smtClean="0">
+                <a:latin typeface="宋体" panose="02010600030101010101" pitchFamily="2" charset="-122"/>
+                <a:ea typeface="宋体" panose="02010600030101010101" pitchFamily="2" charset="-122"/>
+              </a:rPr>
+              <a:t>, </a:t>
+            </a:r>
+            <a:r>
+              <a:rPr lang="en-US" altLang="zh-CN" sz="2800" dirty="0" err="1" smtClean="0">
+                <a:latin typeface="宋体" panose="02010600030101010101" pitchFamily="2" charset="-122"/>
+                <a:ea typeface="宋体" panose="02010600030101010101" pitchFamily="2" charset="-122"/>
+              </a:rPr>
+              <a:t>getMethod</a:t>
+            </a:r>
+            <a:r>
+              <a:rPr lang="en-US" altLang="zh-CN" sz="2800" dirty="0" smtClean="0">
+                <a:latin typeface="宋体" panose="02010600030101010101" pitchFamily="2" charset="-122"/>
+                <a:ea typeface="宋体" panose="02010600030101010101" pitchFamily="2" charset="-122"/>
+              </a:rPr>
+              <a:t>, </a:t>
+            </a:r>
+            <a:r>
+              <a:rPr lang="en-US" altLang="zh-CN" sz="2800" dirty="0" err="1" smtClean="0">
+                <a:latin typeface="宋体" panose="02010600030101010101" pitchFamily="2" charset="-122"/>
+                <a:ea typeface="宋体" panose="02010600030101010101" pitchFamily="2" charset="-122"/>
+              </a:rPr>
+              <a:t>getField</a:t>
+            </a:r>
+            <a:r>
+              <a:rPr lang="en-US" altLang="zh-CN" sz="2800" dirty="0" smtClean="0">
+                <a:latin typeface="宋体" panose="02010600030101010101" pitchFamily="2" charset="-122"/>
+                <a:ea typeface="宋体" panose="02010600030101010101" pitchFamily="2" charset="-122"/>
+              </a:rPr>
+              <a:t>, </a:t>
+            </a:r>
+            <a:r>
+              <a:rPr lang="en-US" altLang="zh-CN" sz="2800" dirty="0" err="1" smtClean="0">
+                <a:latin typeface="宋体" panose="02010600030101010101" pitchFamily="2" charset="-122"/>
+                <a:ea typeface="宋体" panose="02010600030101010101" pitchFamily="2" charset="-122"/>
+              </a:rPr>
+              <a:t>getDeclaredMethod</a:t>
+            </a:r>
+            <a:r>
+              <a:rPr lang="en-US" altLang="zh-CN" sz="2800" dirty="0" smtClean="0">
+                <a:latin typeface="宋体" panose="02010600030101010101" pitchFamily="2" charset="-122"/>
+                <a:ea typeface="宋体" panose="02010600030101010101" pitchFamily="2" charset="-122"/>
+              </a:rPr>
+              <a:t>]</a:t>
+            </a:r>
+            <a:endParaRPr lang="en-US" altLang="zh-CN" sz="2800" dirty="0" smtClean="0">
+              <a:latin typeface="宋体" panose="02010600030101010101" pitchFamily="2" charset="-122"/>
+              <a:ea typeface="宋体" panose="02010600030101010101" pitchFamily="2" charset="-122"/>
+            </a:endParaRPr>
+          </a:p>
+          <a:p>
+            <a:r>
+              <a:rPr lang="zh-CN" altLang="en-US" dirty="0" smtClean="0">
+                <a:latin typeface="宋体" panose="02010600030101010101" pitchFamily="2" charset="-122"/>
+                <a:ea typeface="宋体" panose="02010600030101010101" pitchFamily="2" charset="-122"/>
+              </a:rPr>
+              <a:t>运行时检查</a:t>
+            </a:r>
+            <a:endParaRPr lang="en-US" altLang="zh-CN" dirty="0" smtClean="0">
+              <a:latin typeface="宋体" panose="02010600030101010101" pitchFamily="2" charset="-122"/>
+              <a:ea typeface="宋体" panose="02010600030101010101" pitchFamily="2" charset="-122"/>
+            </a:endParaRPr>
           </a:p>
           <a:p>
             <a:pPr>
               <a:buNone/>
             </a:pPr>
-            <a:endParaRPr lang="en-US" altLang="zh-CN" dirty="0" smtClean="0"/>
+            <a:r>
+              <a:rPr lang="zh-CN" altLang="en-US" dirty="0" smtClean="0">
+                <a:latin typeface="宋体" panose="02010600030101010101" pitchFamily="2" charset="-122"/>
+                <a:ea typeface="宋体" panose="02010600030101010101" pitchFamily="2" charset="-122"/>
+              </a:rPr>
+              <a:t>开启</a:t>
+            </a:r>
+            <a:r>
+              <a:rPr lang="en-US" altLang="zh-CN" dirty="0" smtClean="0">
+                <a:latin typeface="宋体" panose="02010600030101010101" pitchFamily="2" charset="-122"/>
+                <a:ea typeface="宋体" panose="02010600030101010101" pitchFamily="2" charset="-122"/>
+              </a:rPr>
+              <a:t>log: </a:t>
+            </a:r>
+            <a:endParaRPr lang="en-US" altLang="zh-CN" dirty="0" smtClean="0">
+              <a:latin typeface="宋体" panose="02010600030101010101" pitchFamily="2" charset="-122"/>
+              <a:ea typeface="宋体" panose="02010600030101010101" pitchFamily="2" charset="-122"/>
+            </a:endParaRPr>
           </a:p>
           <a:p>
             <a:pPr>
               <a:buNone/>
             </a:pPr>
-            <a:endParaRPr lang="en-US" altLang="zh-CN" dirty="0" smtClean="0"/>
+            <a:r>
+              <a:rPr lang="en-US" altLang="zh-CN" sz="2800" dirty="0" err="1" smtClean="0">
+                <a:latin typeface="宋体" panose="02010600030101010101" pitchFamily="2" charset="-122"/>
+                <a:ea typeface="宋体" panose="02010600030101010101" pitchFamily="2" charset="-122"/>
+              </a:rPr>
+              <a:t>adb</a:t>
+            </a:r>
+            <a:r>
+              <a:rPr lang="en-US" altLang="zh-CN" sz="2800" dirty="0" smtClean="0">
+                <a:latin typeface="宋体" panose="02010600030101010101" pitchFamily="2" charset="-122"/>
+                <a:ea typeface="宋体" panose="02010600030101010101" pitchFamily="2" charset="-122"/>
+              </a:rPr>
+              <a:t> shell </a:t>
+            </a:r>
+            <a:r>
+              <a:rPr lang="en-US" altLang="zh-CN" sz="2800" dirty="0" err="1" smtClean="0">
+                <a:latin typeface="宋体" panose="02010600030101010101" pitchFamily="2" charset="-122"/>
+                <a:ea typeface="宋体" panose="02010600030101010101" pitchFamily="2" charset="-122"/>
+              </a:rPr>
+              <a:t>setprop</a:t>
+            </a:r>
+            <a:r>
+              <a:rPr lang="en-US" altLang="zh-CN" sz="2800" dirty="0" smtClean="0">
+                <a:latin typeface="宋体" panose="02010600030101010101" pitchFamily="2" charset="-122"/>
+                <a:ea typeface="宋体" panose="02010600030101010101" pitchFamily="2" charset="-122"/>
+              </a:rPr>
+              <a:t> </a:t>
+            </a:r>
+            <a:r>
+              <a:rPr lang="en-US" altLang="zh-CN" sz="2800" dirty="0" err="1" smtClean="0">
+                <a:latin typeface="宋体" panose="02010600030101010101" pitchFamily="2" charset="-122"/>
+                <a:ea typeface="宋体" panose="02010600030101010101" pitchFamily="2" charset="-122"/>
+              </a:rPr>
+              <a:t>persist.sys.perf.reflect_check</a:t>
+            </a:r>
+            <a:r>
+              <a:rPr lang="en-US" altLang="zh-CN" sz="2800" dirty="0" smtClean="0">
+                <a:latin typeface="宋体" panose="02010600030101010101" pitchFamily="2" charset="-122"/>
+                <a:ea typeface="宋体" panose="02010600030101010101" pitchFamily="2" charset="-122"/>
+              </a:rPr>
+              <a:t> true</a:t>
+            </a:r>
+            <a:endParaRPr lang="en-US" altLang="zh-CN" sz="2800" dirty="0" smtClean="0">
+              <a:latin typeface="宋体" panose="02010600030101010101" pitchFamily="2" charset="-122"/>
+              <a:ea typeface="宋体" panose="02010600030101010101" pitchFamily="2" charset="-122"/>
+            </a:endParaRPr>
           </a:p>
           <a:p>
             <a:pPr>
               <a:buNone/>
             </a:pPr>
-            <a:endParaRPr lang="en-US" altLang="zh-CN" dirty="0" smtClean="0"/>
+            <a:r>
+              <a:rPr lang="zh-CN" altLang="en-US" dirty="0" smtClean="0">
+                <a:latin typeface="宋体" panose="02010600030101010101" pitchFamily="2" charset="-122"/>
+                <a:ea typeface="宋体" panose="02010600030101010101" pitchFamily="2" charset="-122"/>
+              </a:rPr>
+              <a:t>过滤</a:t>
+            </a:r>
+            <a:r>
+              <a:rPr lang="en-US" altLang="zh-CN" dirty="0" smtClean="0">
+                <a:latin typeface="宋体" panose="02010600030101010101" pitchFamily="2" charset="-122"/>
+                <a:ea typeface="宋体" panose="02010600030101010101" pitchFamily="2" charset="-122"/>
+              </a:rPr>
+              <a:t>log: </a:t>
+            </a:r>
+            <a:endParaRPr lang="en-US" altLang="zh-CN" dirty="0" smtClean="0">
+              <a:latin typeface="宋体" panose="02010600030101010101" pitchFamily="2" charset="-122"/>
+              <a:ea typeface="宋体" panose="02010600030101010101" pitchFamily="2" charset="-122"/>
+            </a:endParaRPr>
           </a:p>
           <a:p>
             <a:pPr>
               <a:buNone/>
             </a:pPr>
-            <a:endParaRPr lang="en-US" altLang="zh-CN" dirty="0" smtClean="0"/>
+            <a:r>
+              <a:rPr lang="en-US" altLang="zh-CN" sz="2800" dirty="0" err="1" smtClean="0">
+                <a:latin typeface="宋体" panose="02010600030101010101" pitchFamily="2" charset="-122"/>
+                <a:ea typeface="宋体" panose="02010600030101010101" pitchFamily="2" charset="-122"/>
+              </a:rPr>
+              <a:t>adb</a:t>
+            </a:r>
+            <a:r>
+              <a:rPr lang="en-US" altLang="zh-CN" sz="2800" dirty="0" smtClean="0">
+                <a:latin typeface="宋体" panose="02010600030101010101" pitchFamily="2" charset="-122"/>
+                <a:ea typeface="宋体" panose="02010600030101010101" pitchFamily="2" charset="-122"/>
+              </a:rPr>
+              <a:t> shell </a:t>
+            </a:r>
+            <a:r>
+              <a:rPr lang="en-US" altLang="zh-CN" sz="2800" dirty="0" err="1" smtClean="0">
+                <a:latin typeface="宋体" panose="02010600030101010101" pitchFamily="2" charset="-122"/>
+                <a:ea typeface="宋体" panose="02010600030101010101" pitchFamily="2" charset="-122"/>
+              </a:rPr>
+              <a:t>logcat</a:t>
+            </a:r>
+            <a:r>
+              <a:rPr lang="en-US" altLang="zh-CN" sz="2800" dirty="0" smtClean="0">
+                <a:latin typeface="宋体" panose="02010600030101010101" pitchFamily="2" charset="-122"/>
+                <a:ea typeface="宋体" panose="02010600030101010101" pitchFamily="2" charset="-122"/>
+              </a:rPr>
+              <a:t> -v </a:t>
+            </a:r>
+            <a:r>
+              <a:rPr lang="en-US" altLang="zh-CN" sz="2800" dirty="0" err="1" smtClean="0">
+                <a:latin typeface="宋体" panose="02010600030101010101" pitchFamily="2" charset="-122"/>
+                <a:ea typeface="宋体" panose="02010600030101010101" pitchFamily="2" charset="-122"/>
+              </a:rPr>
+              <a:t>threadtime</a:t>
+            </a:r>
+            <a:r>
+              <a:rPr lang="en-US" altLang="zh-CN" sz="2800" dirty="0" smtClean="0">
+                <a:latin typeface="宋体" panose="02010600030101010101" pitchFamily="2" charset="-122"/>
+                <a:ea typeface="宋体" panose="02010600030101010101" pitchFamily="2" charset="-122"/>
+              </a:rPr>
+              <a:t> |</a:t>
+            </a:r>
+            <a:r>
+              <a:rPr lang="en-US" altLang="zh-CN" sz="2800" dirty="0" err="1" smtClean="0">
+                <a:latin typeface="宋体" panose="02010600030101010101" pitchFamily="2" charset="-122"/>
+                <a:ea typeface="宋体" panose="02010600030101010101" pitchFamily="2" charset="-122"/>
+              </a:rPr>
+              <a:t>grep</a:t>
+            </a:r>
+            <a:r>
+              <a:rPr lang="en-US" altLang="zh-CN" sz="2800" dirty="0" smtClean="0">
+                <a:latin typeface="宋体" panose="02010600030101010101" pitchFamily="2" charset="-122"/>
+                <a:ea typeface="宋体" panose="02010600030101010101" pitchFamily="2" charset="-122"/>
+              </a:rPr>
+              <a:t> </a:t>
+            </a:r>
+            <a:r>
+              <a:rPr lang="en-US" altLang="zh-CN" sz="2800" dirty="0" err="1" smtClean="0">
+                <a:latin typeface="宋体" panose="02010600030101010101" pitchFamily="2" charset="-122"/>
+                <a:ea typeface="宋体" panose="02010600030101010101" pitchFamily="2" charset="-122"/>
+              </a:rPr>
+              <a:t>AppReflectCheck</a:t>
+            </a:r>
+            <a:endParaRPr lang="en-US" altLang="zh-CN" sz="2800" dirty="0" smtClean="0">
+              <a:latin typeface="宋体" panose="02010600030101010101" pitchFamily="2" charset="-122"/>
+              <a:ea typeface="宋体" panose="02010600030101010101" pitchFamily="2" charset="-122"/>
+            </a:endParaRPr>
           </a:p>
           <a:p>
             <a:pPr>
               <a:buNone/>
             </a:pPr>
-            <a:endParaRPr lang="zh-CN" altLang="en-US" dirty="0"/>
-          </a:p>
-        </p:txBody>
-      </p:sp>
-      <p:pic>
-        <p:nvPicPr>
-          <p:cNvPr id="2052" name="Picture 4" descr="E:\桌面\Screenshot.png"/>
-          <p:cNvPicPr>
-            <a:picLocks noChangeAspect="1" noChangeArrowheads="1"/>
-          </p:cNvPicPr>
-          <p:nvPr/>
-        </p:nvPicPr>
-        <p:blipFill>
-          <a:blip r:embed="rId2"/>
-          <a:srcRect/>
-          <a:stretch>
-            <a:fillRect/>
-          </a:stretch>
-        </p:blipFill>
-        <p:spPr bwMode="auto">
-          <a:xfrm>
-            <a:off x="1142976" y="3357562"/>
-            <a:ext cx="5929354" cy="3286148"/>
-          </a:xfrm>
-          <a:prstGeom prst="rect">
-            <a:avLst/>
-          </a:prstGeom>
-          <a:noFill/>
-        </p:spPr>
-      </p:pic>
+            <a:endParaRPr lang="en-US" altLang="zh-CN" dirty="0" smtClean="0">
+              <a:latin typeface="宋体" panose="02010600030101010101" pitchFamily="2" charset="-122"/>
+              <a:ea typeface="宋体" panose="02010600030101010101" pitchFamily="2" charset="-122"/>
+            </a:endParaRPr>
+          </a:p>
+          <a:p>
+            <a:pPr>
+              <a:buNone/>
+            </a:pPr>
+            <a:endParaRPr lang="en-US" altLang="zh-CN" dirty="0" smtClean="0">
+              <a:latin typeface="宋体" panose="02010600030101010101" pitchFamily="2" charset="-122"/>
+              <a:ea typeface="宋体" panose="02010600030101010101" pitchFamily="2" charset="-122"/>
+            </a:endParaRPr>
+          </a:p>
+          <a:p>
+            <a:endParaRPr lang="zh-CN" altLang="en-US" dirty="0">
+              <a:latin typeface="宋体" panose="02010600030101010101" pitchFamily="2" charset="-122"/>
+              <a:ea typeface="宋体" panose="02010600030101010101" pitchFamily="2" charset="-122"/>
+            </a:endParaRPr>
+          </a:p>
+        </p:txBody>
+      </p:sp>
     </p:spTree>
   </p:cSld>
   <p:clrMapOvr>
@@ -6336,8 +6705,8 @@
           <a:lstStyle/>
           <a:p>
             <a:r>
-              <a:rPr altLang="en-US" dirty="0" smtClean="0"/>
-              <a:t>其它优化</a:t>
+              <a:rPr dirty="0" smtClean="0"/>
+              <a:t>反射优化关键点</a:t>
             </a:r>
             <a:endParaRPr lang="zh-CN" altLang="en-US" dirty="0"/>
           </a:p>
@@ -6356,126 +6725,185 @@
         <p:spPr/>
         <p:txBody>
           <a:bodyPr>
-            <a:normAutofit lnSpcReduction="10000"/>
+            <a:normAutofit/>
           </a:bodyPr>
           <a:lstStyle/>
           <a:p>
             <a:r>
-              <a:rPr lang="zh-CN" altLang="en-US" dirty="0" smtClean="0"/>
-              <a:t>混淆</a:t>
-            </a:r>
-            <a:endParaRPr lang="en-US" altLang="zh-CN" dirty="0" smtClean="0"/>
-          </a:p>
-          <a:p>
-            <a:r>
-              <a:rPr lang="zh-CN" altLang="en-US" dirty="0" smtClean="0"/>
-              <a:t>网络 </a:t>
-            </a:r>
-            <a:endParaRPr lang="en-US" altLang="zh-CN" dirty="0" smtClean="0"/>
+              <a:rPr lang="zh-CN" altLang="en-US" dirty="0" smtClean="0">
+                <a:latin typeface="宋体" panose="02010600030101010101" pitchFamily="2" charset="-122"/>
+                <a:ea typeface="宋体" panose="02010600030101010101" pitchFamily="2" charset="-122"/>
+              </a:rPr>
+              <a:t>尽量避免</a:t>
+            </a:r>
+            <a:r>
+              <a:rPr lang="en-US" altLang="zh-CN" dirty="0" smtClean="0">
+                <a:latin typeface="宋体" panose="02010600030101010101" pitchFamily="2" charset="-122"/>
+                <a:ea typeface="宋体" panose="02010600030101010101" pitchFamily="2" charset="-122"/>
+              </a:rPr>
+              <a:t>(</a:t>
+            </a:r>
+            <a:r>
+              <a:rPr lang="zh-CN" altLang="en-US" dirty="0" smtClean="0">
+                <a:latin typeface="宋体" panose="02010600030101010101" pitchFamily="2" charset="-122"/>
+                <a:ea typeface="宋体" panose="02010600030101010101" pitchFamily="2" charset="-122"/>
+              </a:rPr>
+              <a:t>判断</a:t>
+            </a:r>
+            <a:r>
+              <a:rPr lang="en-US" altLang="zh-CN" dirty="0" smtClean="0">
+                <a:latin typeface="宋体" panose="02010600030101010101" pitchFamily="2" charset="-122"/>
+                <a:ea typeface="宋体" panose="02010600030101010101" pitchFamily="2" charset="-122"/>
+              </a:rPr>
+              <a:t>Android </a:t>
+            </a:r>
+            <a:r>
+              <a:rPr lang="en-US" altLang="zh-CN" dirty="0" err="1" smtClean="0">
+                <a:latin typeface="宋体" panose="02010600030101010101" pitchFamily="2" charset="-122"/>
+                <a:ea typeface="宋体" panose="02010600030101010101" pitchFamily="2" charset="-122"/>
+              </a:rPr>
+              <a:t>Api</a:t>
+            </a:r>
+            <a:r>
+              <a:rPr lang="en-US" altLang="zh-CN" dirty="0" smtClean="0">
+                <a:latin typeface="宋体" panose="02010600030101010101" pitchFamily="2" charset="-122"/>
+                <a:ea typeface="宋体" panose="02010600030101010101" pitchFamily="2" charset="-122"/>
+              </a:rPr>
+              <a:t> Level)</a:t>
+            </a:r>
+            <a:endParaRPr lang="en-US" altLang="zh-CN" dirty="0" smtClean="0">
+              <a:latin typeface="宋体" panose="02010600030101010101" pitchFamily="2" charset="-122"/>
+              <a:ea typeface="宋体" panose="02010600030101010101" pitchFamily="2" charset="-122"/>
+            </a:endParaRPr>
+          </a:p>
+          <a:p>
+            <a:r>
+              <a:rPr lang="zh-CN" altLang="en-US" dirty="0" smtClean="0">
+                <a:latin typeface="宋体" panose="02010600030101010101" pitchFamily="2" charset="-122"/>
+                <a:ea typeface="宋体" panose="02010600030101010101" pitchFamily="2" charset="-122"/>
+              </a:rPr>
+              <a:t>加</a:t>
+            </a:r>
+            <a:r>
+              <a:rPr lang="en-US" altLang="zh-CN" dirty="0" smtClean="0">
+                <a:latin typeface="宋体" panose="02010600030101010101" pitchFamily="2" charset="-122"/>
+                <a:ea typeface="宋体" panose="02010600030101010101" pitchFamily="2" charset="-122"/>
+              </a:rPr>
+              <a:t>Cache</a:t>
+            </a:r>
+            <a:endParaRPr lang="en-US" altLang="zh-CN" dirty="0" smtClean="0">
+              <a:latin typeface="宋体" panose="02010600030101010101" pitchFamily="2" charset="-122"/>
+              <a:ea typeface="宋体" panose="02010600030101010101" pitchFamily="2" charset="-122"/>
+            </a:endParaRPr>
+          </a:p>
+          <a:p>
+            <a:r>
+              <a:rPr lang="zh-CN" altLang="en-US" dirty="0" smtClean="0">
+                <a:latin typeface="宋体" panose="02010600030101010101" pitchFamily="2" charset="-122"/>
+                <a:ea typeface="宋体" panose="02010600030101010101" pitchFamily="2" charset="-122"/>
+              </a:rPr>
+              <a:t>使用工具 </a:t>
+            </a:r>
+            <a:r>
+              <a:rPr lang="en-US" altLang="zh-CN" sz="2400" dirty="0" smtClean="0">
+                <a:latin typeface="宋体" panose="02010600030101010101" pitchFamily="2" charset="-122"/>
+                <a:ea typeface="宋体" panose="02010600030101010101" pitchFamily="2" charset="-122"/>
+              </a:rPr>
+              <a:t>https://github.com/masonTool/reflect</a:t>
+            </a:r>
+            <a:endParaRPr lang="en-US" altLang="zh-CN" sz="2400" dirty="0" smtClean="0">
+              <a:latin typeface="宋体" panose="02010600030101010101" pitchFamily="2" charset="-122"/>
+              <a:ea typeface="宋体" panose="02010600030101010101" pitchFamily="2" charset="-122"/>
+            </a:endParaRPr>
+          </a:p>
+          <a:p>
+            <a:endParaRPr lang="en-US" altLang="zh-CN" dirty="0" smtClean="0">
+              <a:latin typeface="宋体" panose="02010600030101010101" pitchFamily="2" charset="-122"/>
+              <a:ea typeface="宋体" panose="02010600030101010101" pitchFamily="2" charset="-122"/>
+            </a:endParaRPr>
           </a:p>
           <a:p>
             <a:pPr>
               <a:buNone/>
             </a:pPr>
-            <a:r>
-              <a:rPr lang="en-US" altLang="zh-CN" sz="2000" dirty="0" err="1" smtClean="0"/>
-              <a:t>Gzip</a:t>
-            </a:r>
-            <a:endParaRPr lang="en-US" altLang="zh-CN" sz="2000" dirty="0" smtClean="0"/>
+            <a:endParaRPr lang="en-US" altLang="zh-CN" dirty="0" smtClean="0">
+              <a:latin typeface="宋体" panose="02010600030101010101" pitchFamily="2" charset="-122"/>
+              <a:ea typeface="宋体" panose="02010600030101010101" pitchFamily="2" charset="-122"/>
+            </a:endParaRPr>
           </a:p>
           <a:p>
             <a:pPr>
               <a:buNone/>
             </a:pPr>
-            <a:r>
-              <a:rPr lang="en-US" altLang="zh-CN" sz="2000" dirty="0" smtClean="0"/>
-              <a:t>Protocol Buffer</a:t>
-            </a:r>
+            <a:endParaRPr lang="en-US" altLang="zh-CN" dirty="0" smtClean="0">
+              <a:latin typeface="宋体" panose="02010600030101010101" pitchFamily="2" charset="-122"/>
+              <a:ea typeface="宋体" panose="02010600030101010101" pitchFamily="2" charset="-122"/>
+            </a:endParaRPr>
           </a:p>
           <a:p>
             <a:pPr>
               <a:buNone/>
             </a:pPr>
-            <a:r>
-              <a:rPr lang="en-US" altLang="zh-CN" sz="2000" dirty="0" smtClean="0"/>
-              <a:t>Cache(304)</a:t>
-            </a:r>
+            <a:endParaRPr lang="en-US" altLang="zh-CN" dirty="0" smtClean="0">
+              <a:latin typeface="宋体" panose="02010600030101010101" pitchFamily="2" charset="-122"/>
+              <a:ea typeface="宋体" panose="02010600030101010101" pitchFamily="2" charset="-122"/>
+            </a:endParaRPr>
           </a:p>
           <a:p>
             <a:pPr>
               <a:buNone/>
             </a:pPr>
-            <a:r>
-              <a:rPr lang="en-US" altLang="zh-CN" sz="2000" dirty="0" smtClean="0"/>
-              <a:t>Bitmap Size</a:t>
-            </a:r>
+            <a:endParaRPr lang="en-US" altLang="zh-CN" dirty="0" smtClean="0">
+              <a:latin typeface="宋体" panose="02010600030101010101" pitchFamily="2" charset="-122"/>
+              <a:ea typeface="宋体" panose="02010600030101010101" pitchFamily="2" charset="-122"/>
+            </a:endParaRPr>
           </a:p>
           <a:p>
             <a:pPr>
               <a:buNone/>
             </a:pPr>
-            <a:r>
-              <a:rPr lang="zh-CN" altLang="en-US" sz="2000" dirty="0" smtClean="0"/>
-              <a:t>重复请求</a:t>
-            </a:r>
-            <a:endParaRPr lang="en-US" altLang="zh-CN" sz="2000" dirty="0" smtClean="0"/>
-          </a:p>
-          <a:p>
-            <a:r>
-              <a:rPr lang="zh-CN" altLang="en-US" dirty="0" smtClean="0"/>
-              <a:t>电量 </a:t>
-            </a:r>
-            <a:endParaRPr lang="en-US" altLang="zh-CN" dirty="0" smtClean="0"/>
+            <a:endParaRPr lang="en-US" altLang="zh-CN" dirty="0" smtClean="0">
+              <a:latin typeface="宋体" panose="02010600030101010101" pitchFamily="2" charset="-122"/>
+              <a:ea typeface="宋体" panose="02010600030101010101" pitchFamily="2" charset="-122"/>
+            </a:endParaRPr>
           </a:p>
           <a:p>
             <a:pPr>
               <a:buNone/>
             </a:pPr>
-            <a:r>
-              <a:rPr lang="en-US" altLang="zh-CN" sz="2000" dirty="0" err="1" smtClean="0"/>
-              <a:t>Intent.ACTION_BATTERY_CHANGED</a:t>
-            </a:r>
-            <a:endParaRPr lang="en-US" altLang="zh-CN" sz="2000" dirty="0" smtClean="0"/>
-          </a:p>
-          <a:p>
-            <a:pPr>
-              <a:buNone/>
-            </a:pPr>
-            <a:r>
-              <a:rPr lang="en-US" altLang="zh-CN" sz="2000" dirty="0" err="1" smtClean="0"/>
-              <a:t>WakeLock</a:t>
-            </a:r>
-            <a:endParaRPr lang="en-US" altLang="zh-CN" sz="2000" dirty="0" smtClean="0"/>
-          </a:p>
-          <a:p>
-            <a:pPr>
-              <a:buNone/>
-            </a:pPr>
-            <a:r>
-              <a:rPr lang="en-US" altLang="zh-CN" sz="2000" dirty="0" err="1" smtClean="0"/>
-              <a:t>JobScheduler</a:t>
-            </a:r>
-            <a:r>
-              <a:rPr lang="en-US" altLang="zh-CN" sz="2000" dirty="0" smtClean="0"/>
-              <a:t>  VS </a:t>
-            </a:r>
-            <a:r>
-              <a:rPr lang="en-US" altLang="zh-CN" sz="2000" dirty="0" err="1" smtClean="0"/>
-              <a:t>alarmManager</a:t>
-            </a:r>
-            <a:endParaRPr lang="en-US" altLang="zh-CN" sz="2000" dirty="0" smtClean="0"/>
-          </a:p>
-          <a:p>
-            <a:pPr>
-              <a:buNone/>
-            </a:pPr>
-            <a:endParaRPr lang="en-US" altLang="zh-CN" sz="2000" dirty="0" smtClean="0"/>
-          </a:p>
-          <a:p>
-            <a:endParaRPr lang="zh-CN" altLang="en-US" dirty="0"/>
-          </a:p>
-        </p:txBody>
-      </p:sp>
+            <a:endParaRPr lang="zh-CN" altLang="en-US" dirty="0">
+              <a:latin typeface="宋体" panose="02010600030101010101" pitchFamily="2" charset="-122"/>
+              <a:ea typeface="宋体" panose="02010600030101010101" pitchFamily="2" charset="-122"/>
+            </a:endParaRPr>
+          </a:p>
+        </p:txBody>
+      </p:sp>
+      <p:pic>
+        <p:nvPicPr>
+          <p:cNvPr id="2052" name="Picture 4" descr="E:\桌面\Screenshot.png"/>
+          <p:cNvPicPr>
+            <a:picLocks noChangeAspect="1" noChangeArrowheads="1"/>
+          </p:cNvPicPr>
+          <p:nvPr/>
+        </p:nvPicPr>
+        <p:blipFill>
+          <a:blip r:embed="rId1"/>
+          <a:srcRect/>
+          <a:stretch>
+            <a:fillRect/>
+          </a:stretch>
+        </p:blipFill>
+        <p:spPr bwMode="auto">
+          <a:xfrm>
+            <a:off x="1087731" y="3339147"/>
+            <a:ext cx="5929354" cy="3286148"/>
+          </a:xfrm>
+          <a:prstGeom prst="rect">
+            <a:avLst/>
+          </a:prstGeom>
+          <a:noFill/>
+        </p:spPr>
+      </p:pic>
     </p:spTree>
   </p:cSld>
   <p:clrMapOvr>
@@ -6488,6 +6916,432 @@
       </p:par>
     </p:tnLst>
   </p:timing>
+</p:sld>
+</file>
+
+<file path=ppt/slides/slide24.xml><?xml version="1.0" encoding="utf-8"?>
+<p:sld xmlns:a="http://schemas.openxmlformats.org/drawingml/2006/main" xmlns:r="http://schemas.openxmlformats.org/officeDocument/2006/relationships" xmlns:p="http://schemas.openxmlformats.org/presentationml/2006/main">
+  <p:cSld>
+    <p:spTree>
+      <p:nvGrpSpPr>
+        <p:cNvPr id="1" name=""/>
+        <p:cNvGrpSpPr/>
+        <p:nvPr/>
+      </p:nvGrpSpPr>
+      <p:grpSpPr>
+        <a:xfrm>
+          <a:off x="0" y="0"/>
+          <a:ext cx="0" cy="0"/>
+          <a:chOff x="0" y="0"/>
+          <a:chExt cx="0" cy="0"/>
+        </a:xfrm>
+      </p:grpSpPr>
+      <p:sp>
+        <p:nvSpPr>
+          <p:cNvPr id="2" name="标题 1"/>
+          <p:cNvSpPr>
+            <a:spLocks noGrp="1"/>
+          </p:cNvSpPr>
+          <p:nvPr>
+            <p:ph type="title"/>
+          </p:nvPr>
+        </p:nvSpPr>
+        <p:spPr/>
+        <p:txBody>
+          <a:bodyPr/>
+          <a:lstStyle/>
+          <a:p>
+            <a:r>
+              <a:rPr altLang="en-US" dirty="0" smtClean="0"/>
+              <a:t>其它优化</a:t>
+            </a:r>
+            <a:endParaRPr lang="zh-CN" altLang="en-US" dirty="0"/>
+          </a:p>
+        </p:txBody>
+      </p:sp>
+      <p:sp>
+        <p:nvSpPr>
+          <p:cNvPr id="3" name="内容占位符 2"/>
+          <p:cNvSpPr>
+            <a:spLocks noGrp="1"/>
+          </p:cNvSpPr>
+          <p:nvPr>
+            <p:ph idx="1"/>
+          </p:nvPr>
+        </p:nvSpPr>
+        <p:spPr/>
+        <p:txBody>
+          <a:bodyPr>
+            <a:normAutofit lnSpcReduction="10000"/>
+          </a:bodyPr>
+          <a:lstStyle/>
+          <a:p>
+            <a:r>
+              <a:rPr lang="zh-CN" altLang="en-US" dirty="0" smtClean="0">
+                <a:latin typeface="宋体" panose="02010600030101010101" pitchFamily="2" charset="-122"/>
+                <a:ea typeface="宋体" panose="02010600030101010101" pitchFamily="2" charset="-122"/>
+              </a:rPr>
+              <a:t>混淆</a:t>
+            </a:r>
+            <a:endParaRPr lang="en-US" altLang="zh-CN" dirty="0" smtClean="0">
+              <a:latin typeface="宋体" panose="02010600030101010101" pitchFamily="2" charset="-122"/>
+              <a:ea typeface="宋体" panose="02010600030101010101" pitchFamily="2" charset="-122"/>
+            </a:endParaRPr>
+          </a:p>
+          <a:p>
+            <a:r>
+              <a:rPr lang="zh-CN" altLang="en-US" dirty="0" smtClean="0">
+                <a:latin typeface="宋体" panose="02010600030101010101" pitchFamily="2" charset="-122"/>
+                <a:ea typeface="宋体" panose="02010600030101010101" pitchFamily="2" charset="-122"/>
+              </a:rPr>
+              <a:t>网络 </a:t>
+            </a:r>
+            <a:endParaRPr lang="en-US" altLang="zh-CN" dirty="0" smtClean="0">
+              <a:latin typeface="宋体" panose="02010600030101010101" pitchFamily="2" charset="-122"/>
+              <a:ea typeface="宋体" panose="02010600030101010101" pitchFamily="2" charset="-122"/>
+            </a:endParaRPr>
+          </a:p>
+          <a:p>
+            <a:pPr>
+              <a:buNone/>
+            </a:pPr>
+            <a:r>
+              <a:rPr lang="en-US" altLang="zh-CN" sz="2000" dirty="0" err="1" smtClean="0">
+                <a:latin typeface="宋体" panose="02010600030101010101" pitchFamily="2" charset="-122"/>
+                <a:ea typeface="宋体" panose="02010600030101010101" pitchFamily="2" charset="-122"/>
+              </a:rPr>
+              <a:t>Gzip</a:t>
+            </a:r>
+            <a:endParaRPr lang="en-US" altLang="zh-CN" sz="2000" dirty="0" smtClean="0">
+              <a:latin typeface="宋体" panose="02010600030101010101" pitchFamily="2" charset="-122"/>
+              <a:ea typeface="宋体" panose="02010600030101010101" pitchFamily="2" charset="-122"/>
+            </a:endParaRPr>
+          </a:p>
+          <a:p>
+            <a:pPr>
+              <a:buNone/>
+            </a:pPr>
+            <a:r>
+              <a:rPr lang="en-US" altLang="zh-CN" sz="2000" dirty="0" smtClean="0">
+                <a:latin typeface="宋体" panose="02010600030101010101" pitchFamily="2" charset="-122"/>
+                <a:ea typeface="宋体" panose="02010600030101010101" pitchFamily="2" charset="-122"/>
+              </a:rPr>
+              <a:t>Protocol Buffer</a:t>
+            </a:r>
+            <a:endParaRPr lang="en-US" altLang="zh-CN" sz="2000" dirty="0" smtClean="0">
+              <a:latin typeface="宋体" panose="02010600030101010101" pitchFamily="2" charset="-122"/>
+              <a:ea typeface="宋体" panose="02010600030101010101" pitchFamily="2" charset="-122"/>
+            </a:endParaRPr>
+          </a:p>
+          <a:p>
+            <a:pPr>
+              <a:buNone/>
+            </a:pPr>
+            <a:r>
+              <a:rPr lang="en-US" altLang="zh-CN" sz="2000" dirty="0" smtClean="0">
+                <a:latin typeface="宋体" panose="02010600030101010101" pitchFamily="2" charset="-122"/>
+                <a:ea typeface="宋体" panose="02010600030101010101" pitchFamily="2" charset="-122"/>
+              </a:rPr>
+              <a:t>Cache(304)</a:t>
+            </a:r>
+            <a:endParaRPr lang="en-US" altLang="zh-CN" sz="2000" dirty="0" smtClean="0">
+              <a:latin typeface="宋体" panose="02010600030101010101" pitchFamily="2" charset="-122"/>
+              <a:ea typeface="宋体" panose="02010600030101010101" pitchFamily="2" charset="-122"/>
+            </a:endParaRPr>
+          </a:p>
+          <a:p>
+            <a:pPr>
+              <a:buNone/>
+            </a:pPr>
+            <a:r>
+              <a:rPr lang="en-US" altLang="zh-CN" sz="2000" dirty="0" smtClean="0">
+                <a:latin typeface="宋体" panose="02010600030101010101" pitchFamily="2" charset="-122"/>
+                <a:ea typeface="宋体" panose="02010600030101010101" pitchFamily="2" charset="-122"/>
+              </a:rPr>
+              <a:t>Bitmap Size</a:t>
+            </a:r>
+            <a:endParaRPr lang="en-US" altLang="zh-CN" sz="2000" dirty="0" smtClean="0">
+              <a:latin typeface="宋体" panose="02010600030101010101" pitchFamily="2" charset="-122"/>
+              <a:ea typeface="宋体" panose="02010600030101010101" pitchFamily="2" charset="-122"/>
+            </a:endParaRPr>
+          </a:p>
+          <a:p>
+            <a:pPr>
+              <a:buNone/>
+            </a:pPr>
+            <a:r>
+              <a:rPr lang="zh-CN" altLang="en-US" sz="2000" dirty="0" smtClean="0">
+                <a:latin typeface="宋体" panose="02010600030101010101" pitchFamily="2" charset="-122"/>
+                <a:ea typeface="宋体" panose="02010600030101010101" pitchFamily="2" charset="-122"/>
+              </a:rPr>
+              <a:t>重复请求</a:t>
+            </a:r>
+            <a:endParaRPr lang="en-US" altLang="zh-CN" sz="2000" dirty="0" smtClean="0">
+              <a:latin typeface="宋体" panose="02010600030101010101" pitchFamily="2" charset="-122"/>
+              <a:ea typeface="宋体" panose="02010600030101010101" pitchFamily="2" charset="-122"/>
+            </a:endParaRPr>
+          </a:p>
+          <a:p>
+            <a:r>
+              <a:rPr lang="zh-CN" altLang="en-US" dirty="0" smtClean="0">
+                <a:latin typeface="宋体" panose="02010600030101010101" pitchFamily="2" charset="-122"/>
+                <a:ea typeface="宋体" panose="02010600030101010101" pitchFamily="2" charset="-122"/>
+              </a:rPr>
+              <a:t>电量 </a:t>
+            </a:r>
+            <a:endParaRPr lang="en-US" altLang="zh-CN" dirty="0" smtClean="0">
+              <a:latin typeface="宋体" panose="02010600030101010101" pitchFamily="2" charset="-122"/>
+              <a:ea typeface="宋体" panose="02010600030101010101" pitchFamily="2" charset="-122"/>
+            </a:endParaRPr>
+          </a:p>
+          <a:p>
+            <a:pPr>
+              <a:buNone/>
+            </a:pPr>
+            <a:r>
+              <a:rPr lang="en-US" altLang="zh-CN" sz="2000" dirty="0" err="1" smtClean="0">
+                <a:latin typeface="宋体" panose="02010600030101010101" pitchFamily="2" charset="-122"/>
+                <a:ea typeface="宋体" panose="02010600030101010101" pitchFamily="2" charset="-122"/>
+              </a:rPr>
+              <a:t>Intent.ACTION_BATTERY_CHANGED</a:t>
+            </a:r>
+            <a:endParaRPr lang="en-US" altLang="zh-CN" sz="2000" dirty="0" smtClean="0">
+              <a:latin typeface="宋体" panose="02010600030101010101" pitchFamily="2" charset="-122"/>
+              <a:ea typeface="宋体" panose="02010600030101010101" pitchFamily="2" charset="-122"/>
+            </a:endParaRPr>
+          </a:p>
+          <a:p>
+            <a:pPr>
+              <a:buNone/>
+            </a:pPr>
+            <a:r>
+              <a:rPr lang="en-US" altLang="zh-CN" sz="2000" dirty="0" err="1" smtClean="0">
+                <a:latin typeface="宋体" panose="02010600030101010101" pitchFamily="2" charset="-122"/>
+                <a:ea typeface="宋体" panose="02010600030101010101" pitchFamily="2" charset="-122"/>
+              </a:rPr>
+              <a:t>WakeLock</a:t>
+            </a:r>
+            <a:endParaRPr lang="en-US" altLang="zh-CN" sz="2000" dirty="0" smtClean="0">
+              <a:latin typeface="宋体" panose="02010600030101010101" pitchFamily="2" charset="-122"/>
+              <a:ea typeface="宋体" panose="02010600030101010101" pitchFamily="2" charset="-122"/>
+            </a:endParaRPr>
+          </a:p>
+          <a:p>
+            <a:pPr>
+              <a:buNone/>
+            </a:pPr>
+            <a:r>
+              <a:rPr lang="en-US" altLang="zh-CN" sz="2000" dirty="0" err="1" smtClean="0">
+                <a:latin typeface="宋体" panose="02010600030101010101" pitchFamily="2" charset="-122"/>
+                <a:ea typeface="宋体" panose="02010600030101010101" pitchFamily="2" charset="-122"/>
+              </a:rPr>
+              <a:t>JobScheduler</a:t>
+            </a:r>
+            <a:r>
+              <a:rPr lang="en-US" altLang="zh-CN" sz="2000" dirty="0" smtClean="0">
+                <a:latin typeface="宋体" panose="02010600030101010101" pitchFamily="2" charset="-122"/>
+                <a:ea typeface="宋体" panose="02010600030101010101" pitchFamily="2" charset="-122"/>
+              </a:rPr>
+              <a:t>  VS </a:t>
+            </a:r>
+            <a:r>
+              <a:rPr lang="en-US" altLang="zh-CN" sz="2000" dirty="0" err="1" smtClean="0">
+                <a:latin typeface="宋体" panose="02010600030101010101" pitchFamily="2" charset="-122"/>
+                <a:ea typeface="宋体" panose="02010600030101010101" pitchFamily="2" charset="-122"/>
+              </a:rPr>
+              <a:t>alarmManager</a:t>
+            </a:r>
+            <a:endParaRPr lang="en-US" altLang="zh-CN" sz="2000" dirty="0" smtClean="0">
+              <a:latin typeface="宋体" panose="02010600030101010101" pitchFamily="2" charset="-122"/>
+              <a:ea typeface="宋体" panose="02010600030101010101" pitchFamily="2" charset="-122"/>
+            </a:endParaRPr>
+          </a:p>
+          <a:p>
+            <a:pPr>
+              <a:buNone/>
+            </a:pPr>
+            <a:endParaRPr lang="en-US" altLang="zh-CN" sz="2000" dirty="0" smtClean="0">
+              <a:latin typeface="宋体" panose="02010600030101010101" pitchFamily="2" charset="-122"/>
+              <a:ea typeface="宋体" panose="02010600030101010101" pitchFamily="2" charset="-122"/>
+            </a:endParaRPr>
+          </a:p>
+          <a:p>
+            <a:endParaRPr lang="zh-CN" altLang="en-US" dirty="0">
+              <a:latin typeface="宋体" panose="02010600030101010101" pitchFamily="2" charset="-122"/>
+              <a:ea typeface="宋体" panose="02010600030101010101" pitchFamily="2" charset="-122"/>
+            </a:endParaRPr>
+          </a:p>
+        </p:txBody>
+      </p:sp>
+    </p:spTree>
+  </p:cSld>
+  <p:clrMapOvr>
+    <a:masterClrMapping/>
+  </p:clrMapOvr>
+  <p:timing>
+    <p:tnLst>
+      <p:par>
+        <p:cTn id="1" dur="indefinite" restart="never" nodeType="tmRoot"/>
+      </p:par>
+    </p:tnLst>
+  </p:timing>
+</p:sld>
+</file>
+
+<file path=ppt/slides/slide25.xml><?xml version="1.0" encoding="utf-8"?>
+<p:sld xmlns:a="http://schemas.openxmlformats.org/drawingml/2006/main" xmlns:r="http://schemas.openxmlformats.org/officeDocument/2006/relationships" xmlns:p="http://schemas.openxmlformats.org/presentationml/2006/main">
+  <p:cSld>
+    <p:spTree>
+      <p:nvGrpSpPr>
+        <p:cNvPr id="1" name=""/>
+        <p:cNvGrpSpPr/>
+        <p:nvPr/>
+      </p:nvGrpSpPr>
+      <p:grpSpPr/>
+      <p:sp>
+        <p:nvSpPr>
+          <p:cNvPr id="2" name="标题 1"/>
+          <p:cNvSpPr>
+            <a:spLocks noGrp="1"/>
+          </p:cNvSpPr>
+          <p:nvPr>
+            <p:ph type="title"/>
+          </p:nvPr>
+        </p:nvSpPr>
+        <p:spPr/>
+        <p:txBody>
+          <a:bodyPr/>
+          <a:p>
+            <a:r>
+              <a:rPr lang="en-US" altLang="zh-CN">
+                <a:latin typeface="+mj-ea"/>
+              </a:rPr>
+              <a:t>Performance Tips</a:t>
+            </a:r>
+            <a:endParaRPr lang="en-US" altLang="zh-CN">
+              <a:latin typeface="+mj-ea"/>
+            </a:endParaRPr>
+          </a:p>
+        </p:txBody>
+      </p:sp>
+      <p:sp>
+        <p:nvSpPr>
+          <p:cNvPr id="3" name="内容占位符 2"/>
+          <p:cNvSpPr>
+            <a:spLocks noGrp="1"/>
+          </p:cNvSpPr>
+          <p:nvPr>
+            <p:ph idx="1"/>
+          </p:nvPr>
+        </p:nvSpPr>
+        <p:spPr/>
+        <p:txBody>
+          <a:bodyPr/>
+          <a:p>
+            <a:r>
+              <a:rPr lang="zh-CN" altLang="en-US">
+                <a:latin typeface="宋体" panose="02010600030101010101" pitchFamily="2" charset="-122"/>
+                <a:ea typeface="宋体" panose="02010600030101010101" pitchFamily="2" charset="-122"/>
+              </a:rPr>
+              <a:t>避免创建不必要的对象</a:t>
+            </a:r>
+            <a:endParaRPr lang="zh-CN" altLang="en-US">
+              <a:latin typeface="宋体" panose="02010600030101010101" pitchFamily="2" charset="-122"/>
+              <a:ea typeface="宋体" panose="02010600030101010101" pitchFamily="2" charset="-122"/>
+            </a:endParaRPr>
+          </a:p>
+          <a:p>
+            <a:r>
+              <a:rPr lang="zh-CN" altLang="en-US">
+                <a:latin typeface="宋体" panose="02010600030101010101" pitchFamily="2" charset="-122"/>
+                <a:ea typeface="宋体" panose="02010600030101010101" pitchFamily="2" charset="-122"/>
+              </a:rPr>
+              <a:t>静态方法</a:t>
+            </a:r>
+            <a:endParaRPr lang="zh-CN" altLang="en-US">
+              <a:latin typeface="宋体" panose="02010600030101010101" pitchFamily="2" charset="-122"/>
+              <a:ea typeface="宋体" panose="02010600030101010101" pitchFamily="2" charset="-122"/>
+            </a:endParaRPr>
+          </a:p>
+          <a:p>
+            <a:r>
+              <a:rPr lang="zh-CN" altLang="en-US">
+                <a:latin typeface="宋体" panose="02010600030101010101" pitchFamily="2" charset="-122"/>
+                <a:ea typeface="宋体" panose="02010600030101010101" pitchFamily="2" charset="-122"/>
+              </a:rPr>
+              <a:t>避免内部的Getters/Setters</a:t>
+            </a:r>
+            <a:endParaRPr lang="zh-CN" altLang="en-US">
+              <a:latin typeface="宋体" panose="02010600030101010101" pitchFamily="2" charset="-122"/>
+              <a:ea typeface="宋体" panose="02010600030101010101" pitchFamily="2" charset="-122"/>
+            </a:endParaRPr>
+          </a:p>
+          <a:p>
+            <a:r>
+              <a:rPr lang="zh-CN" altLang="en-US">
+                <a:latin typeface="宋体" panose="02010600030101010101" pitchFamily="2" charset="-122"/>
+                <a:ea typeface="宋体" panose="02010600030101010101" pitchFamily="2" charset="-122"/>
+              </a:rPr>
+              <a:t>对常量使用Static Final修饰符</a:t>
+            </a:r>
+            <a:endParaRPr lang="zh-CN" altLang="en-US">
+              <a:latin typeface="宋体" panose="02010600030101010101" pitchFamily="2" charset="-122"/>
+              <a:ea typeface="宋体" panose="02010600030101010101" pitchFamily="2" charset="-122"/>
+            </a:endParaRPr>
+          </a:p>
+          <a:p>
+            <a:r>
+              <a:rPr lang="zh-CN" altLang="en-US">
+                <a:latin typeface="宋体" panose="02010600030101010101" pitchFamily="2" charset="-122"/>
+                <a:ea typeface="宋体" panose="02010600030101010101" pitchFamily="2" charset="-122"/>
+              </a:rPr>
+              <a:t>for-each</a:t>
+            </a:r>
+            <a:endParaRPr lang="zh-CN" altLang="en-US">
+              <a:latin typeface="宋体" panose="02010600030101010101" pitchFamily="2" charset="-122"/>
+              <a:ea typeface="宋体" panose="02010600030101010101" pitchFamily="2" charset="-122"/>
+            </a:endParaRPr>
+          </a:p>
+          <a:p>
+            <a:r>
+              <a:rPr lang="en-US" altLang="zh-CN">
+                <a:latin typeface="宋体" panose="02010600030101010101" pitchFamily="2" charset="-122"/>
+                <a:ea typeface="宋体" panose="02010600030101010101" pitchFamily="2" charset="-122"/>
+              </a:rPr>
+              <a:t>Auto Boxing</a:t>
+            </a:r>
+            <a:endParaRPr lang="en-US" altLang="zh-CN">
+              <a:latin typeface="宋体" panose="02010600030101010101" pitchFamily="2" charset="-122"/>
+              <a:ea typeface="宋体" panose="02010600030101010101" pitchFamily="2" charset="-122"/>
+            </a:endParaRPr>
+          </a:p>
+          <a:p>
+            <a:r>
+              <a:rPr lang="zh-CN" altLang="zh-CN">
+                <a:latin typeface="宋体" panose="02010600030101010101" pitchFamily="2" charset="-122"/>
+                <a:ea typeface="宋体" panose="02010600030101010101" pitchFamily="2" charset="-122"/>
+              </a:rPr>
+              <a:t>使用</a:t>
+            </a:r>
+            <a:r>
+              <a:rPr lang="en-US" altLang="zh-CN">
+                <a:latin typeface="宋体" panose="02010600030101010101" pitchFamily="2" charset="-122"/>
+                <a:ea typeface="宋体" panose="02010600030101010101" pitchFamily="2" charset="-122"/>
+              </a:rPr>
+              <a:t>SparseArray</a:t>
+            </a:r>
+            <a:endParaRPr lang="en-US" altLang="zh-CN">
+              <a:latin typeface="宋体" panose="02010600030101010101" pitchFamily="2" charset="-122"/>
+              <a:ea typeface="宋体" panose="02010600030101010101" pitchFamily="2" charset="-122"/>
+            </a:endParaRPr>
+          </a:p>
+        </p:txBody>
+      </p:sp>
+    </p:spTree>
+  </p:cSld>
+  <p:clrMapOvr>
+    <a:masterClrMapping/>
+  </p:clrMapOvr>
 </p:sld>
 </file>
 
@@ -6559,7 +7413,7 @@
           <p:nvPr/>
         </p:nvPicPr>
         <p:blipFill>
-          <a:blip r:embed="rId2"/>
+          <a:blip r:embed="rId1"/>
           <a:srcRect/>
           <a:stretch>
             <a:fillRect/>
@@ -6647,41 +7501,75 @@
           <a:lstStyle/>
           <a:p>
             <a:r>
-              <a:rPr lang="en-US" altLang="zh-CN" dirty="0" err="1" smtClean="0"/>
+              <a:rPr lang="en-US" altLang="zh-CN" dirty="0" err="1" smtClean="0">
+                <a:latin typeface="宋体" panose="02010600030101010101" pitchFamily="2" charset="-122"/>
+                <a:ea typeface="宋体" panose="02010600030101010101" pitchFamily="2" charset="-122"/>
+              </a:rPr>
               <a:t>adb</a:t>
             </a:r>
             <a:r>
-              <a:rPr lang="en-US" altLang="zh-CN" dirty="0" smtClean="0"/>
+              <a:rPr lang="en-US" altLang="zh-CN" dirty="0" smtClean="0">
+                <a:latin typeface="宋体" panose="02010600030101010101" pitchFamily="2" charset="-122"/>
+                <a:ea typeface="宋体" panose="02010600030101010101" pitchFamily="2" charset="-122"/>
+              </a:rPr>
               <a:t> shell am start -W -S  [</a:t>
             </a:r>
             <a:r>
-              <a:rPr lang="zh-CN" altLang="en-US" dirty="0" smtClean="0"/>
+              <a:rPr lang="zh-CN" altLang="en-US" dirty="0" smtClean="0">
+                <a:latin typeface="宋体" panose="02010600030101010101" pitchFamily="2" charset="-122"/>
+                <a:ea typeface="宋体" panose="02010600030101010101" pitchFamily="2" charset="-122"/>
+              </a:rPr>
               <a:t>包名</a:t>
             </a:r>
             <a:r>
-              <a:rPr lang="en-US" altLang="zh-CN" dirty="0" smtClean="0"/>
+              <a:rPr lang="en-US" altLang="zh-CN" dirty="0" smtClean="0">
+                <a:latin typeface="宋体" panose="02010600030101010101" pitchFamily="2" charset="-122"/>
+                <a:ea typeface="宋体" panose="02010600030101010101" pitchFamily="2" charset="-122"/>
+              </a:rPr>
               <a:t>]/[</a:t>
             </a:r>
             <a:r>
-              <a:rPr lang="zh-CN" altLang="en-US" dirty="0" smtClean="0"/>
+              <a:rPr lang="zh-CN" altLang="en-US" dirty="0" smtClean="0">
+                <a:latin typeface="宋体" panose="02010600030101010101" pitchFamily="2" charset="-122"/>
+                <a:ea typeface="宋体" panose="02010600030101010101" pitchFamily="2" charset="-122"/>
+              </a:rPr>
               <a:t>页面</a:t>
             </a:r>
             <a:r>
-              <a:rPr lang="en-US" altLang="zh-CN" dirty="0" smtClean="0"/>
+              <a:rPr lang="en-US" altLang="zh-CN" dirty="0" smtClean="0">
+                <a:latin typeface="宋体" panose="02010600030101010101" pitchFamily="2" charset="-122"/>
+                <a:ea typeface="宋体" panose="02010600030101010101" pitchFamily="2" charset="-122"/>
+              </a:rPr>
               <a:t>]</a:t>
             </a:r>
-          </a:p>
-          <a:p>
-            <a:endParaRPr lang="en-US" altLang="zh-CN" dirty="0" smtClean="0"/>
-          </a:p>
-          <a:p>
-            <a:endParaRPr lang="en-US" altLang="zh-CN" dirty="0" smtClean="0"/>
-          </a:p>
-          <a:p>
-            <a:endParaRPr lang="en-US" altLang="zh-CN" dirty="0" smtClean="0"/>
-          </a:p>
-          <a:p>
-            <a:endParaRPr lang="en-US" altLang="zh-CN" dirty="0" smtClean="0"/>
+            <a:endParaRPr lang="en-US" altLang="zh-CN" dirty="0" smtClean="0">
+              <a:latin typeface="宋体" panose="02010600030101010101" pitchFamily="2" charset="-122"/>
+              <a:ea typeface="宋体" panose="02010600030101010101" pitchFamily="2" charset="-122"/>
+            </a:endParaRPr>
+          </a:p>
+          <a:p>
+            <a:endParaRPr lang="en-US" altLang="zh-CN" dirty="0" smtClean="0">
+              <a:latin typeface="宋体" panose="02010600030101010101" pitchFamily="2" charset="-122"/>
+              <a:ea typeface="宋体" panose="02010600030101010101" pitchFamily="2" charset="-122"/>
+            </a:endParaRPr>
+          </a:p>
+          <a:p>
+            <a:endParaRPr lang="en-US" altLang="zh-CN" dirty="0" smtClean="0">
+              <a:latin typeface="宋体" panose="02010600030101010101" pitchFamily="2" charset="-122"/>
+              <a:ea typeface="宋体" panose="02010600030101010101" pitchFamily="2" charset="-122"/>
+            </a:endParaRPr>
+          </a:p>
+          <a:p>
+            <a:endParaRPr lang="en-US" altLang="zh-CN" dirty="0" smtClean="0">
+              <a:latin typeface="宋体" panose="02010600030101010101" pitchFamily="2" charset="-122"/>
+              <a:ea typeface="宋体" panose="02010600030101010101" pitchFamily="2" charset="-122"/>
+            </a:endParaRPr>
+          </a:p>
+          <a:p>
+            <a:endParaRPr lang="en-US" altLang="zh-CN" dirty="0" smtClean="0">
+              <a:latin typeface="宋体" panose="02010600030101010101" pitchFamily="2" charset="-122"/>
+              <a:ea typeface="宋体" panose="02010600030101010101" pitchFamily="2" charset="-122"/>
+            </a:endParaRPr>
           </a:p>
         </p:txBody>
       </p:sp>
@@ -6694,7 +7582,7 @@
           <p:nvPr/>
         </p:nvPicPr>
         <p:blipFill>
-          <a:blip r:embed="rId2"/>
+          <a:blip r:embed="rId1"/>
           <a:srcRect/>
           <a:stretch>
             <a:fillRect/>
@@ -6702,7 +7590,7 @@
         </p:blipFill>
         <p:spPr bwMode="auto">
           <a:xfrm>
-            <a:off x="428596" y="2571744"/>
+            <a:off x="542896" y="2859399"/>
             <a:ext cx="8143932" cy="2928958"/>
           </a:xfrm>
           <a:prstGeom prst="rect">
@@ -6759,14 +7647,20 @@
           <a:lstStyle/>
           <a:p>
             <a:r>
-              <a:rPr lang="en-US" altLang="zh-CN" dirty="0" err="1" smtClean="0"/>
+              <a:rPr lang="en-US" altLang="zh-CN" dirty="0" err="1" smtClean="0">
+                <a:latin typeface="+mj-ea"/>
+              </a:rPr>
               <a:t>TraceView</a:t>
             </a:r>
             <a:r>
-              <a:rPr dirty="0" smtClean="0"/>
+              <a:rPr dirty="0" smtClean="0">
+                <a:latin typeface="+mj-ea"/>
+              </a:rPr>
               <a:t>工具</a:t>
             </a:r>
-            <a:endParaRPr lang="zh-CN" altLang="en-US" dirty="0"/>
+            <a:endParaRPr lang="zh-CN" altLang="en-US" dirty="0">
+              <a:latin typeface="+mj-ea"/>
+            </a:endParaRPr>
           </a:p>
         </p:txBody>
       </p:sp>
@@ -6786,45 +7680,83 @@
           <a:lstStyle/>
           <a:p>
             <a:r>
-              <a:rPr lang="en-US" altLang="zh-CN" dirty="0" err="1" smtClean="0"/>
+              <a:rPr lang="en-US" altLang="zh-CN" dirty="0" err="1" smtClean="0">
+                <a:latin typeface="仿宋" panose="02010609060101010101" charset="-122"/>
+                <a:ea typeface="仿宋" panose="02010609060101010101" charset="-122"/>
+              </a:rPr>
               <a:t>android.os.Debug.startMethodTracing</a:t>
             </a:r>
             <a:r>
-              <a:rPr lang="en-US" altLang="zh-CN" dirty="0" smtClean="0"/>
+              <a:rPr lang="en-US" altLang="zh-CN" dirty="0" smtClean="0">
+                <a:latin typeface="仿宋" panose="02010609060101010101" charset="-122"/>
+                <a:ea typeface="仿宋" panose="02010609060101010101" charset="-122"/>
+              </a:rPr>
               <a:t>(“tag");</a:t>
             </a:r>
-          </a:p>
-          <a:p>
-            <a:r>
-              <a:rPr lang="en-US" altLang="zh-CN" dirty="0" err="1" smtClean="0"/>
+            <a:endParaRPr lang="en-US" altLang="zh-CN" dirty="0" smtClean="0">
+              <a:latin typeface="仿宋" panose="02010609060101010101" charset="-122"/>
+              <a:ea typeface="仿宋" panose="02010609060101010101" charset="-122"/>
+            </a:endParaRPr>
+          </a:p>
+          <a:p>
+            <a:r>
+              <a:rPr lang="en-US" altLang="zh-CN" dirty="0" err="1" smtClean="0">
+                <a:latin typeface="仿宋" panose="02010609060101010101" charset="-122"/>
+                <a:ea typeface="仿宋" panose="02010609060101010101" charset="-122"/>
+              </a:rPr>
               <a:t>android.os.Debug.stopMethodTracing</a:t>
             </a:r>
             <a:r>
-              <a:rPr lang="en-US" altLang="zh-CN" dirty="0" smtClean="0"/>
+              <a:rPr lang="en-US" altLang="zh-CN" dirty="0" smtClean="0">
+                <a:latin typeface="仿宋" panose="02010609060101010101" charset="-122"/>
+                <a:ea typeface="仿宋" panose="02010609060101010101" charset="-122"/>
+              </a:rPr>
               <a:t>();</a:t>
             </a:r>
-          </a:p>
-          <a:p>
-            <a:endParaRPr lang="en-US" altLang="zh-CN" dirty="0" smtClean="0"/>
-          </a:p>
-          <a:p>
-            <a:r>
-              <a:rPr lang="en-US" altLang="zh-CN" dirty="0" smtClean="0"/>
+            <a:endParaRPr lang="en-US" altLang="zh-CN" dirty="0" smtClean="0">
+              <a:latin typeface="仿宋" panose="02010609060101010101" charset="-122"/>
+              <a:ea typeface="仿宋" panose="02010609060101010101" charset="-122"/>
+            </a:endParaRPr>
+          </a:p>
+          <a:p>
+            <a:endParaRPr lang="en-US" altLang="zh-CN" dirty="0" smtClean="0">
+              <a:latin typeface="仿宋" panose="02010609060101010101" charset="-122"/>
+              <a:ea typeface="仿宋" panose="02010609060101010101" charset="-122"/>
+            </a:endParaRPr>
+          </a:p>
+          <a:p>
+            <a:r>
+              <a:rPr lang="en-US" altLang="zh-CN" dirty="0" smtClean="0">
+                <a:latin typeface="仿宋" panose="02010609060101010101" charset="-122"/>
+                <a:ea typeface="仿宋" panose="02010609060101010101" charset="-122"/>
+              </a:rPr>
               <a:t>/</a:t>
             </a:r>
             <a:r>
-              <a:rPr lang="en-US" altLang="zh-CN" dirty="0" err="1" smtClean="0"/>
+              <a:rPr lang="en-US" altLang="zh-CN" dirty="0" err="1" smtClean="0">
+                <a:latin typeface="仿宋" panose="02010609060101010101" charset="-122"/>
+                <a:ea typeface="仿宋" panose="02010609060101010101" charset="-122"/>
+              </a:rPr>
               <a:t>sdcard</a:t>
             </a:r>
             <a:r>
-              <a:rPr lang="en-US" altLang="zh-CN" dirty="0" smtClean="0"/>
+              <a:rPr lang="en-US" altLang="zh-CN" dirty="0" smtClean="0">
+                <a:latin typeface="仿宋" panose="02010609060101010101" charset="-122"/>
+                <a:ea typeface="仿宋" panose="02010609060101010101" charset="-122"/>
+              </a:rPr>
               <a:t>/</a:t>
             </a:r>
             <a:r>
-              <a:rPr lang="en-US" altLang="zh-CN" dirty="0" err="1" smtClean="0"/>
+              <a:rPr lang="en-US" altLang="zh-CN" dirty="0" err="1" smtClean="0">
+                <a:latin typeface="仿宋" panose="02010609060101010101" charset="-122"/>
+                <a:ea typeface="仿宋" panose="02010609060101010101" charset="-122"/>
+              </a:rPr>
               <a:t>tag.trace</a:t>
             </a:r>
-            <a:endParaRPr lang="zh-CN" altLang="en-US" dirty="0"/>
+            <a:endParaRPr lang="zh-CN" altLang="en-US" dirty="0">
+              <a:latin typeface="仿宋" panose="02010609060101010101" charset="-122"/>
+              <a:ea typeface="仿宋" panose="02010609060101010101" charset="-122"/>
+            </a:endParaRPr>
           </a:p>
         </p:txBody>
       </p:sp>
@@ -6916,7 +7848,7 @@
           <p:nvPr/>
         </p:nvPicPr>
         <p:blipFill>
-          <a:blip r:embed="rId2"/>
+          <a:blip r:embed="rId1"/>
           <a:srcRect/>
           <a:stretch>
             <a:fillRect/>
@@ -7004,81 +7936,145 @@
           <a:lstStyle/>
           <a:p>
             <a:r>
-              <a:rPr lang="en-US" altLang="zh-CN" dirty="0" smtClean="0"/>
+              <a:rPr lang="en-US" altLang="zh-CN" dirty="0" smtClean="0">
+                <a:latin typeface="宋体" panose="02010600030101010101" pitchFamily="2" charset="-122"/>
+                <a:ea typeface="宋体" panose="02010600030101010101" pitchFamily="2" charset="-122"/>
+              </a:rPr>
               <a:t>Lazy</a:t>
             </a:r>
             <a:r>
-              <a:rPr lang="zh-CN" altLang="en-US" dirty="0" smtClean="0"/>
+              <a:rPr lang="zh-CN" altLang="en-US" dirty="0" smtClean="0">
+                <a:latin typeface="宋体" panose="02010600030101010101" pitchFamily="2" charset="-122"/>
+                <a:ea typeface="宋体" panose="02010600030101010101" pitchFamily="2" charset="-122"/>
+              </a:rPr>
               <a:t>加载</a:t>
             </a:r>
             <a:r>
-              <a:rPr lang="en-US" altLang="zh-CN" dirty="0" smtClean="0"/>
+              <a:rPr lang="en-US" altLang="zh-CN" dirty="0" smtClean="0">
+                <a:latin typeface="宋体" panose="02010600030101010101" pitchFamily="2" charset="-122"/>
+                <a:ea typeface="宋体" panose="02010600030101010101" pitchFamily="2" charset="-122"/>
+              </a:rPr>
               <a:t>.  </a:t>
             </a:r>
             <a:r>
-              <a:rPr lang="zh-CN" altLang="en-US" dirty="0" smtClean="0"/>
+              <a:rPr lang="zh-CN" altLang="en-US" dirty="0" smtClean="0">
+                <a:latin typeface="宋体" panose="02010600030101010101" pitchFamily="2" charset="-122"/>
+                <a:ea typeface="宋体" panose="02010600030101010101" pitchFamily="2" charset="-122"/>
+              </a:rPr>
               <a:t>类中</a:t>
             </a:r>
             <a:r>
-              <a:rPr lang="en-US" altLang="zh-CN" dirty="0" smtClean="0"/>
+              <a:rPr lang="en-US" altLang="zh-CN" dirty="0" smtClean="0">
+                <a:latin typeface="宋体" panose="02010600030101010101" pitchFamily="2" charset="-122"/>
+                <a:ea typeface="宋体" panose="02010600030101010101" pitchFamily="2" charset="-122"/>
+              </a:rPr>
               <a:t>static</a:t>
             </a:r>
             <a:r>
-              <a:rPr lang="zh-CN" altLang="en-US" dirty="0" smtClean="0"/>
+              <a:rPr lang="zh-CN" altLang="en-US" dirty="0" smtClean="0">
+                <a:latin typeface="宋体" panose="02010600030101010101" pitchFamily="2" charset="-122"/>
+                <a:ea typeface="宋体" panose="02010600030101010101" pitchFamily="2" charset="-122"/>
+              </a:rPr>
               <a:t>标识的代码块，变量需要注意</a:t>
             </a:r>
             <a:r>
-              <a:rPr lang="en-US" altLang="zh-CN" dirty="0" smtClean="0"/>
+              <a:rPr lang="en-US" altLang="zh-CN" dirty="0" smtClean="0">
+                <a:latin typeface="宋体" panose="02010600030101010101" pitchFamily="2" charset="-122"/>
+                <a:ea typeface="宋体" panose="02010600030101010101" pitchFamily="2" charset="-122"/>
+              </a:rPr>
               <a:t>.</a:t>
             </a:r>
-          </a:p>
-          <a:p>
-            <a:r>
-              <a:rPr lang="zh-CN" altLang="en-US" dirty="0" smtClean="0"/>
+            <a:endParaRPr lang="en-US" altLang="zh-CN" dirty="0" smtClean="0">
+              <a:latin typeface="宋体" panose="02010600030101010101" pitchFamily="2" charset="-122"/>
+              <a:ea typeface="宋体" panose="02010600030101010101" pitchFamily="2" charset="-122"/>
+            </a:endParaRPr>
+          </a:p>
+          <a:p>
+            <a:r>
+              <a:rPr lang="zh-CN" altLang="en-US" dirty="0" smtClean="0">
+                <a:latin typeface="宋体" panose="02010600030101010101" pitchFamily="2" charset="-122"/>
+                <a:ea typeface="宋体" panose="02010600030101010101" pitchFamily="2" charset="-122"/>
+              </a:rPr>
               <a:t>异步</a:t>
             </a:r>
             <a:r>
-              <a:rPr lang="en-US" altLang="zh-CN" dirty="0" smtClean="0"/>
+              <a:rPr lang="en-US" altLang="zh-CN" dirty="0" smtClean="0">
+                <a:latin typeface="宋体" panose="02010600030101010101" pitchFamily="2" charset="-122"/>
+                <a:ea typeface="宋体" panose="02010600030101010101" pitchFamily="2" charset="-122"/>
+              </a:rPr>
               <a:t>Application</a:t>
             </a:r>
             <a:r>
-              <a:rPr lang="zh-CN" altLang="en-US" dirty="0" smtClean="0"/>
+              <a:rPr lang="zh-CN" altLang="en-US" dirty="0" smtClean="0">
+                <a:latin typeface="宋体" panose="02010600030101010101" pitchFamily="2" charset="-122"/>
+                <a:ea typeface="宋体" panose="02010600030101010101" pitchFamily="2" charset="-122"/>
+              </a:rPr>
               <a:t>的初始化</a:t>
             </a:r>
             <a:r>
-              <a:rPr lang="en-US" altLang="zh-CN" dirty="0" smtClean="0"/>
+              <a:rPr lang="en-US" altLang="zh-CN" dirty="0" smtClean="0">
+                <a:latin typeface="宋体" panose="02010600030101010101" pitchFamily="2" charset="-122"/>
+                <a:ea typeface="宋体" panose="02010600030101010101" pitchFamily="2" charset="-122"/>
+              </a:rPr>
               <a:t>. </a:t>
             </a:r>
             <a:r>
-              <a:rPr lang="en-US" altLang="zh-CN" dirty="0" err="1" smtClean="0"/>
+              <a:rPr lang="en-US" altLang="zh-CN" dirty="0" err="1" smtClean="0">
+                <a:latin typeface="宋体" panose="02010600030101010101" pitchFamily="2" charset="-122"/>
+                <a:ea typeface="宋体" panose="02010600030101010101" pitchFamily="2" charset="-122"/>
+              </a:rPr>
               <a:t>IntentService</a:t>
             </a:r>
-            <a:endParaRPr lang="en-US" altLang="zh-CN" dirty="0" smtClean="0"/>
-          </a:p>
-          <a:p>
-            <a:r>
-              <a:rPr lang="zh-CN" altLang="en-US" dirty="0" smtClean="0"/>
+            <a:endParaRPr lang="en-US" altLang="zh-CN" dirty="0" smtClean="0">
+              <a:latin typeface="宋体" panose="02010600030101010101" pitchFamily="2" charset="-122"/>
+              <a:ea typeface="宋体" panose="02010600030101010101" pitchFamily="2" charset="-122"/>
+            </a:endParaRPr>
+          </a:p>
+          <a:p>
+            <a:r>
+              <a:rPr lang="zh-CN" altLang="en-US" dirty="0" smtClean="0">
+                <a:latin typeface="宋体" panose="02010600030101010101" pitchFamily="2" charset="-122"/>
+                <a:ea typeface="宋体" panose="02010600030101010101" pitchFamily="2" charset="-122"/>
+              </a:rPr>
               <a:t>简化</a:t>
             </a:r>
             <a:r>
-              <a:rPr lang="en-US" altLang="zh-CN" dirty="0" smtClean="0"/>
+              <a:rPr lang="en-US" altLang="zh-CN" dirty="0" smtClean="0">
+                <a:latin typeface="宋体" panose="02010600030101010101" pitchFamily="2" charset="-122"/>
+                <a:ea typeface="宋体" panose="02010600030101010101" pitchFamily="2" charset="-122"/>
+              </a:rPr>
               <a:t>Main Activity</a:t>
             </a:r>
             <a:r>
-              <a:rPr lang="zh-CN" altLang="en-US" dirty="0" smtClean="0"/>
+              <a:rPr lang="zh-CN" altLang="en-US" dirty="0" smtClean="0">
+                <a:latin typeface="宋体" panose="02010600030101010101" pitchFamily="2" charset="-122"/>
+                <a:ea typeface="宋体" panose="02010600030101010101" pitchFamily="2" charset="-122"/>
+              </a:rPr>
               <a:t>复杂度</a:t>
             </a:r>
-            <a:endParaRPr lang="en-US" altLang="zh-CN" dirty="0" smtClean="0"/>
-          </a:p>
-          <a:p>
-            <a:r>
-              <a:rPr lang="zh-CN" altLang="en-US" dirty="0" smtClean="0"/>
+            <a:endParaRPr lang="en-US" altLang="zh-CN" dirty="0" smtClean="0">
+              <a:latin typeface="宋体" panose="02010600030101010101" pitchFamily="2" charset="-122"/>
+              <a:ea typeface="宋体" panose="02010600030101010101" pitchFamily="2" charset="-122"/>
+            </a:endParaRPr>
+          </a:p>
+          <a:p>
+            <a:r>
+              <a:rPr lang="zh-CN" altLang="en-US" dirty="0" smtClean="0">
+                <a:latin typeface="宋体" panose="02010600030101010101" pitchFamily="2" charset="-122"/>
+                <a:ea typeface="宋体" panose="02010600030101010101" pitchFamily="2" charset="-122"/>
+              </a:rPr>
               <a:t>数据缓存</a:t>
             </a:r>
-            <a:endParaRPr lang="en-US" altLang="zh-CN" dirty="0" smtClean="0"/>
-          </a:p>
-          <a:p>
-            <a:endParaRPr lang="zh-CN" altLang="en-US" dirty="0"/>
+            <a:endParaRPr lang="en-US" altLang="zh-CN" dirty="0" smtClean="0">
+              <a:latin typeface="宋体" panose="02010600030101010101" pitchFamily="2" charset="-122"/>
+              <a:ea typeface="宋体" panose="02010600030101010101" pitchFamily="2" charset="-122"/>
+            </a:endParaRPr>
+          </a:p>
+          <a:p>
+            <a:endParaRPr lang="zh-CN" altLang="en-US" dirty="0">
+              <a:latin typeface="宋体" panose="02010600030101010101" pitchFamily="2" charset="-122"/>
+              <a:ea typeface="宋体" panose="02010600030101010101" pitchFamily="2" charset="-122"/>
+            </a:endParaRPr>
           </a:p>
         </p:txBody>
       </p:sp>
@@ -7155,47 +8151,85 @@
           <a:lstStyle/>
           <a:p>
             <a:r>
-              <a:rPr lang="en-US" altLang="zh-CN" dirty="0" smtClean="0"/>
+              <a:rPr lang="en-US" altLang="zh-CN" dirty="0" smtClean="0">
+                <a:latin typeface="宋体" panose="02010600030101010101" pitchFamily="2" charset="-122"/>
+                <a:ea typeface="宋体" panose="02010600030101010101" pitchFamily="2" charset="-122"/>
+              </a:rPr>
               <a:t>Heap</a:t>
             </a:r>
             <a:r>
-              <a:rPr lang="zh-CN" altLang="en-US" dirty="0" smtClean="0"/>
+              <a:rPr lang="zh-CN" altLang="en-US" dirty="0" smtClean="0">
+                <a:latin typeface="宋体" panose="02010600030101010101" pitchFamily="2" charset="-122"/>
+                <a:ea typeface="宋体" panose="02010600030101010101" pitchFamily="2" charset="-122"/>
+              </a:rPr>
               <a:t>和</a:t>
             </a:r>
             <a:r>
-              <a:rPr lang="en-US" altLang="zh-CN" dirty="0" smtClean="0"/>
+              <a:rPr lang="en-US" altLang="zh-CN" dirty="0" smtClean="0">
+                <a:latin typeface="宋体" panose="02010600030101010101" pitchFamily="2" charset="-122"/>
+                <a:ea typeface="宋体" panose="02010600030101010101" pitchFamily="2" charset="-122"/>
+              </a:rPr>
               <a:t>Stack</a:t>
             </a:r>
-          </a:p>
-          <a:p>
-            <a:endParaRPr lang="en-US" altLang="zh-CN" dirty="0" smtClean="0"/>
+            <a:endParaRPr lang="en-US" altLang="zh-CN" dirty="0" smtClean="0">
+              <a:latin typeface="宋体" panose="02010600030101010101" pitchFamily="2" charset="-122"/>
+              <a:ea typeface="宋体" panose="02010600030101010101" pitchFamily="2" charset="-122"/>
+            </a:endParaRPr>
+          </a:p>
+          <a:p>
+            <a:endParaRPr lang="en-US" altLang="zh-CN" dirty="0" smtClean="0">
+              <a:latin typeface="宋体" panose="02010600030101010101" pitchFamily="2" charset="-122"/>
+              <a:ea typeface="宋体" panose="02010600030101010101" pitchFamily="2" charset="-122"/>
+            </a:endParaRPr>
           </a:p>
           <a:p>
             <a:pPr>
               <a:buNone/>
             </a:pPr>
-            <a:endParaRPr lang="en-US" altLang="zh-CN" dirty="0" smtClean="0"/>
+            <a:endParaRPr lang="en-US" altLang="zh-CN" dirty="0" smtClean="0">
+              <a:latin typeface="宋体" panose="02010600030101010101" pitchFamily="2" charset="-122"/>
+              <a:ea typeface="宋体" panose="02010600030101010101" pitchFamily="2" charset="-122"/>
+            </a:endParaRPr>
           </a:p>
           <a:p>
             <a:pPr>
               <a:buNone/>
             </a:pPr>
-            <a:endParaRPr lang="en-US" altLang="zh-CN" dirty="0" smtClean="0"/>
-          </a:p>
-          <a:p>
-            <a:r>
-              <a:rPr lang="en-US" altLang="zh-CN" dirty="0" smtClean="0"/>
+            <a:endParaRPr lang="en-US" altLang="zh-CN" dirty="0" smtClean="0">
+              <a:latin typeface="宋体" panose="02010600030101010101" pitchFamily="2" charset="-122"/>
+              <a:ea typeface="宋体" panose="02010600030101010101" pitchFamily="2" charset="-122"/>
+            </a:endParaRPr>
+          </a:p>
+          <a:p>
+            <a:r>
+              <a:rPr lang="en-US" altLang="zh-CN" dirty="0" smtClean="0">
+                <a:latin typeface="宋体" panose="02010600030101010101" pitchFamily="2" charset="-122"/>
+                <a:ea typeface="宋体" panose="02010600030101010101" pitchFamily="2" charset="-122"/>
+              </a:rPr>
               <a:t>GC Root</a:t>
             </a:r>
-          </a:p>
-          <a:p>
-            <a:endParaRPr lang="en-US" altLang="zh-CN" dirty="0" smtClean="0"/>
-          </a:p>
-          <a:p>
-            <a:endParaRPr lang="en-US" altLang="zh-CN" dirty="0" smtClean="0"/>
-          </a:p>
-          <a:p>
-            <a:endParaRPr lang="en-US" altLang="zh-CN" dirty="0" smtClean="0"/>
+            <a:endParaRPr lang="en-US" altLang="zh-CN" dirty="0" smtClean="0">
+              <a:latin typeface="宋体" panose="02010600030101010101" pitchFamily="2" charset="-122"/>
+              <a:ea typeface="宋体" panose="02010600030101010101" pitchFamily="2" charset="-122"/>
+            </a:endParaRPr>
+          </a:p>
+          <a:p>
+            <a:endParaRPr lang="en-US" altLang="zh-CN" dirty="0" smtClean="0">
+              <a:latin typeface="宋体" panose="02010600030101010101" pitchFamily="2" charset="-122"/>
+              <a:ea typeface="宋体" panose="02010600030101010101" pitchFamily="2" charset="-122"/>
+            </a:endParaRPr>
+          </a:p>
+          <a:p>
+            <a:endParaRPr lang="en-US" altLang="zh-CN" dirty="0" smtClean="0">
+              <a:latin typeface="宋体" panose="02010600030101010101" pitchFamily="2" charset="-122"/>
+              <a:ea typeface="宋体" panose="02010600030101010101" pitchFamily="2" charset="-122"/>
+            </a:endParaRPr>
+          </a:p>
+          <a:p>
+            <a:endParaRPr lang="en-US" altLang="zh-CN" dirty="0" smtClean="0">
+              <a:latin typeface="宋体" panose="02010600030101010101" pitchFamily="2" charset="-122"/>
+              <a:ea typeface="宋体" panose="02010600030101010101" pitchFamily="2" charset="-122"/>
+            </a:endParaRPr>
           </a:p>
         </p:txBody>
       </p:sp>
@@ -7208,7 +8242,7 @@
           <p:nvPr/>
         </p:nvPicPr>
         <p:blipFill>
-          <a:blip r:embed="rId2"/>
+          <a:blip r:embed="rId1"/>
           <a:srcRect/>
           <a:stretch>
             <a:fillRect/>
@@ -7234,7 +8268,7 @@
           <p:nvPr/>
         </p:nvPicPr>
         <p:blipFill>
-          <a:blip r:embed="rId3"/>
+          <a:blip r:embed="rId2"/>
           <a:srcRect/>
           <a:stretch>
             <a:fillRect/>
@@ -7299,14 +8333,20 @@
           <a:lstStyle/>
           <a:p>
             <a:r>
-              <a:rPr lang="en-US" altLang="zh-CN" dirty="0" smtClean="0"/>
+              <a:rPr lang="en-US" altLang="zh-CN" dirty="0" smtClean="0">
+                <a:latin typeface="+mj-ea"/>
+              </a:rPr>
               <a:t>Android</a:t>
             </a:r>
             <a:r>
-              <a:rPr dirty="0" smtClean="0"/>
+              <a:rPr dirty="0" smtClean="0">
+                <a:latin typeface="+mj-ea"/>
+              </a:rPr>
               <a:t>内存管理</a:t>
             </a:r>
-            <a:endParaRPr lang="zh-CN" altLang="en-US" dirty="0"/>
+            <a:endParaRPr lang="zh-CN" altLang="en-US" dirty="0">
+              <a:latin typeface="+mj-ea"/>
+            </a:endParaRPr>
           </a:p>
         </p:txBody>
       </p:sp>
@@ -7326,84 +8366,138 @@
           <a:lstStyle/>
           <a:p>
             <a:r>
-              <a:rPr lang="en-US" altLang="zh-CN" dirty="0" smtClean="0"/>
+              <a:rPr lang="en-US" altLang="zh-CN" dirty="0" smtClean="0">
+                <a:latin typeface="宋体" panose="02010600030101010101" pitchFamily="2" charset="-122"/>
+                <a:ea typeface="宋体" panose="02010600030101010101" pitchFamily="2" charset="-122"/>
+              </a:rPr>
               <a:t>Android </a:t>
             </a:r>
             <a:r>
-              <a:rPr lang="zh-CN" altLang="en-US" dirty="0" smtClean="0"/>
+              <a:rPr lang="zh-CN" altLang="en-US" dirty="0" smtClean="0">
+                <a:latin typeface="宋体" panose="02010600030101010101" pitchFamily="2" charset="-122"/>
+                <a:ea typeface="宋体" panose="02010600030101010101" pitchFamily="2" charset="-122"/>
+              </a:rPr>
               <a:t>进程级别</a:t>
             </a:r>
-            <a:endParaRPr lang="en-US" altLang="zh-CN" dirty="0" smtClean="0"/>
+            <a:endParaRPr lang="en-US" altLang="zh-CN" dirty="0" smtClean="0">
+              <a:latin typeface="宋体" panose="02010600030101010101" pitchFamily="2" charset="-122"/>
+              <a:ea typeface="宋体" panose="02010600030101010101" pitchFamily="2" charset="-122"/>
+            </a:endParaRPr>
           </a:p>
           <a:p>
             <a:pPr>
               <a:buNone/>
             </a:pPr>
             <a:r>
-              <a:rPr lang="en-US" altLang="zh-CN" dirty="0" smtClean="0"/>
+              <a:rPr lang="en-US" altLang="zh-CN" dirty="0" smtClean="0">
+                <a:latin typeface="宋体" panose="02010600030101010101" pitchFamily="2" charset="-122"/>
+                <a:ea typeface="宋体" panose="02010600030101010101" pitchFamily="2" charset="-122"/>
+              </a:rPr>
               <a:t>a. </a:t>
             </a:r>
             <a:r>
-              <a:rPr lang="zh-CN" altLang="en-US" b="1" dirty="0" smtClean="0"/>
+              <a:rPr lang="zh-CN" altLang="en-US" b="1" dirty="0" smtClean="0">
+                <a:latin typeface="宋体" panose="02010600030101010101" pitchFamily="2" charset="-122"/>
+                <a:ea typeface="宋体" panose="02010600030101010101" pitchFamily="2" charset="-122"/>
+              </a:rPr>
               <a:t>前台进程</a:t>
             </a:r>
-            <a:endParaRPr lang="en-US" altLang="zh-CN" b="1" dirty="0" smtClean="0"/>
+            <a:endParaRPr lang="en-US" altLang="zh-CN" b="1" dirty="0" smtClean="0">
+              <a:latin typeface="宋体" panose="02010600030101010101" pitchFamily="2" charset="-122"/>
+              <a:ea typeface="宋体" panose="02010600030101010101" pitchFamily="2" charset="-122"/>
+            </a:endParaRPr>
           </a:p>
           <a:p>
             <a:pPr>
               <a:buNone/>
             </a:pPr>
             <a:r>
-              <a:rPr lang="en-US" altLang="zh-CN" b="1" dirty="0" smtClean="0"/>
+              <a:rPr lang="en-US" altLang="zh-CN" b="1" dirty="0" smtClean="0">
+                <a:latin typeface="宋体" panose="02010600030101010101" pitchFamily="2" charset="-122"/>
+                <a:ea typeface="宋体" panose="02010600030101010101" pitchFamily="2" charset="-122"/>
+              </a:rPr>
               <a:t>b. </a:t>
             </a:r>
             <a:r>
-              <a:rPr lang="zh-CN" altLang="en-US" b="1" dirty="0" smtClean="0"/>
+              <a:rPr lang="zh-CN" altLang="en-US" b="1" dirty="0" smtClean="0">
+                <a:latin typeface="宋体" panose="02010600030101010101" pitchFamily="2" charset="-122"/>
+                <a:ea typeface="宋体" panose="02010600030101010101" pitchFamily="2" charset="-122"/>
+              </a:rPr>
               <a:t>可见进程</a:t>
             </a:r>
-            <a:endParaRPr lang="en-US" altLang="zh-CN" b="1" dirty="0" smtClean="0"/>
+            <a:endParaRPr lang="en-US" altLang="zh-CN" b="1" dirty="0" smtClean="0">
+              <a:latin typeface="宋体" panose="02010600030101010101" pitchFamily="2" charset="-122"/>
+              <a:ea typeface="宋体" panose="02010600030101010101" pitchFamily="2" charset="-122"/>
+            </a:endParaRPr>
           </a:p>
           <a:p>
             <a:pPr>
               <a:buNone/>
             </a:pPr>
             <a:r>
-              <a:rPr lang="en-US" altLang="zh-CN" b="1" dirty="0" smtClean="0"/>
+              <a:rPr lang="en-US" altLang="zh-CN" b="1" dirty="0" smtClean="0">
+                <a:latin typeface="宋体" panose="02010600030101010101" pitchFamily="2" charset="-122"/>
+                <a:ea typeface="宋体" panose="02010600030101010101" pitchFamily="2" charset="-122"/>
+              </a:rPr>
               <a:t>c. </a:t>
             </a:r>
             <a:r>
-              <a:rPr lang="zh-CN" altLang="en-US" b="1" dirty="0" smtClean="0"/>
+              <a:rPr lang="zh-CN" altLang="en-US" b="1" dirty="0" smtClean="0">
+                <a:latin typeface="宋体" panose="02010600030101010101" pitchFamily="2" charset="-122"/>
+                <a:ea typeface="宋体" panose="02010600030101010101" pitchFamily="2" charset="-122"/>
+              </a:rPr>
               <a:t>服务进程</a:t>
             </a:r>
-            <a:endParaRPr lang="en-US" altLang="zh-CN" b="1" dirty="0" smtClean="0"/>
+            <a:endParaRPr lang="en-US" altLang="zh-CN" b="1" dirty="0" smtClean="0">
+              <a:latin typeface="宋体" panose="02010600030101010101" pitchFamily="2" charset="-122"/>
+              <a:ea typeface="宋体" panose="02010600030101010101" pitchFamily="2" charset="-122"/>
+            </a:endParaRPr>
           </a:p>
           <a:p>
             <a:pPr>
               <a:buNone/>
             </a:pPr>
             <a:r>
-              <a:rPr lang="en-US" altLang="zh-CN" b="1" dirty="0" smtClean="0"/>
+              <a:rPr lang="en-US" altLang="zh-CN" b="1" dirty="0" smtClean="0">
+                <a:latin typeface="宋体" panose="02010600030101010101" pitchFamily="2" charset="-122"/>
+                <a:ea typeface="宋体" panose="02010600030101010101" pitchFamily="2" charset="-122"/>
+              </a:rPr>
               <a:t>d. </a:t>
             </a:r>
             <a:r>
-              <a:rPr lang="zh-CN" altLang="en-US" b="1" dirty="0" smtClean="0"/>
+              <a:rPr lang="zh-CN" altLang="en-US" b="1" dirty="0" smtClean="0">
+                <a:latin typeface="宋体" panose="02010600030101010101" pitchFamily="2" charset="-122"/>
+                <a:ea typeface="宋体" panose="02010600030101010101" pitchFamily="2" charset="-122"/>
+              </a:rPr>
               <a:t>后台进程</a:t>
             </a:r>
-            <a:endParaRPr lang="en-US" altLang="zh-CN" b="1" dirty="0" smtClean="0"/>
+            <a:endParaRPr lang="en-US" altLang="zh-CN" b="1" dirty="0" smtClean="0">
+              <a:latin typeface="宋体" panose="02010600030101010101" pitchFamily="2" charset="-122"/>
+              <a:ea typeface="宋体" panose="02010600030101010101" pitchFamily="2" charset="-122"/>
+            </a:endParaRPr>
           </a:p>
           <a:p>
             <a:pPr>
               <a:buNone/>
             </a:pPr>
             <a:r>
-              <a:rPr lang="en-US" altLang="zh-CN" b="1" dirty="0" smtClean="0"/>
+              <a:rPr lang="en-US" altLang="zh-CN" b="1" dirty="0" smtClean="0">
+                <a:latin typeface="宋体" panose="02010600030101010101" pitchFamily="2" charset="-122"/>
+                <a:ea typeface="宋体" panose="02010600030101010101" pitchFamily="2" charset="-122"/>
+              </a:rPr>
               <a:t>e. </a:t>
             </a:r>
             <a:r>
-              <a:rPr lang="zh-CN" altLang="en-US" b="1" dirty="0" smtClean="0"/>
+              <a:rPr lang="zh-CN" altLang="en-US" b="1" dirty="0" smtClean="0">
+                <a:latin typeface="宋体" panose="02010600030101010101" pitchFamily="2" charset="-122"/>
+                <a:ea typeface="宋体" panose="02010600030101010101" pitchFamily="2" charset="-122"/>
+              </a:rPr>
               <a:t>空进程</a:t>
             </a:r>
-            <a:endParaRPr lang="zh-CN" altLang="en-US" dirty="0"/>
+            <a:endParaRPr lang="zh-CN" altLang="en-US" dirty="0">
+              <a:latin typeface="宋体" panose="02010600030101010101" pitchFamily="2" charset="-122"/>
+              <a:ea typeface="宋体" panose="02010600030101010101" pitchFamily="2" charset="-122"/>
+            </a:endParaRPr>
           </a:p>
         </p:txBody>
       </p:sp>
@@ -7416,7 +8510,7 @@
           <p:nvPr/>
         </p:nvPicPr>
         <p:blipFill>
-          <a:blip r:embed="rId2"/>
+          <a:blip r:embed="rId1"/>
           <a:srcRect/>
           <a:stretch>
             <a:fillRect/>
@@ -7424,7 +8518,7 @@
         </p:blipFill>
         <p:spPr bwMode="auto">
           <a:xfrm>
-            <a:off x="4071934" y="1643050"/>
+            <a:off x="4294184" y="1810055"/>
             <a:ext cx="4640126" cy="3786214"/>
           </a:xfrm>
           <a:prstGeom prst="rect">
@@ -7734,5 +8828,10 @@
   </a:themeElements>
   <a:objectDefaults/>
   <a:extraClrSchemeLst/>
+  <a:extLst>
+    <a:ext uri="{05A4C25C-085E-4340-85A3-A5531E510DB2}">
+      <thm15:themeFamily xmlns:thm15="http://schemas.microsoft.com/office/thememl/2012/main" name="Office Theme" id="{62F939B6-93AF-4DB8-9C6B-D6C7DFDC589F}" vid="{4A3C46E8-61CC-4603-A589-7422A47A8E4A}"/>
+    </a:ext>
+  </a:extLst>
 </a:theme>
 </file>